--- a/Issue_Credit_Card.pptx
+++ b/Issue_Credit_Card.pptx
@@ -10,7 +10,22 @@
     <p:sldId id="258" r:id="rId4"/>
     <p:sldId id="259" r:id="rId5"/>
     <p:sldId id="260" r:id="rId6"/>
-    <p:sldId id="261" r:id="rId7"/>
+    <p:sldId id="262" r:id="rId7"/>
+    <p:sldId id="271" r:id="rId8"/>
+    <p:sldId id="263" r:id="rId9"/>
+    <p:sldId id="270" r:id="rId10"/>
+    <p:sldId id="272" r:id="rId11"/>
+    <p:sldId id="273" r:id="rId12"/>
+    <p:sldId id="267" r:id="rId13"/>
+    <p:sldId id="264" r:id="rId14"/>
+    <p:sldId id="274" r:id="rId15"/>
+    <p:sldId id="275" r:id="rId16"/>
+    <p:sldId id="276" r:id="rId17"/>
+    <p:sldId id="277" r:id="rId18"/>
+    <p:sldId id="268" r:id="rId19"/>
+    <p:sldId id="278" r:id="rId20"/>
+    <p:sldId id="269" r:id="rId21"/>
+    <p:sldId id="261" r:id="rId22"/>
   </p:sldIdLst>
   <p:sldSz cx="12192000" cy="6858000"/>
   <p:notesSz cx="6858000" cy="9144000"/>
@@ -264,7 +279,7 @@
           <a:p>
             <a:fld id="{F2A22C87-D902-4D5A-9915-913C5041EAF5}" type="datetimeFigureOut">
               <a:rPr lang="zh-TW" altLang="en-US" smtClean="0"/>
-              <a:t>2024/3/18</a:t>
+              <a:t>2024/3/19</a:t>
             </a:fld>
             <a:endParaRPr lang="zh-TW" altLang="en-US"/>
           </a:p>
@@ -462,7 +477,7 @@
           <a:p>
             <a:fld id="{F2A22C87-D902-4D5A-9915-913C5041EAF5}" type="datetimeFigureOut">
               <a:rPr lang="zh-TW" altLang="en-US" smtClean="0"/>
-              <a:t>2024/3/18</a:t>
+              <a:t>2024/3/19</a:t>
             </a:fld>
             <a:endParaRPr lang="zh-TW" altLang="en-US"/>
           </a:p>
@@ -670,7 +685,7 @@
           <a:p>
             <a:fld id="{F2A22C87-D902-4D5A-9915-913C5041EAF5}" type="datetimeFigureOut">
               <a:rPr lang="zh-TW" altLang="en-US" smtClean="0"/>
-              <a:t>2024/3/18</a:t>
+              <a:t>2024/3/19</a:t>
             </a:fld>
             <a:endParaRPr lang="zh-TW" altLang="en-US"/>
           </a:p>
@@ -868,7 +883,7 @@
           <a:p>
             <a:fld id="{F2A22C87-D902-4D5A-9915-913C5041EAF5}" type="datetimeFigureOut">
               <a:rPr lang="zh-TW" altLang="en-US" smtClean="0"/>
-              <a:t>2024/3/18</a:t>
+              <a:t>2024/3/19</a:t>
             </a:fld>
             <a:endParaRPr lang="zh-TW" altLang="en-US"/>
           </a:p>
@@ -1143,7 +1158,7 @@
           <a:p>
             <a:fld id="{F2A22C87-D902-4D5A-9915-913C5041EAF5}" type="datetimeFigureOut">
               <a:rPr lang="zh-TW" altLang="en-US" smtClean="0"/>
-              <a:t>2024/3/18</a:t>
+              <a:t>2024/3/19</a:t>
             </a:fld>
             <a:endParaRPr lang="zh-TW" altLang="en-US"/>
           </a:p>
@@ -1408,7 +1423,7 @@
           <a:p>
             <a:fld id="{F2A22C87-D902-4D5A-9915-913C5041EAF5}" type="datetimeFigureOut">
               <a:rPr lang="zh-TW" altLang="en-US" smtClean="0"/>
-              <a:t>2024/3/18</a:t>
+              <a:t>2024/3/19</a:t>
             </a:fld>
             <a:endParaRPr lang="zh-TW" altLang="en-US"/>
           </a:p>
@@ -1820,7 +1835,7 @@
           <a:p>
             <a:fld id="{F2A22C87-D902-4D5A-9915-913C5041EAF5}" type="datetimeFigureOut">
               <a:rPr lang="zh-TW" altLang="en-US" smtClean="0"/>
-              <a:t>2024/3/18</a:t>
+              <a:t>2024/3/19</a:t>
             </a:fld>
             <a:endParaRPr lang="zh-TW" altLang="en-US"/>
           </a:p>
@@ -1961,7 +1976,7 @@
           <a:p>
             <a:fld id="{F2A22C87-D902-4D5A-9915-913C5041EAF5}" type="datetimeFigureOut">
               <a:rPr lang="zh-TW" altLang="en-US" smtClean="0"/>
-              <a:t>2024/3/18</a:t>
+              <a:t>2024/3/19</a:t>
             </a:fld>
             <a:endParaRPr lang="zh-TW" altLang="en-US"/>
           </a:p>
@@ -2074,7 +2089,7 @@
           <a:p>
             <a:fld id="{F2A22C87-D902-4D5A-9915-913C5041EAF5}" type="datetimeFigureOut">
               <a:rPr lang="zh-TW" altLang="en-US" smtClean="0"/>
-              <a:t>2024/3/18</a:t>
+              <a:t>2024/3/19</a:t>
             </a:fld>
             <a:endParaRPr lang="zh-TW" altLang="en-US"/>
           </a:p>
@@ -2385,7 +2400,7 @@
           <a:p>
             <a:fld id="{F2A22C87-D902-4D5A-9915-913C5041EAF5}" type="datetimeFigureOut">
               <a:rPr lang="zh-TW" altLang="en-US" smtClean="0"/>
-              <a:t>2024/3/18</a:t>
+              <a:t>2024/3/19</a:t>
             </a:fld>
             <a:endParaRPr lang="zh-TW" altLang="en-US"/>
           </a:p>
@@ -2673,7 +2688,7 @@
           <a:p>
             <a:fld id="{F2A22C87-D902-4D5A-9915-913C5041EAF5}" type="datetimeFigureOut">
               <a:rPr lang="zh-TW" altLang="en-US" smtClean="0"/>
-              <a:t>2024/3/18</a:t>
+              <a:t>2024/3/19</a:t>
             </a:fld>
             <a:endParaRPr lang="zh-TW" altLang="en-US"/>
           </a:p>
@@ -2914,7 +2929,7 @@
           <a:p>
             <a:fld id="{F2A22C87-D902-4D5A-9915-913C5041EAF5}" type="datetimeFigureOut">
               <a:rPr lang="zh-TW" altLang="en-US" smtClean="0"/>
-              <a:t>2024/3/18</a:t>
+              <a:t>2024/3/19</a:t>
             </a:fld>
             <a:endParaRPr lang="zh-TW" altLang="en-US"/>
           </a:p>
@@ -3355,34 +3370,50 @@
             <a:r>
               <a:rPr lang="zh-TW" altLang="en-US" b="0" i="0" dirty="0">
                 <a:solidFill>
-                  <a:srgbClr val="DBDEE1"/>
-                </a:solidFill>
-                <a:effectLst/>
-                <a:latin typeface="Consolas" panose="020B0609020204030204" pitchFamily="49" charset="0"/>
+                  <a:schemeClr val="bg2">
+                    <a:lumMod val="25000"/>
+                  </a:schemeClr>
+                </a:solidFill>
+                <a:effectLst/>
+                <a:latin typeface="微軟正黑體" panose="020B0604030504040204" pitchFamily="34" charset="-120"/>
+                <a:ea typeface="微軟正黑體" panose="020B0604030504040204" pitchFamily="34" charset="-120"/>
               </a:rPr>
               <a:t>機器學習</a:t>
             </a:r>
             <a:r>
-              <a:rPr lang="en-US" altLang="zh-TW" b="0" i="0" dirty="0">
-                <a:solidFill>
-                  <a:srgbClr val="DBDEE1"/>
-                </a:solidFill>
-                <a:effectLst/>
-                <a:latin typeface="Consolas" panose="020B0609020204030204" pitchFamily="49" charset="0"/>
-              </a:rPr>
-              <a:t>-</a:t>
+              <a:rPr lang="en-US" altLang="zh-TW" dirty="0">
+                <a:solidFill>
+                  <a:schemeClr val="bg2">
+                    <a:lumMod val="25000"/>
+                  </a:schemeClr>
+                </a:solidFill>
+                <a:latin typeface="微軟正黑體" panose="020B0604030504040204" pitchFamily="34" charset="-120"/>
+                <a:ea typeface="微軟正黑體" panose="020B0604030504040204" pitchFamily="34" charset="-120"/>
+              </a:rPr>
+              <a:t>_</a:t>
             </a:r>
             <a:r>
               <a:rPr lang="zh-TW" altLang="en-US" b="0" i="0" dirty="0">
                 <a:solidFill>
-                  <a:srgbClr val="DBDEE1"/>
-                </a:solidFill>
-                <a:effectLst/>
-                <a:latin typeface="Consolas" panose="020B0609020204030204" pitchFamily="49" charset="0"/>
+                  <a:schemeClr val="bg2">
+                    <a:lumMod val="25000"/>
+                  </a:schemeClr>
+                </a:solidFill>
+                <a:effectLst/>
+                <a:latin typeface="微軟正黑體" panose="020B0604030504040204" pitchFamily="34" charset="-120"/>
+                <a:ea typeface="微軟正黑體" panose="020B0604030504040204" pitchFamily="34" charset="-120"/>
               </a:rPr>
               <a:t>信用卡發放分析</a:t>
             </a:r>
-            <a:endParaRPr lang="zh-TW" altLang="en-US" dirty="0"/>
+            <a:endParaRPr lang="zh-TW" altLang="en-US" dirty="0">
+              <a:solidFill>
+                <a:schemeClr val="bg2">
+                  <a:lumMod val="25000"/>
+                </a:schemeClr>
+              </a:solidFill>
+              <a:latin typeface="微軟正黑體" panose="020B0604030504040204" pitchFamily="34" charset="-120"/>
+              <a:ea typeface="微軟正黑體" panose="020B0604030504040204" pitchFamily="34" charset="-120"/>
+            </a:endParaRPr>
           </a:p>
         </p:txBody>
       </p:sp>
@@ -3408,14 +3439,41 @@
           <a:lstStyle/>
           <a:p>
             <a:r>
-              <a:rPr lang="zh-TW" altLang="en-US" dirty="0"/>
-              <a:t>聯</a:t>
-            </a:r>
-            <a:r>
-              <a:rPr lang="zh-TW" altLang="en-US"/>
-              <a:t>成電腦 機器學習</a:t>
-            </a:r>
-            <a:endParaRPr lang="zh-TW" altLang="en-US" dirty="0"/>
+              <a:rPr lang="zh-TW" altLang="en-US" dirty="0">
+                <a:solidFill>
+                  <a:schemeClr val="bg2">
+                    <a:lumMod val="25000"/>
+                  </a:schemeClr>
+                </a:solidFill>
+                <a:latin typeface="微軟正黑體" panose="020B0604030504040204" pitchFamily="34" charset="-120"/>
+                <a:ea typeface="微軟正黑體" panose="020B0604030504040204" pitchFamily="34" charset="-120"/>
+              </a:rPr>
+              <a:t>聯成電腦</a:t>
+            </a:r>
+            <a:r>
+              <a:rPr lang="en-US" altLang="zh-TW" dirty="0">
+                <a:solidFill>
+                  <a:schemeClr val="bg2">
+                    <a:lumMod val="25000"/>
+                  </a:schemeClr>
+                </a:solidFill>
+                <a:latin typeface="微軟正黑體" panose="020B0604030504040204" pitchFamily="34" charset="-120"/>
+                <a:ea typeface="微軟正黑體" panose="020B0604030504040204" pitchFamily="34" charset="-120"/>
+              </a:rPr>
+              <a:t>_</a:t>
+            </a:r>
+            <a:r>
+              <a:rPr lang="zh-TW" altLang="en-US" dirty="0">
+                <a:solidFill>
+                  <a:schemeClr val="bg2">
+                    <a:lumMod val="25000"/>
+                  </a:schemeClr>
+                </a:solidFill>
+                <a:latin typeface="微軟正黑體" panose="020B0604030504040204" pitchFamily="34" charset="-120"/>
+                <a:ea typeface="微軟正黑體" panose="020B0604030504040204" pitchFamily="34" charset="-120"/>
+              </a:rPr>
+              <a:t>機器學習與影像識別</a:t>
+            </a:r>
           </a:p>
         </p:txBody>
       </p:sp>
@@ -3423,6 +3481,4547 @@
     <p:extLst>
       <p:ext uri="{BB962C8B-B14F-4D97-AF65-F5344CB8AC3E}">
         <p14:creationId xmlns:p14="http://schemas.microsoft.com/office/powerpoint/2010/main" val="574287866"/>
+      </p:ext>
+    </p:extLst>
+  </p:cSld>
+  <p:clrMapOvr>
+    <a:masterClrMapping/>
+  </p:clrMapOvr>
+</p:sld>
+</file>
+
+<file path=ppt/slides/slide10.xml><?xml version="1.0" encoding="utf-8"?>
+<p:sld xmlns:a="http://schemas.openxmlformats.org/drawingml/2006/main" xmlns:r="http://schemas.openxmlformats.org/officeDocument/2006/relationships" xmlns:p="http://schemas.openxmlformats.org/presentationml/2006/main">
+  <p:cSld>
+    <p:spTree>
+      <p:nvGrpSpPr>
+        <p:cNvPr id="1" name=""/>
+        <p:cNvGrpSpPr/>
+        <p:nvPr/>
+      </p:nvGrpSpPr>
+      <p:grpSpPr>
+        <a:xfrm>
+          <a:off x="0" y="0"/>
+          <a:ext cx="0" cy="0"/>
+          <a:chOff x="0" y="0"/>
+          <a:chExt cx="0" cy="0"/>
+        </a:xfrm>
+      </p:grpSpPr>
+      <p:sp>
+        <p:nvSpPr>
+          <p:cNvPr id="2" name="標題 1">
+            <a:extLst>
+              <a:ext uri="{FF2B5EF4-FFF2-40B4-BE49-F238E27FC236}">
+                <a16:creationId xmlns:a16="http://schemas.microsoft.com/office/drawing/2014/main" id="{91074A32-1A77-F2BC-EC73-5396B3A96D79}"/>
+              </a:ext>
+            </a:extLst>
+          </p:cNvPr>
+          <p:cNvSpPr>
+            <a:spLocks noGrp="1"/>
+          </p:cNvSpPr>
+          <p:nvPr>
+            <p:ph type="title"/>
+          </p:nvPr>
+        </p:nvSpPr>
+        <p:spPr/>
+        <p:txBody>
+          <a:bodyPr/>
+          <a:lstStyle/>
+          <a:p>
+            <a:r>
+              <a:rPr lang="zh-TW" altLang="en-US" sz="4400" b="0" i="0" dirty="0">
+                <a:solidFill>
+                  <a:schemeClr val="bg2">
+                    <a:lumMod val="25000"/>
+                  </a:schemeClr>
+                </a:solidFill>
+                <a:effectLst/>
+                <a:latin typeface="微軟正黑體" panose="020B0604030504040204" pitchFamily="34" charset="-120"/>
+                <a:ea typeface="微軟正黑體" panose="020B0604030504040204" pitchFamily="34" charset="-120"/>
+              </a:rPr>
+              <a:t>資料分析</a:t>
+            </a:r>
+            <a:r>
+              <a:rPr lang="zh-TW" altLang="en-US" sz="4400" dirty="0">
+                <a:solidFill>
+                  <a:schemeClr val="bg2">
+                    <a:lumMod val="25000"/>
+                  </a:schemeClr>
+                </a:solidFill>
+                <a:latin typeface="微軟正黑體" panose="020B0604030504040204" pitchFamily="34" charset="-120"/>
+                <a:ea typeface="微軟正黑體" panose="020B0604030504040204" pitchFamily="34" charset="-120"/>
+              </a:rPr>
+              <a:t> </a:t>
+            </a:r>
+            <a:r>
+              <a:rPr lang="en-US" altLang="zh-TW" sz="4400" dirty="0">
+                <a:solidFill>
+                  <a:schemeClr val="bg2">
+                    <a:lumMod val="25000"/>
+                  </a:schemeClr>
+                </a:solidFill>
+                <a:latin typeface="微軟正黑體" panose="020B0604030504040204" pitchFamily="34" charset="-120"/>
+                <a:ea typeface="微軟正黑體" panose="020B0604030504040204" pitchFamily="34" charset="-120"/>
+              </a:rPr>
+              <a:t>–</a:t>
+            </a:r>
+            <a:r>
+              <a:rPr lang="zh-TW" altLang="en-US" sz="4400" dirty="0">
+                <a:solidFill>
+                  <a:schemeClr val="bg2">
+                    <a:lumMod val="25000"/>
+                  </a:schemeClr>
+                </a:solidFill>
+                <a:latin typeface="微軟正黑體" panose="020B0604030504040204" pitchFamily="34" charset="-120"/>
+                <a:ea typeface="微軟正黑體" panose="020B0604030504040204" pitchFamily="34" charset="-120"/>
+              </a:rPr>
+              <a:t> 皮爾森相關係數</a:t>
+            </a:r>
+            <a:endParaRPr lang="zh-TW" altLang="en-US" dirty="0"/>
+          </a:p>
+        </p:txBody>
+      </p:sp>
+      <p:pic>
+        <p:nvPicPr>
+          <p:cNvPr id="13" name="內容版面配置區 12">
+            <a:extLst>
+              <a:ext uri="{FF2B5EF4-FFF2-40B4-BE49-F238E27FC236}">
+                <a16:creationId xmlns:a16="http://schemas.microsoft.com/office/drawing/2014/main" id="{5728122B-71BA-25E1-303B-61ADD23AFAFE}"/>
+              </a:ext>
+            </a:extLst>
+          </p:cNvPr>
+          <p:cNvPicPr>
+            <a:picLocks noGrp="1" noChangeAspect="1"/>
+          </p:cNvPicPr>
+          <p:nvPr>
+            <p:ph idx="1"/>
+          </p:nvPr>
+        </p:nvPicPr>
+        <p:blipFill rotWithShape="1">
+          <a:blip r:embed="rId2"/>
+          <a:srcRect l="7343" t="33016" r="51603"/>
+          <a:stretch/>
+        </p:blipFill>
+        <p:spPr>
+          <a:xfrm>
+            <a:off x="669471" y="1899104"/>
+            <a:ext cx="4016830" cy="4593771"/>
+          </a:xfrm>
+        </p:spPr>
+      </p:pic>
+      <p:sp>
+        <p:nvSpPr>
+          <p:cNvPr id="14" name="文字方塊 13">
+            <a:extLst>
+              <a:ext uri="{FF2B5EF4-FFF2-40B4-BE49-F238E27FC236}">
+                <a16:creationId xmlns:a16="http://schemas.microsoft.com/office/drawing/2014/main" id="{59C3C961-D206-4682-00F9-B1F82D140F2C}"/>
+              </a:ext>
+            </a:extLst>
+          </p:cNvPr>
+          <p:cNvSpPr txBox="1"/>
+          <p:nvPr/>
+        </p:nvSpPr>
+        <p:spPr>
+          <a:xfrm>
+            <a:off x="4973941" y="2799556"/>
+            <a:ext cx="6548588" cy="3693319"/>
+          </a:xfrm>
+          <a:prstGeom prst="rect">
+            <a:avLst/>
+          </a:prstGeom>
+          <a:noFill/>
+        </p:spPr>
+        <p:txBody>
+          <a:bodyPr wrap="none" rtlCol="0">
+            <a:spAutoFit/>
+          </a:bodyPr>
+          <a:lstStyle/>
+          <a:p>
+            <a:r>
+              <a:rPr lang="zh-TW" altLang="en-US" dirty="0">
+                <a:latin typeface="微軟正黑體" panose="020B0604030504040204" pitchFamily="34" charset="-120"/>
+                <a:ea typeface="微軟正黑體" panose="020B0604030504040204" pitchFamily="34" charset="-120"/>
+              </a:rPr>
+              <a:t>每個欄位特徵與目標欄位核卡狀況</a:t>
+            </a:r>
+            <a:r>
+              <a:rPr lang="en-US" altLang="zh-TW" dirty="0">
+                <a:latin typeface="微軟正黑體" panose="020B0604030504040204" pitchFamily="34" charset="-120"/>
+                <a:ea typeface="微軟正黑體" panose="020B0604030504040204" pitchFamily="34" charset="-120"/>
+              </a:rPr>
+              <a:t>[“card”]</a:t>
+            </a:r>
+            <a:r>
+              <a:rPr lang="zh-TW" altLang="en-US" dirty="0">
+                <a:latin typeface="微軟正黑體" panose="020B0604030504040204" pitchFamily="34" charset="-120"/>
+                <a:ea typeface="微軟正黑體" panose="020B0604030504040204" pitchFamily="34" charset="-120"/>
+              </a:rPr>
+              <a:t>之間的關聯係數</a:t>
+            </a:r>
+            <a:endParaRPr lang="en-US" altLang="zh-TW" dirty="0">
+              <a:latin typeface="微軟正黑體" panose="020B0604030504040204" pitchFamily="34" charset="-120"/>
+              <a:ea typeface="微軟正黑體" panose="020B0604030504040204" pitchFamily="34" charset="-120"/>
+            </a:endParaRPr>
+          </a:p>
+          <a:p>
+            <a:endParaRPr lang="en-US" altLang="zh-TW" dirty="0">
+              <a:latin typeface="微軟正黑體" panose="020B0604030504040204" pitchFamily="34" charset="-120"/>
+              <a:ea typeface="微軟正黑體" panose="020B0604030504040204" pitchFamily="34" charset="-120"/>
+            </a:endParaRPr>
+          </a:p>
+          <a:p>
+            <a:r>
+              <a:rPr lang="zh-TW" altLang="en-US" dirty="0">
+                <a:latin typeface="微軟正黑體" panose="020B0604030504040204" pitchFamily="34" charset="-120"/>
+                <a:ea typeface="微軟正黑體" panose="020B0604030504040204" pitchFamily="34" charset="-120"/>
+              </a:rPr>
+              <a:t>聯徵紀錄</a:t>
+            </a:r>
+            <a:r>
+              <a:rPr lang="en-US" altLang="zh-TW" dirty="0">
+                <a:latin typeface="微軟正黑體" panose="020B0604030504040204" pitchFamily="34" charset="-120"/>
+                <a:ea typeface="微軟正黑體" panose="020B0604030504040204" pitchFamily="34" charset="-120"/>
+              </a:rPr>
+              <a:t>[reports] &gt; </a:t>
+            </a:r>
+            <a:r>
+              <a:rPr lang="zh-TW" altLang="en-US" dirty="0">
+                <a:latin typeface="微軟正黑體" panose="020B0604030504040204" pitchFamily="34" charset="-120"/>
+                <a:ea typeface="微軟正黑體" panose="020B0604030504040204" pitchFamily="34" charset="-120"/>
+              </a:rPr>
+              <a:t>收支比</a:t>
+            </a:r>
+            <a:r>
+              <a:rPr lang="en-US" altLang="zh-TW" dirty="0">
+                <a:latin typeface="微軟正黑體" panose="020B0604030504040204" pitchFamily="34" charset="-120"/>
+                <a:ea typeface="微軟正黑體" panose="020B0604030504040204" pitchFamily="34" charset="-120"/>
+              </a:rPr>
+              <a:t>[share] &gt;</a:t>
+            </a:r>
+          </a:p>
+          <a:p>
+            <a:endParaRPr lang="en-US" altLang="zh-TW" dirty="0">
+              <a:latin typeface="微軟正黑體" panose="020B0604030504040204" pitchFamily="34" charset="-120"/>
+              <a:ea typeface="微軟正黑體" panose="020B0604030504040204" pitchFamily="34" charset="-120"/>
+            </a:endParaRPr>
+          </a:p>
+          <a:p>
+            <a:r>
+              <a:rPr lang="zh-TW" altLang="en-US" dirty="0">
+                <a:latin typeface="微軟正黑體" panose="020B0604030504040204" pitchFamily="34" charset="-120"/>
+                <a:ea typeface="微軟正黑體" panose="020B0604030504040204" pitchFamily="34" charset="-120"/>
+              </a:rPr>
+              <a:t>每月信用卡支出平均</a:t>
+            </a:r>
+            <a:r>
+              <a:rPr lang="en-US" altLang="zh-TW" dirty="0">
+                <a:latin typeface="微軟正黑體" panose="020B0604030504040204" pitchFamily="34" charset="-120"/>
+                <a:ea typeface="微軟正黑體" panose="020B0604030504040204" pitchFamily="34" charset="-120"/>
+              </a:rPr>
+              <a:t>[expenditure] &gt; </a:t>
+            </a:r>
+            <a:r>
+              <a:rPr lang="zh-TW" altLang="en-US" dirty="0">
+                <a:latin typeface="微軟正黑體" panose="020B0604030504040204" pitchFamily="34" charset="-120"/>
+                <a:ea typeface="微軟正黑體" panose="020B0604030504040204" pitchFamily="34" charset="-120"/>
+              </a:rPr>
+              <a:t>房地產</a:t>
+            </a:r>
+            <a:r>
+              <a:rPr lang="en-US" altLang="zh-TW" dirty="0">
+                <a:latin typeface="微軟正黑體" panose="020B0604030504040204" pitchFamily="34" charset="-120"/>
+                <a:ea typeface="微軟正黑體" panose="020B0604030504040204" pitchFamily="34" charset="-120"/>
+              </a:rPr>
+              <a:t>[owner] &gt;</a:t>
+            </a:r>
+          </a:p>
+          <a:p>
+            <a:endParaRPr lang="en-US" altLang="zh-TW" dirty="0">
+              <a:latin typeface="微軟正黑體" panose="020B0604030504040204" pitchFamily="34" charset="-120"/>
+              <a:ea typeface="微軟正黑體" panose="020B0604030504040204" pitchFamily="34" charset="-120"/>
+            </a:endParaRPr>
+          </a:p>
+          <a:p>
+            <a:r>
+              <a:rPr lang="zh-TW" altLang="en-US" dirty="0">
+                <a:latin typeface="微軟正黑體" panose="020B0604030504040204" pitchFamily="34" charset="-120"/>
+                <a:ea typeface="微軟正黑體" panose="020B0604030504040204" pitchFamily="34" charset="-120"/>
+              </a:rPr>
+              <a:t>持有主卡</a:t>
+            </a:r>
+            <a:r>
+              <a:rPr lang="en-US" altLang="zh-TW" dirty="0">
+                <a:latin typeface="微軟正黑體" panose="020B0604030504040204" pitchFamily="34" charset="-120"/>
+                <a:ea typeface="微軟正黑體" panose="020B0604030504040204" pitchFamily="34" charset="-120"/>
+              </a:rPr>
+              <a:t>[</a:t>
+            </a:r>
+            <a:r>
+              <a:rPr lang="en-US" altLang="zh-TW" dirty="0" err="1">
+                <a:latin typeface="微軟正黑體" panose="020B0604030504040204" pitchFamily="34" charset="-120"/>
+                <a:ea typeface="微軟正黑體" panose="020B0604030504040204" pitchFamily="34" charset="-120"/>
+              </a:rPr>
+              <a:t>majorcards</a:t>
+            </a:r>
+            <a:r>
+              <a:rPr lang="en-US" altLang="zh-TW" dirty="0">
+                <a:latin typeface="微軟正黑體" panose="020B0604030504040204" pitchFamily="34" charset="-120"/>
+                <a:ea typeface="微軟正黑體" panose="020B0604030504040204" pitchFamily="34" charset="-120"/>
+              </a:rPr>
+              <a:t>] &gt; </a:t>
+            </a:r>
+            <a:r>
+              <a:rPr lang="zh-TW" altLang="en-US" dirty="0">
+                <a:latin typeface="微軟正黑體" panose="020B0604030504040204" pitchFamily="34" charset="-120"/>
+                <a:ea typeface="微軟正黑體" panose="020B0604030504040204" pitchFamily="34" charset="-120"/>
+              </a:rPr>
+              <a:t>年收入</a:t>
+            </a:r>
+            <a:r>
+              <a:rPr lang="en-US" altLang="zh-TW" dirty="0">
+                <a:latin typeface="微軟正黑體" panose="020B0604030504040204" pitchFamily="34" charset="-120"/>
+                <a:ea typeface="微軟正黑體" panose="020B0604030504040204" pitchFamily="34" charset="-120"/>
+              </a:rPr>
+              <a:t>[income]</a:t>
+            </a:r>
+            <a:r>
+              <a:rPr lang="zh-TW" altLang="en-US" dirty="0">
+                <a:latin typeface="微軟正黑體" panose="020B0604030504040204" pitchFamily="34" charset="-120"/>
+                <a:ea typeface="微軟正黑體" panose="020B0604030504040204" pitchFamily="34" charset="-120"/>
+              </a:rPr>
+              <a:t> </a:t>
+            </a:r>
+            <a:r>
+              <a:rPr lang="en-US" altLang="zh-TW" dirty="0">
+                <a:latin typeface="微軟正黑體" panose="020B0604030504040204" pitchFamily="34" charset="-120"/>
+                <a:ea typeface="微軟正黑體" panose="020B0604030504040204" pitchFamily="34" charset="-120"/>
+              </a:rPr>
+              <a:t>&gt; </a:t>
+            </a:r>
+            <a:r>
+              <a:rPr lang="zh-TW" altLang="en-US" dirty="0">
+                <a:latin typeface="微軟正黑體" panose="020B0604030504040204" pitchFamily="34" charset="-120"/>
+                <a:ea typeface="微軟正黑體" panose="020B0604030504040204" pitchFamily="34" charset="-120"/>
+              </a:rPr>
+              <a:t>活躍帳戶</a:t>
+            </a:r>
+            <a:r>
+              <a:rPr lang="en-US" altLang="zh-TW" dirty="0">
+                <a:latin typeface="微軟正黑體" panose="020B0604030504040204" pitchFamily="34" charset="-120"/>
+                <a:ea typeface="微軟正黑體" panose="020B0604030504040204" pitchFamily="34" charset="-120"/>
+              </a:rPr>
+              <a:t>[active]&gt;</a:t>
+            </a:r>
+          </a:p>
+          <a:p>
+            <a:endParaRPr lang="en-US" altLang="zh-TW" dirty="0">
+              <a:latin typeface="微軟正黑體" panose="020B0604030504040204" pitchFamily="34" charset="-120"/>
+              <a:ea typeface="微軟正黑體" panose="020B0604030504040204" pitchFamily="34" charset="-120"/>
+            </a:endParaRPr>
+          </a:p>
+          <a:p>
+            <a:r>
+              <a:rPr lang="zh-TW" altLang="en-US" dirty="0">
+                <a:latin typeface="微軟正黑體" panose="020B0604030504040204" pitchFamily="34" charset="-120"/>
+                <a:ea typeface="微軟正黑體" panose="020B0604030504040204" pitchFamily="34" charset="-120"/>
+              </a:rPr>
+              <a:t>創業人士</a:t>
+            </a:r>
+            <a:r>
+              <a:rPr lang="en-US" altLang="zh-TW" dirty="0">
+                <a:latin typeface="微軟正黑體" panose="020B0604030504040204" pitchFamily="34" charset="-120"/>
+                <a:ea typeface="微軟正黑體" panose="020B0604030504040204" pitchFamily="34" charset="-120"/>
+              </a:rPr>
+              <a:t>[</a:t>
+            </a:r>
+            <a:r>
+              <a:rPr lang="en-US" altLang="zh-TW" dirty="0" err="1">
+                <a:latin typeface="微軟正黑體" panose="020B0604030504040204" pitchFamily="34" charset="-120"/>
+                <a:ea typeface="微軟正黑體" panose="020B0604030504040204" pitchFamily="34" charset="-120"/>
+              </a:rPr>
+              <a:t>selfemp</a:t>
+            </a:r>
+            <a:r>
+              <a:rPr lang="en-US" altLang="zh-TW" dirty="0">
+                <a:latin typeface="微軟正黑體" panose="020B0604030504040204" pitchFamily="34" charset="-120"/>
+                <a:ea typeface="微軟正黑體" panose="020B0604030504040204" pitchFamily="34" charset="-120"/>
+              </a:rPr>
+              <a:t>] &gt;</a:t>
+            </a:r>
+            <a:r>
+              <a:rPr lang="zh-TW" altLang="en-US" dirty="0">
+                <a:latin typeface="微軟正黑體" panose="020B0604030504040204" pitchFamily="34" charset="-120"/>
+                <a:ea typeface="微軟正黑體" panose="020B0604030504040204" pitchFamily="34" charset="-120"/>
+              </a:rPr>
+              <a:t>扶養人數</a:t>
+            </a:r>
+            <a:r>
+              <a:rPr lang="en-US" altLang="zh-TW" dirty="0">
+                <a:latin typeface="微軟正黑體" panose="020B0604030504040204" pitchFamily="34" charset="-120"/>
+                <a:ea typeface="微軟正黑體" panose="020B0604030504040204" pitchFamily="34" charset="-120"/>
+              </a:rPr>
+              <a:t>[dependents] &gt; </a:t>
+            </a:r>
+            <a:r>
+              <a:rPr lang="zh-TW" altLang="en-US" dirty="0">
+                <a:latin typeface="微軟正黑體" panose="020B0604030504040204" pitchFamily="34" charset="-120"/>
+                <a:ea typeface="微軟正黑體" panose="020B0604030504040204" pitchFamily="34" charset="-120"/>
+              </a:rPr>
+              <a:t>年齡</a:t>
+            </a:r>
+            <a:r>
+              <a:rPr lang="en-US" altLang="zh-TW" dirty="0">
+                <a:latin typeface="微軟正黑體" panose="020B0604030504040204" pitchFamily="34" charset="-120"/>
+                <a:ea typeface="微軟正黑體" panose="020B0604030504040204" pitchFamily="34" charset="-120"/>
+              </a:rPr>
+              <a:t>[age]</a:t>
+            </a:r>
+            <a:r>
+              <a:rPr lang="zh-TW" altLang="en-US" dirty="0">
+                <a:latin typeface="微軟正黑體" panose="020B0604030504040204" pitchFamily="34" charset="-120"/>
+                <a:ea typeface="微軟正黑體" panose="020B0604030504040204" pitchFamily="34" charset="-120"/>
+              </a:rPr>
+              <a:t> </a:t>
+            </a:r>
+            <a:r>
+              <a:rPr lang="en-US" altLang="zh-TW" dirty="0">
+                <a:latin typeface="微軟正黑體" panose="020B0604030504040204" pitchFamily="34" charset="-120"/>
+                <a:ea typeface="微軟正黑體" panose="020B0604030504040204" pitchFamily="34" charset="-120"/>
+              </a:rPr>
+              <a:t>&gt;</a:t>
+            </a:r>
+          </a:p>
+          <a:p>
+            <a:endParaRPr lang="en-US" altLang="zh-TW" dirty="0">
+              <a:latin typeface="微軟正黑體" panose="020B0604030504040204" pitchFamily="34" charset="-120"/>
+              <a:ea typeface="微軟正黑體" panose="020B0604030504040204" pitchFamily="34" charset="-120"/>
+            </a:endParaRPr>
+          </a:p>
+          <a:p>
+            <a:r>
+              <a:rPr lang="zh-TW" altLang="en-US" dirty="0">
+                <a:latin typeface="微軟正黑體" panose="020B0604030504040204" pitchFamily="34" charset="-120"/>
+                <a:ea typeface="微軟正黑體" panose="020B0604030504040204" pitchFamily="34" charset="-120"/>
+              </a:rPr>
+              <a:t>居住時間</a:t>
+            </a:r>
+            <a:r>
+              <a:rPr lang="en-US" altLang="zh-TW" dirty="0">
+                <a:latin typeface="微軟正黑體" panose="020B0604030504040204" pitchFamily="34" charset="-120"/>
+                <a:ea typeface="微軟正黑體" panose="020B0604030504040204" pitchFamily="34" charset="-120"/>
+              </a:rPr>
+              <a:t>[months]</a:t>
+            </a:r>
+          </a:p>
+          <a:p>
+            <a:endParaRPr lang="en-US" altLang="zh-TW" dirty="0">
+              <a:latin typeface="微軟正黑體" panose="020B0604030504040204" pitchFamily="34" charset="-120"/>
+              <a:ea typeface="微軟正黑體" panose="020B0604030504040204" pitchFamily="34" charset="-120"/>
+            </a:endParaRPr>
+          </a:p>
+          <a:p>
+            <a:endParaRPr lang="zh-TW" altLang="en-US" dirty="0">
+              <a:latin typeface="微軟正黑體" panose="020B0604030504040204" pitchFamily="34" charset="-120"/>
+              <a:ea typeface="微軟正黑體" panose="020B0604030504040204" pitchFamily="34" charset="-120"/>
+            </a:endParaRPr>
+          </a:p>
+        </p:txBody>
+      </p:sp>
+    </p:spTree>
+    <p:extLst>
+      <p:ext uri="{BB962C8B-B14F-4D97-AF65-F5344CB8AC3E}">
+        <p14:creationId xmlns:p14="http://schemas.microsoft.com/office/powerpoint/2010/main" val="1719047619"/>
+      </p:ext>
+    </p:extLst>
+  </p:cSld>
+  <p:clrMapOvr>
+    <a:masterClrMapping/>
+  </p:clrMapOvr>
+</p:sld>
+</file>
+
+<file path=ppt/slides/slide11.xml><?xml version="1.0" encoding="utf-8"?>
+<p:sld xmlns:a="http://schemas.openxmlformats.org/drawingml/2006/main" xmlns:r="http://schemas.openxmlformats.org/officeDocument/2006/relationships" xmlns:p="http://schemas.openxmlformats.org/presentationml/2006/main">
+  <p:cSld>
+    <p:spTree>
+      <p:nvGrpSpPr>
+        <p:cNvPr id="1" name=""/>
+        <p:cNvGrpSpPr/>
+        <p:nvPr/>
+      </p:nvGrpSpPr>
+      <p:grpSpPr>
+        <a:xfrm>
+          <a:off x="0" y="0"/>
+          <a:ext cx="0" cy="0"/>
+          <a:chOff x="0" y="0"/>
+          <a:chExt cx="0" cy="0"/>
+        </a:xfrm>
+      </p:grpSpPr>
+      <p:sp>
+        <p:nvSpPr>
+          <p:cNvPr id="2" name="標題 1">
+            <a:extLst>
+              <a:ext uri="{FF2B5EF4-FFF2-40B4-BE49-F238E27FC236}">
+                <a16:creationId xmlns:a16="http://schemas.microsoft.com/office/drawing/2014/main" id="{CB4F0694-169B-4FCB-BFB2-D6365037881A}"/>
+              </a:ext>
+            </a:extLst>
+          </p:cNvPr>
+          <p:cNvSpPr>
+            <a:spLocks noGrp="1"/>
+          </p:cNvSpPr>
+          <p:nvPr>
+            <p:ph type="title"/>
+          </p:nvPr>
+        </p:nvSpPr>
+        <p:spPr/>
+        <p:txBody>
+          <a:bodyPr/>
+          <a:lstStyle/>
+          <a:p>
+            <a:r>
+              <a:rPr lang="zh-TW" altLang="en-US" dirty="0">
+                <a:latin typeface="微軟正黑體" panose="020B0604030504040204" pitchFamily="34" charset="-120"/>
+                <a:ea typeface="微軟正黑體" panose="020B0604030504040204" pitchFamily="34" charset="-120"/>
+              </a:rPr>
+              <a:t>分析整理</a:t>
+            </a:r>
+            <a:r>
+              <a:rPr lang="en-US" altLang="zh-TW" dirty="0">
+                <a:latin typeface="微軟正黑體" panose="020B0604030504040204" pitchFamily="34" charset="-120"/>
+                <a:ea typeface="微軟正黑體" panose="020B0604030504040204" pitchFamily="34" charset="-120"/>
+              </a:rPr>
+              <a:t>:</a:t>
+            </a:r>
+            <a:endParaRPr lang="zh-TW" altLang="en-US" dirty="0">
+              <a:latin typeface="微軟正黑體" panose="020B0604030504040204" pitchFamily="34" charset="-120"/>
+              <a:ea typeface="微軟正黑體" panose="020B0604030504040204" pitchFamily="34" charset="-120"/>
+            </a:endParaRPr>
+          </a:p>
+        </p:txBody>
+      </p:sp>
+      <p:sp>
+        <p:nvSpPr>
+          <p:cNvPr id="3" name="內容版面配置區 2">
+            <a:extLst>
+              <a:ext uri="{FF2B5EF4-FFF2-40B4-BE49-F238E27FC236}">
+                <a16:creationId xmlns:a16="http://schemas.microsoft.com/office/drawing/2014/main" id="{E1505708-1C79-EF4E-F72D-964CB21AF7C6}"/>
+              </a:ext>
+            </a:extLst>
+          </p:cNvPr>
+          <p:cNvSpPr>
+            <a:spLocks noGrp="1"/>
+          </p:cNvSpPr>
+          <p:nvPr>
+            <p:ph idx="1"/>
+          </p:nvPr>
+        </p:nvSpPr>
+        <p:spPr>
+          <a:xfrm>
+            <a:off x="838200" y="1567315"/>
+            <a:ext cx="10515600" cy="4550683"/>
+          </a:xfrm>
+        </p:spPr>
+        <p:txBody>
+          <a:bodyPr>
+            <a:normAutofit/>
+          </a:bodyPr>
+          <a:lstStyle/>
+          <a:p>
+            <a:pPr marL="0" indent="0">
+              <a:buNone/>
+            </a:pPr>
+            <a:endParaRPr lang="en-US" altLang="zh-TW" sz="2000" dirty="0">
+              <a:latin typeface="微軟正黑體" panose="020B0604030504040204" pitchFamily="34" charset="-120"/>
+              <a:ea typeface="微軟正黑體" panose="020B0604030504040204" pitchFamily="34" charset="-120"/>
+            </a:endParaRPr>
+          </a:p>
+          <a:p>
+            <a:r>
+              <a:rPr lang="zh-TW" altLang="en-US" sz="2000" dirty="0">
+                <a:latin typeface="微軟正黑體" panose="020B0604030504040204" pitchFamily="34" charset="-120"/>
+                <a:ea typeface="微軟正黑體" panose="020B0604030504040204" pitchFamily="34" charset="-120"/>
+              </a:rPr>
+              <a:t>聯徵紀錄</a:t>
+            </a:r>
+            <a:r>
+              <a:rPr lang="en-US" altLang="zh-TW" sz="2000" dirty="0">
+                <a:latin typeface="微軟正黑體" panose="020B0604030504040204" pitchFamily="34" charset="-120"/>
+                <a:ea typeface="微軟正黑體" panose="020B0604030504040204" pitchFamily="34" charset="-120"/>
+              </a:rPr>
+              <a:t>[reports]</a:t>
+            </a:r>
+            <a:r>
+              <a:rPr lang="zh-TW" altLang="en-US" sz="2000" dirty="0">
+                <a:latin typeface="微軟正黑體" panose="020B0604030504040204" pitchFamily="34" charset="-120"/>
+                <a:ea typeface="微軟正黑體" panose="020B0604030504040204" pitchFamily="34" charset="-120"/>
+              </a:rPr>
+              <a:t>、年齡</a:t>
+            </a:r>
+            <a:r>
+              <a:rPr lang="en-US" altLang="zh-TW" sz="2000" dirty="0">
+                <a:latin typeface="微軟正黑體" panose="020B0604030504040204" pitchFamily="34" charset="-120"/>
+                <a:ea typeface="微軟正黑體" panose="020B0604030504040204" pitchFamily="34" charset="-120"/>
+              </a:rPr>
+              <a:t>[age]</a:t>
+            </a:r>
+            <a:r>
+              <a:rPr lang="zh-TW" altLang="en-US" sz="2000" dirty="0">
+                <a:latin typeface="微軟正黑體" panose="020B0604030504040204" pitchFamily="34" charset="-120"/>
+                <a:ea typeface="微軟正黑體" panose="020B0604030504040204" pitchFamily="34" charset="-120"/>
+              </a:rPr>
+              <a:t>、年收入</a:t>
+            </a:r>
+            <a:r>
+              <a:rPr lang="en-US" altLang="zh-TW" sz="2000" dirty="0">
+                <a:latin typeface="微軟正黑體" panose="020B0604030504040204" pitchFamily="34" charset="-120"/>
+                <a:ea typeface="微軟正黑體" panose="020B0604030504040204" pitchFamily="34" charset="-120"/>
+              </a:rPr>
+              <a:t>[income]</a:t>
+            </a:r>
+            <a:r>
+              <a:rPr lang="zh-TW" altLang="en-US" sz="2000" dirty="0">
+                <a:latin typeface="微軟正黑體" panose="020B0604030504040204" pitchFamily="34" charset="-120"/>
+                <a:ea typeface="微軟正黑體" panose="020B0604030504040204" pitchFamily="34" charset="-120"/>
+              </a:rPr>
+              <a:t>、收支比</a:t>
+            </a:r>
+            <a:r>
+              <a:rPr lang="en-US" altLang="zh-TW" sz="2000" dirty="0">
+                <a:latin typeface="微軟正黑體" panose="020B0604030504040204" pitchFamily="34" charset="-120"/>
+                <a:ea typeface="微軟正黑體" panose="020B0604030504040204" pitchFamily="34" charset="-120"/>
+              </a:rPr>
+              <a:t>[share]</a:t>
+            </a:r>
+            <a:r>
+              <a:rPr lang="zh-TW" altLang="en-US" sz="2000" dirty="0">
+                <a:latin typeface="微軟正黑體" panose="020B0604030504040204" pitchFamily="34" charset="-120"/>
+                <a:ea typeface="微軟正黑體" panose="020B0604030504040204" pitchFamily="34" charset="-120"/>
+              </a:rPr>
+              <a:t>、每月信用卡支出平均</a:t>
+            </a:r>
+            <a:r>
+              <a:rPr lang="en-US" altLang="zh-TW" sz="2000" dirty="0">
+                <a:latin typeface="微軟正黑體" panose="020B0604030504040204" pitchFamily="34" charset="-120"/>
+                <a:ea typeface="微軟正黑體" panose="020B0604030504040204" pitchFamily="34" charset="-120"/>
+              </a:rPr>
+              <a:t>[expenditure]</a:t>
+            </a:r>
+            <a:r>
+              <a:rPr lang="zh-TW" altLang="en-US" sz="2000" dirty="0">
+                <a:latin typeface="微軟正黑體" panose="020B0604030504040204" pitchFamily="34" charset="-120"/>
+                <a:ea typeface="微軟正黑體" panose="020B0604030504040204" pitchFamily="34" charset="-120"/>
+              </a:rPr>
+              <a:t>、扶養人數</a:t>
+            </a:r>
+            <a:r>
+              <a:rPr lang="en-US" altLang="zh-TW" sz="2000" dirty="0">
+                <a:latin typeface="微軟正黑體" panose="020B0604030504040204" pitchFamily="34" charset="-120"/>
+                <a:ea typeface="微軟正黑體" panose="020B0604030504040204" pitchFamily="34" charset="-120"/>
+              </a:rPr>
+              <a:t>[dependents]</a:t>
+            </a:r>
+            <a:r>
+              <a:rPr lang="zh-TW" altLang="en-US" sz="2000" dirty="0">
+                <a:latin typeface="微軟正黑體" panose="020B0604030504040204" pitchFamily="34" charset="-120"/>
+                <a:ea typeface="微軟正黑體" panose="020B0604030504040204" pitchFamily="34" charset="-120"/>
+              </a:rPr>
+              <a:t>、居住時間</a:t>
+            </a:r>
+            <a:r>
+              <a:rPr lang="en-US" altLang="zh-TW" sz="2000" dirty="0">
+                <a:latin typeface="微軟正黑體" panose="020B0604030504040204" pitchFamily="34" charset="-120"/>
+                <a:ea typeface="微軟正黑體" panose="020B0604030504040204" pitchFamily="34" charset="-120"/>
+              </a:rPr>
+              <a:t>[months]</a:t>
+            </a:r>
+            <a:r>
+              <a:rPr lang="zh-TW" altLang="en-US" sz="2000" dirty="0">
+                <a:latin typeface="微軟正黑體" panose="020B0604030504040204" pitchFamily="34" charset="-120"/>
+                <a:ea typeface="微軟正黑體" panose="020B0604030504040204" pitchFamily="34" charset="-120"/>
+              </a:rPr>
+              <a:t>、持有主卡</a:t>
+            </a:r>
+            <a:r>
+              <a:rPr lang="en-US" altLang="zh-TW" sz="2000" dirty="0">
+                <a:latin typeface="微軟正黑體" panose="020B0604030504040204" pitchFamily="34" charset="-120"/>
+                <a:ea typeface="微軟正黑體" panose="020B0604030504040204" pitchFamily="34" charset="-120"/>
+              </a:rPr>
+              <a:t>[</a:t>
+            </a:r>
+            <a:r>
+              <a:rPr lang="en-US" altLang="zh-TW" sz="2000" dirty="0" err="1">
+                <a:latin typeface="微軟正黑體" panose="020B0604030504040204" pitchFamily="34" charset="-120"/>
+                <a:ea typeface="微軟正黑體" panose="020B0604030504040204" pitchFamily="34" charset="-120"/>
+              </a:rPr>
+              <a:t>majorcards</a:t>
+            </a:r>
+            <a:r>
+              <a:rPr lang="en-US" altLang="zh-TW" sz="2000" dirty="0">
+                <a:latin typeface="微軟正黑體" panose="020B0604030504040204" pitchFamily="34" charset="-120"/>
+                <a:ea typeface="微軟正黑體" panose="020B0604030504040204" pitchFamily="34" charset="-120"/>
+              </a:rPr>
+              <a:t>]</a:t>
+            </a:r>
+            <a:r>
+              <a:rPr lang="zh-TW" altLang="en-US" sz="2000" dirty="0">
+                <a:latin typeface="微軟正黑體" panose="020B0604030504040204" pitchFamily="34" charset="-120"/>
+                <a:ea typeface="微軟正黑體" panose="020B0604030504040204" pitchFamily="34" charset="-120"/>
+              </a:rPr>
+              <a:t>、活躍帳戶</a:t>
+            </a:r>
+            <a:r>
+              <a:rPr lang="en-US" altLang="zh-TW" sz="2000" dirty="0">
+                <a:latin typeface="微軟正黑體" panose="020B0604030504040204" pitchFamily="34" charset="-120"/>
+                <a:ea typeface="微軟正黑體" panose="020B0604030504040204" pitchFamily="34" charset="-120"/>
+              </a:rPr>
+              <a:t>[active]</a:t>
+            </a:r>
+            <a:r>
+              <a:rPr lang="zh-TW" altLang="en-US" sz="2000" dirty="0">
+                <a:latin typeface="微軟正黑體" panose="020B0604030504040204" pitchFamily="34" charset="-120"/>
+                <a:ea typeface="微軟正黑體" panose="020B0604030504040204" pitchFamily="34" charset="-120"/>
+              </a:rPr>
+              <a:t>，皆為連續數值型資料；</a:t>
+            </a:r>
+            <a:r>
+              <a:rPr lang="en-US" altLang="zh-TW" sz="2000" dirty="0">
+                <a:latin typeface="微軟正黑體" panose="020B0604030504040204" pitchFamily="34" charset="-120"/>
+                <a:ea typeface="微軟正黑體" panose="020B0604030504040204" pitchFamily="34" charset="-120"/>
+              </a:rPr>
+              <a:t>						 </a:t>
+            </a:r>
+            <a:r>
+              <a:rPr lang="zh-TW" altLang="en-US" sz="2000" dirty="0">
+                <a:latin typeface="微軟正黑體" panose="020B0604030504040204" pitchFamily="34" charset="-120"/>
+                <a:ea typeface="微軟正黑體" panose="020B0604030504040204" pitchFamily="34" charset="-120"/>
+              </a:rPr>
+              <a:t>房地產</a:t>
+            </a:r>
+            <a:r>
+              <a:rPr lang="en-US" altLang="zh-TW" sz="2000" dirty="0">
+                <a:latin typeface="微軟正黑體" panose="020B0604030504040204" pitchFamily="34" charset="-120"/>
+                <a:ea typeface="微軟正黑體" panose="020B0604030504040204" pitchFamily="34" charset="-120"/>
+              </a:rPr>
+              <a:t>[owner]</a:t>
+            </a:r>
+            <a:r>
+              <a:rPr lang="zh-TW" altLang="en-US" sz="2000" dirty="0">
+                <a:latin typeface="微軟正黑體" panose="020B0604030504040204" pitchFamily="34" charset="-120"/>
+                <a:ea typeface="微軟正黑體" panose="020B0604030504040204" pitchFamily="34" charset="-120"/>
+              </a:rPr>
+              <a:t>、創業人士</a:t>
+            </a:r>
+            <a:r>
+              <a:rPr lang="en-US" altLang="zh-TW" sz="2000" dirty="0">
+                <a:latin typeface="微軟正黑體" panose="020B0604030504040204" pitchFamily="34" charset="-120"/>
+                <a:ea typeface="微軟正黑體" panose="020B0604030504040204" pitchFamily="34" charset="-120"/>
+              </a:rPr>
+              <a:t>[</a:t>
+            </a:r>
+            <a:r>
+              <a:rPr lang="en-US" altLang="zh-TW" sz="2000" dirty="0" err="1">
+                <a:latin typeface="微軟正黑體" panose="020B0604030504040204" pitchFamily="34" charset="-120"/>
+                <a:ea typeface="微軟正黑體" panose="020B0604030504040204" pitchFamily="34" charset="-120"/>
+              </a:rPr>
+              <a:t>selfemp</a:t>
+            </a:r>
+            <a:r>
+              <a:rPr lang="en-US" altLang="zh-TW" sz="2000" dirty="0">
+                <a:latin typeface="微軟正黑體" panose="020B0604030504040204" pitchFamily="34" charset="-120"/>
+                <a:ea typeface="微軟正黑體" panose="020B0604030504040204" pitchFamily="34" charset="-120"/>
+              </a:rPr>
+              <a:t>]</a:t>
+            </a:r>
+            <a:r>
+              <a:rPr lang="zh-TW" altLang="en-US" sz="2000" dirty="0">
+                <a:latin typeface="微軟正黑體" panose="020B0604030504040204" pitchFamily="34" charset="-120"/>
+                <a:ea typeface="微軟正黑體" panose="020B0604030504040204" pitchFamily="34" charset="-120"/>
+              </a:rPr>
+              <a:t>皆為類別型資料。</a:t>
+            </a:r>
+            <a:endParaRPr lang="en-US" altLang="zh-TW" sz="2000" dirty="0">
+              <a:latin typeface="微軟正黑體" panose="020B0604030504040204" pitchFamily="34" charset="-120"/>
+              <a:ea typeface="微軟正黑體" panose="020B0604030504040204" pitchFamily="34" charset="-120"/>
+            </a:endParaRPr>
+          </a:p>
+          <a:p>
+            <a:endParaRPr lang="en-US" altLang="zh-TW" sz="2000" dirty="0">
+              <a:latin typeface="微軟正黑體" panose="020B0604030504040204" pitchFamily="34" charset="-120"/>
+              <a:ea typeface="微軟正黑體" panose="020B0604030504040204" pitchFamily="34" charset="-120"/>
+            </a:endParaRPr>
+          </a:p>
+          <a:p>
+            <a:r>
+              <a:rPr lang="en-US" altLang="zh-TW" sz="2000" dirty="0">
+                <a:latin typeface="微軟正黑體" panose="020B0604030504040204" pitchFamily="34" charset="-120"/>
+                <a:ea typeface="微軟正黑體" panose="020B0604030504040204" pitchFamily="34" charset="-120"/>
+              </a:rPr>
+              <a:t>Target</a:t>
+            </a:r>
+            <a:r>
+              <a:rPr lang="zh-TW" altLang="en-US" sz="2000" dirty="0">
+                <a:latin typeface="微軟正黑體" panose="020B0604030504040204" pitchFamily="34" charset="-120"/>
+                <a:ea typeface="微軟正黑體" panose="020B0604030504040204" pitchFamily="34" charset="-120"/>
+              </a:rPr>
+              <a:t>為二分類。</a:t>
+            </a:r>
+            <a:endParaRPr lang="en-US" altLang="zh-TW" sz="2000" dirty="0">
+              <a:latin typeface="微軟正黑體" panose="020B0604030504040204" pitchFamily="34" charset="-120"/>
+              <a:ea typeface="微軟正黑體" panose="020B0604030504040204" pitchFamily="34" charset="-120"/>
+            </a:endParaRPr>
+          </a:p>
+          <a:p>
+            <a:pPr marL="0" indent="0">
+              <a:buNone/>
+            </a:pPr>
+            <a:endParaRPr lang="en-US" altLang="zh-TW" sz="2000" dirty="0">
+              <a:latin typeface="微軟正黑體" panose="020B0604030504040204" pitchFamily="34" charset="-120"/>
+              <a:ea typeface="微軟正黑體" panose="020B0604030504040204" pitchFamily="34" charset="-120"/>
+            </a:endParaRPr>
+          </a:p>
+          <a:p>
+            <a:r>
+              <a:rPr lang="zh-TW" altLang="en-US" sz="2000" dirty="0">
+                <a:latin typeface="微軟正黑體" panose="020B0604030504040204" pitchFamily="34" charset="-120"/>
+                <a:ea typeface="微軟正黑體" panose="020B0604030504040204" pitchFamily="34" charset="-120"/>
+              </a:rPr>
+              <a:t>數據中的聯徵紀錄</a:t>
+            </a:r>
+            <a:r>
+              <a:rPr lang="en-US" altLang="zh-TW" sz="2000" dirty="0">
+                <a:latin typeface="微軟正黑體" panose="020B0604030504040204" pitchFamily="34" charset="-120"/>
+                <a:ea typeface="微軟正黑體" panose="020B0604030504040204" pitchFamily="34" charset="-120"/>
+              </a:rPr>
+              <a:t>[reports]</a:t>
+            </a:r>
+            <a:r>
+              <a:rPr lang="zh-TW" altLang="en-US" sz="2000" dirty="0">
+                <a:latin typeface="微軟正黑體" panose="020B0604030504040204" pitchFamily="34" charset="-120"/>
+                <a:ea typeface="微軟正黑體" panose="020B0604030504040204" pitchFamily="34" charset="-120"/>
+              </a:rPr>
+              <a:t>、收支比</a:t>
+            </a:r>
+            <a:r>
+              <a:rPr lang="en-US" altLang="zh-TW" sz="2000" dirty="0">
+                <a:latin typeface="微軟正黑體" panose="020B0604030504040204" pitchFamily="34" charset="-120"/>
+                <a:ea typeface="微軟正黑體" panose="020B0604030504040204" pitchFamily="34" charset="-120"/>
+              </a:rPr>
+              <a:t>[share]</a:t>
+            </a:r>
+            <a:r>
+              <a:rPr lang="zh-TW" altLang="en-US" sz="2000" dirty="0">
+                <a:latin typeface="微軟正黑體" panose="020B0604030504040204" pitchFamily="34" charset="-120"/>
+                <a:ea typeface="微軟正黑體" panose="020B0604030504040204" pitchFamily="34" charset="-120"/>
+              </a:rPr>
+              <a:t>、每月信用卡支出平均</a:t>
+            </a:r>
+            <a:r>
+              <a:rPr lang="en-US" altLang="zh-TW" sz="2000" dirty="0">
+                <a:latin typeface="微軟正黑體" panose="020B0604030504040204" pitchFamily="34" charset="-120"/>
+                <a:ea typeface="微軟正黑體" panose="020B0604030504040204" pitchFamily="34" charset="-120"/>
+              </a:rPr>
+              <a:t>[expenditure]</a:t>
+            </a:r>
+            <a:r>
+              <a:rPr lang="zh-TW" altLang="en-US" sz="2000" dirty="0">
+                <a:latin typeface="微軟正黑體" panose="020B0604030504040204" pitchFamily="34" charset="-120"/>
+                <a:ea typeface="微軟正黑體" panose="020B0604030504040204" pitchFamily="34" charset="-120"/>
+              </a:rPr>
+              <a:t>關聯性最強，可能是對預測結果引響最大的資料。</a:t>
+            </a:r>
+            <a:endParaRPr lang="en-US" altLang="zh-TW" sz="2000" dirty="0">
+              <a:latin typeface="微軟正黑體" panose="020B0604030504040204" pitchFamily="34" charset="-120"/>
+              <a:ea typeface="微軟正黑體" panose="020B0604030504040204" pitchFamily="34" charset="-120"/>
+            </a:endParaRPr>
+          </a:p>
+          <a:p>
+            <a:endParaRPr lang="en-US" altLang="zh-TW" sz="2000" dirty="0">
+              <a:latin typeface="微軟正黑體" panose="020B0604030504040204" pitchFamily="34" charset="-120"/>
+              <a:ea typeface="微軟正黑體" panose="020B0604030504040204" pitchFamily="34" charset="-120"/>
+            </a:endParaRPr>
+          </a:p>
+          <a:p>
+            <a:r>
+              <a:rPr lang="zh-TW" altLang="en-US" sz="2000" dirty="0">
+                <a:latin typeface="微軟正黑體" panose="020B0604030504040204" pitchFamily="34" charset="-120"/>
+                <a:ea typeface="微軟正黑體" panose="020B0604030504040204" pitchFamily="34" charset="-120"/>
+              </a:rPr>
+              <a:t>年齡</a:t>
+            </a:r>
+            <a:r>
+              <a:rPr lang="en-US" altLang="zh-TW" sz="2000" dirty="0">
+                <a:latin typeface="微軟正黑體" panose="020B0604030504040204" pitchFamily="34" charset="-120"/>
+                <a:ea typeface="微軟正黑體" panose="020B0604030504040204" pitchFamily="34" charset="-120"/>
+              </a:rPr>
+              <a:t>[age] </a:t>
+            </a:r>
+            <a:r>
+              <a:rPr lang="zh-TW" altLang="en-US" sz="2000" dirty="0">
+                <a:latin typeface="微軟正黑體" panose="020B0604030504040204" pitchFamily="34" charset="-120"/>
+                <a:ea typeface="微軟正黑體" panose="020B0604030504040204" pitchFamily="34" charset="-120"/>
+              </a:rPr>
+              <a:t>、年收入</a:t>
+            </a:r>
+            <a:r>
+              <a:rPr lang="en-US" altLang="zh-TW" sz="2000" dirty="0">
+                <a:latin typeface="微軟正黑體" panose="020B0604030504040204" pitchFamily="34" charset="-120"/>
+                <a:ea typeface="微軟正黑體" panose="020B0604030504040204" pitchFamily="34" charset="-120"/>
+              </a:rPr>
+              <a:t>[income]</a:t>
+            </a:r>
+            <a:r>
+              <a:rPr lang="zh-TW" altLang="en-US" sz="2000" dirty="0">
+                <a:latin typeface="微軟正黑體" panose="020B0604030504040204" pitchFamily="34" charset="-120"/>
+                <a:ea typeface="微軟正黑體" panose="020B0604030504040204" pitchFamily="34" charset="-120"/>
+              </a:rPr>
+              <a:t>、活躍帳戶</a:t>
+            </a:r>
+            <a:r>
+              <a:rPr lang="en-US" altLang="zh-TW" sz="2000" dirty="0">
+                <a:latin typeface="微軟正黑體" panose="020B0604030504040204" pitchFamily="34" charset="-120"/>
+                <a:ea typeface="微軟正黑體" panose="020B0604030504040204" pitchFamily="34" charset="-120"/>
+              </a:rPr>
+              <a:t>[active]</a:t>
+            </a:r>
+            <a:r>
+              <a:rPr lang="zh-TW" altLang="en-US" sz="2000" dirty="0">
+                <a:latin typeface="微軟正黑體" panose="020B0604030504040204" pitchFamily="34" charset="-120"/>
+                <a:ea typeface="微軟正黑體" panose="020B0604030504040204" pitchFamily="34" charset="-120"/>
+              </a:rPr>
+              <a:t>、居住時間</a:t>
+            </a:r>
+            <a:r>
+              <a:rPr lang="en-US" altLang="zh-TW" sz="2000" dirty="0">
+                <a:latin typeface="微軟正黑體" panose="020B0604030504040204" pitchFamily="34" charset="-120"/>
+                <a:ea typeface="微軟正黑體" panose="020B0604030504040204" pitchFamily="34" charset="-120"/>
+              </a:rPr>
+              <a:t>[months]</a:t>
+            </a:r>
+            <a:r>
+              <a:rPr lang="zh-TW" altLang="en-US" sz="2000" dirty="0">
+                <a:latin typeface="微軟正黑體" panose="020B0604030504040204" pitchFamily="34" charset="-120"/>
+                <a:ea typeface="微軟正黑體" panose="020B0604030504040204" pitchFamily="34" charset="-120"/>
+              </a:rPr>
+              <a:t>皆呈現正態分布</a:t>
+            </a:r>
+            <a:endParaRPr lang="en-US" altLang="zh-TW" sz="2000" dirty="0">
+              <a:latin typeface="微軟正黑體" panose="020B0604030504040204" pitchFamily="34" charset="-120"/>
+              <a:ea typeface="微軟正黑體" panose="020B0604030504040204" pitchFamily="34" charset="-120"/>
+            </a:endParaRPr>
+          </a:p>
+          <a:p>
+            <a:endParaRPr lang="en-US" altLang="zh-TW" sz="2000" dirty="0">
+              <a:latin typeface="微軟正黑體" panose="020B0604030504040204" pitchFamily="34" charset="-120"/>
+              <a:ea typeface="微軟正黑體" panose="020B0604030504040204" pitchFamily="34" charset="-120"/>
+            </a:endParaRPr>
+          </a:p>
+          <a:p>
+            <a:endParaRPr lang="en-US" altLang="zh-TW" sz="2000" dirty="0">
+              <a:latin typeface="微軟正黑體" panose="020B0604030504040204" pitchFamily="34" charset="-120"/>
+              <a:ea typeface="微軟正黑體" panose="020B0604030504040204" pitchFamily="34" charset="-120"/>
+            </a:endParaRPr>
+          </a:p>
+        </p:txBody>
+      </p:sp>
+    </p:spTree>
+    <p:extLst>
+      <p:ext uri="{BB962C8B-B14F-4D97-AF65-F5344CB8AC3E}">
+        <p14:creationId xmlns:p14="http://schemas.microsoft.com/office/powerpoint/2010/main" val="1375916326"/>
+      </p:ext>
+    </p:extLst>
+  </p:cSld>
+  <p:clrMapOvr>
+    <a:masterClrMapping/>
+  </p:clrMapOvr>
+</p:sld>
+</file>
+
+<file path=ppt/slides/slide12.xml><?xml version="1.0" encoding="utf-8"?>
+<p:sld xmlns:a="http://schemas.openxmlformats.org/drawingml/2006/main" xmlns:r="http://schemas.openxmlformats.org/officeDocument/2006/relationships" xmlns:p="http://schemas.openxmlformats.org/presentationml/2006/main">
+  <p:cSld>
+    <p:spTree>
+      <p:nvGrpSpPr>
+        <p:cNvPr id="1" name=""/>
+        <p:cNvGrpSpPr/>
+        <p:nvPr/>
+      </p:nvGrpSpPr>
+      <p:grpSpPr>
+        <a:xfrm>
+          <a:off x="0" y="0"/>
+          <a:ext cx="0" cy="0"/>
+          <a:chOff x="0" y="0"/>
+          <a:chExt cx="0" cy="0"/>
+        </a:xfrm>
+      </p:grpSpPr>
+      <p:sp>
+        <p:nvSpPr>
+          <p:cNvPr id="2" name="標題 1">
+            <a:extLst>
+              <a:ext uri="{FF2B5EF4-FFF2-40B4-BE49-F238E27FC236}">
+                <a16:creationId xmlns:a16="http://schemas.microsoft.com/office/drawing/2014/main" id="{2C460B97-B583-1DF5-C916-42DD42146B9E}"/>
+              </a:ext>
+            </a:extLst>
+          </p:cNvPr>
+          <p:cNvSpPr>
+            <a:spLocks noGrp="1"/>
+          </p:cNvSpPr>
+          <p:nvPr>
+            <p:ph type="title"/>
+          </p:nvPr>
+        </p:nvSpPr>
+        <p:spPr/>
+        <p:txBody>
+          <a:bodyPr>
+            <a:normAutofit/>
+          </a:bodyPr>
+          <a:lstStyle/>
+          <a:p>
+            <a:r>
+              <a:rPr lang="zh-TW" altLang="en-US" b="0" i="0" dirty="0">
+                <a:solidFill>
+                  <a:schemeClr val="bg2">
+                    <a:lumMod val="25000"/>
+                  </a:schemeClr>
+                </a:solidFill>
+                <a:effectLst/>
+                <a:latin typeface="微軟正黑體" panose="020B0604030504040204" pitchFamily="34" charset="-120"/>
+                <a:ea typeface="微軟正黑體" panose="020B0604030504040204" pitchFamily="34" charset="-120"/>
+              </a:rPr>
+              <a:t>特徵工程：</a:t>
+            </a:r>
+            <a:endParaRPr lang="zh-TW" altLang="en-US" dirty="0">
+              <a:solidFill>
+                <a:schemeClr val="bg2">
+                  <a:lumMod val="25000"/>
+                </a:schemeClr>
+              </a:solidFill>
+              <a:latin typeface="微軟正黑體" panose="020B0604030504040204" pitchFamily="34" charset="-120"/>
+              <a:ea typeface="微軟正黑體" panose="020B0604030504040204" pitchFamily="34" charset="-120"/>
+            </a:endParaRPr>
+          </a:p>
+        </p:txBody>
+      </p:sp>
+      <p:sp>
+        <p:nvSpPr>
+          <p:cNvPr id="3" name="內容版面配置區 2">
+            <a:extLst>
+              <a:ext uri="{FF2B5EF4-FFF2-40B4-BE49-F238E27FC236}">
+                <a16:creationId xmlns:a16="http://schemas.microsoft.com/office/drawing/2014/main" id="{EA33B8E2-8614-C79F-5CF0-1859117A0EDE}"/>
+              </a:ext>
+            </a:extLst>
+          </p:cNvPr>
+          <p:cNvSpPr>
+            <a:spLocks noGrp="1"/>
+          </p:cNvSpPr>
+          <p:nvPr>
+            <p:ph idx="1"/>
+          </p:nvPr>
+        </p:nvSpPr>
+        <p:spPr/>
+        <p:txBody>
+          <a:bodyPr/>
+          <a:lstStyle/>
+          <a:p>
+            <a:endParaRPr lang="zh-TW" altLang="en-US" dirty="0">
+              <a:solidFill>
+                <a:schemeClr val="bg2">
+                  <a:lumMod val="25000"/>
+                </a:schemeClr>
+              </a:solidFill>
+              <a:latin typeface="微軟正黑體" panose="020B0604030504040204" pitchFamily="34" charset="-120"/>
+              <a:ea typeface="微軟正黑體" panose="020B0604030504040204" pitchFamily="34" charset="-120"/>
+            </a:endParaRPr>
+          </a:p>
+        </p:txBody>
+      </p:sp>
+    </p:spTree>
+    <p:extLst>
+      <p:ext uri="{BB962C8B-B14F-4D97-AF65-F5344CB8AC3E}">
+        <p14:creationId xmlns:p14="http://schemas.microsoft.com/office/powerpoint/2010/main" val="3554680997"/>
+      </p:ext>
+    </p:extLst>
+  </p:cSld>
+  <p:clrMapOvr>
+    <a:masterClrMapping/>
+  </p:clrMapOvr>
+</p:sld>
+</file>
+
+<file path=ppt/slides/slide13.xml><?xml version="1.0" encoding="utf-8"?>
+<p:sld xmlns:a="http://schemas.openxmlformats.org/drawingml/2006/main" xmlns:r="http://schemas.openxmlformats.org/officeDocument/2006/relationships" xmlns:p="http://schemas.openxmlformats.org/presentationml/2006/main">
+  <p:cSld>
+    <p:spTree>
+      <p:nvGrpSpPr>
+        <p:cNvPr id="1" name=""/>
+        <p:cNvGrpSpPr/>
+        <p:nvPr/>
+      </p:nvGrpSpPr>
+      <p:grpSpPr>
+        <a:xfrm>
+          <a:off x="0" y="0"/>
+          <a:ext cx="0" cy="0"/>
+          <a:chOff x="0" y="0"/>
+          <a:chExt cx="0" cy="0"/>
+        </a:xfrm>
+      </p:grpSpPr>
+      <p:sp>
+        <p:nvSpPr>
+          <p:cNvPr id="2" name="標題 1">
+            <a:extLst>
+              <a:ext uri="{FF2B5EF4-FFF2-40B4-BE49-F238E27FC236}">
+                <a16:creationId xmlns:a16="http://schemas.microsoft.com/office/drawing/2014/main" id="{2C460B97-B583-1DF5-C916-42DD42146B9E}"/>
+              </a:ext>
+            </a:extLst>
+          </p:cNvPr>
+          <p:cNvSpPr>
+            <a:spLocks noGrp="1"/>
+          </p:cNvSpPr>
+          <p:nvPr>
+            <p:ph type="title"/>
+          </p:nvPr>
+        </p:nvSpPr>
+        <p:spPr/>
+        <p:txBody>
+          <a:bodyPr>
+            <a:normAutofit/>
+          </a:bodyPr>
+          <a:lstStyle/>
+          <a:p>
+            <a:r>
+              <a:rPr lang="zh-TW" altLang="en-US" b="0" i="0" dirty="0">
+                <a:solidFill>
+                  <a:schemeClr val="bg2">
+                    <a:lumMod val="25000"/>
+                  </a:schemeClr>
+                </a:solidFill>
+                <a:effectLst/>
+                <a:latin typeface="微軟正黑體" panose="020B0604030504040204" pitchFamily="34" charset="-120"/>
+                <a:ea typeface="微軟正黑體" panose="020B0604030504040204" pitchFamily="34" charset="-120"/>
+              </a:rPr>
+              <a:t>選擇模型：</a:t>
+            </a:r>
+            <a:endParaRPr lang="zh-TW" altLang="en-US" dirty="0">
+              <a:solidFill>
+                <a:schemeClr val="bg2">
+                  <a:lumMod val="25000"/>
+                </a:schemeClr>
+              </a:solidFill>
+              <a:latin typeface="微軟正黑體" panose="020B0604030504040204" pitchFamily="34" charset="-120"/>
+              <a:ea typeface="微軟正黑體" panose="020B0604030504040204" pitchFamily="34" charset="-120"/>
+            </a:endParaRPr>
+          </a:p>
+        </p:txBody>
+      </p:sp>
+      <p:sp>
+        <p:nvSpPr>
+          <p:cNvPr id="3" name="內容版面配置區 2">
+            <a:extLst>
+              <a:ext uri="{FF2B5EF4-FFF2-40B4-BE49-F238E27FC236}">
+                <a16:creationId xmlns:a16="http://schemas.microsoft.com/office/drawing/2014/main" id="{EA33B8E2-8614-C79F-5CF0-1859117A0EDE}"/>
+              </a:ext>
+            </a:extLst>
+          </p:cNvPr>
+          <p:cNvSpPr>
+            <a:spLocks noGrp="1"/>
+          </p:cNvSpPr>
+          <p:nvPr>
+            <p:ph idx="1"/>
+          </p:nvPr>
+        </p:nvSpPr>
+        <p:spPr/>
+        <p:txBody>
+          <a:bodyPr/>
+          <a:lstStyle/>
+          <a:p>
+            <a:pPr marL="0" indent="0">
+              <a:buNone/>
+            </a:pPr>
+            <a:r>
+              <a:rPr lang="zh-TW" altLang="en-US" dirty="0">
+                <a:solidFill>
+                  <a:schemeClr val="bg2">
+                    <a:lumMod val="25000"/>
+                  </a:schemeClr>
+                </a:solidFill>
+                <a:latin typeface="微軟正黑體" panose="020B0604030504040204" pitchFamily="34" charset="-120"/>
+                <a:ea typeface="微軟正黑體" panose="020B0604030504040204" pitchFamily="34" charset="-120"/>
+              </a:rPr>
+              <a:t>決策數</a:t>
+            </a:r>
+            <a:r>
+              <a:rPr lang="en-US" altLang="zh-TW" dirty="0">
+                <a:solidFill>
+                  <a:schemeClr val="bg2">
+                    <a:lumMod val="25000"/>
+                  </a:schemeClr>
+                </a:solidFill>
+                <a:latin typeface="微軟正黑體" panose="020B0604030504040204" pitchFamily="34" charset="-120"/>
+                <a:ea typeface="微軟正黑體" panose="020B0604030504040204" pitchFamily="34" charset="-120"/>
+              </a:rPr>
+              <a:t>/</a:t>
+            </a:r>
+            <a:r>
+              <a:rPr lang="zh-TW" altLang="en-US" dirty="0">
+                <a:solidFill>
+                  <a:schemeClr val="bg2">
+                    <a:lumMod val="25000"/>
+                  </a:schemeClr>
+                </a:solidFill>
+                <a:latin typeface="微軟正黑體" panose="020B0604030504040204" pitchFamily="34" charset="-120"/>
+                <a:ea typeface="微軟正黑體" panose="020B0604030504040204" pitchFamily="34" charset="-120"/>
+              </a:rPr>
+              <a:t>高斯貝葉斯分類</a:t>
+            </a:r>
+            <a:r>
+              <a:rPr lang="en-US" altLang="zh-TW" dirty="0">
+                <a:solidFill>
+                  <a:schemeClr val="bg2">
+                    <a:lumMod val="25000"/>
+                  </a:schemeClr>
+                </a:solidFill>
+                <a:latin typeface="微軟正黑體" panose="020B0604030504040204" pitchFamily="34" charset="-120"/>
+                <a:ea typeface="微軟正黑體" panose="020B0604030504040204" pitchFamily="34" charset="-120"/>
+              </a:rPr>
+              <a:t>/</a:t>
+            </a:r>
+            <a:r>
+              <a:rPr lang="zh-TW" altLang="en-US" dirty="0">
+                <a:solidFill>
+                  <a:schemeClr val="bg2">
+                    <a:lumMod val="25000"/>
+                  </a:schemeClr>
+                </a:solidFill>
+                <a:latin typeface="微軟正黑體" panose="020B0604030504040204" pitchFamily="34" charset="-120"/>
+                <a:ea typeface="微軟正黑體" panose="020B0604030504040204" pitchFamily="34" charset="-120"/>
+              </a:rPr>
+              <a:t>柏努力貝葉斯分類</a:t>
+            </a:r>
+            <a:r>
+              <a:rPr lang="en-US" altLang="zh-TW" dirty="0">
+                <a:solidFill>
+                  <a:schemeClr val="bg2">
+                    <a:lumMod val="25000"/>
+                  </a:schemeClr>
+                </a:solidFill>
+                <a:latin typeface="微軟正黑體" panose="020B0604030504040204" pitchFamily="34" charset="-120"/>
+                <a:ea typeface="微軟正黑體" panose="020B0604030504040204" pitchFamily="34" charset="-120"/>
+              </a:rPr>
+              <a:t>/</a:t>
+            </a:r>
+            <a:r>
+              <a:rPr lang="zh-TW" altLang="en-US" dirty="0">
+                <a:solidFill>
+                  <a:schemeClr val="bg2">
+                    <a:lumMod val="25000"/>
+                  </a:schemeClr>
+                </a:solidFill>
+                <a:latin typeface="微軟正黑體" panose="020B0604030504040204" pitchFamily="34" charset="-120"/>
+                <a:ea typeface="微軟正黑體" panose="020B0604030504040204" pitchFamily="34" charset="-120"/>
+              </a:rPr>
+              <a:t>邏輯回歸</a:t>
+            </a:r>
+          </a:p>
+        </p:txBody>
+      </p:sp>
+    </p:spTree>
+    <p:extLst>
+      <p:ext uri="{BB962C8B-B14F-4D97-AF65-F5344CB8AC3E}">
+        <p14:creationId xmlns:p14="http://schemas.microsoft.com/office/powerpoint/2010/main" val="3466674094"/>
+      </p:ext>
+    </p:extLst>
+  </p:cSld>
+  <p:clrMapOvr>
+    <a:masterClrMapping/>
+  </p:clrMapOvr>
+</p:sld>
+</file>
+
+<file path=ppt/slides/slide14.xml><?xml version="1.0" encoding="utf-8"?>
+<p:sld xmlns:a="http://schemas.openxmlformats.org/drawingml/2006/main" xmlns:r="http://schemas.openxmlformats.org/officeDocument/2006/relationships" xmlns:p="http://schemas.openxmlformats.org/presentationml/2006/main">
+  <p:cSld>
+    <p:spTree>
+      <p:nvGrpSpPr>
+        <p:cNvPr id="1" name=""/>
+        <p:cNvGrpSpPr/>
+        <p:nvPr/>
+      </p:nvGrpSpPr>
+      <p:grpSpPr>
+        <a:xfrm>
+          <a:off x="0" y="0"/>
+          <a:ext cx="0" cy="0"/>
+          <a:chOff x="0" y="0"/>
+          <a:chExt cx="0" cy="0"/>
+        </a:xfrm>
+      </p:grpSpPr>
+      <p:sp>
+        <p:nvSpPr>
+          <p:cNvPr id="2" name="標題 1">
+            <a:extLst>
+              <a:ext uri="{FF2B5EF4-FFF2-40B4-BE49-F238E27FC236}">
+                <a16:creationId xmlns:a16="http://schemas.microsoft.com/office/drawing/2014/main" id="{C6B138DF-B5CA-7A04-ED7E-3081973EB59E}"/>
+              </a:ext>
+            </a:extLst>
+          </p:cNvPr>
+          <p:cNvSpPr>
+            <a:spLocks noGrp="1"/>
+          </p:cNvSpPr>
+          <p:nvPr>
+            <p:ph type="title"/>
+          </p:nvPr>
+        </p:nvSpPr>
+        <p:spPr/>
+        <p:txBody>
+          <a:bodyPr>
+            <a:normAutofit/>
+          </a:bodyPr>
+          <a:lstStyle/>
+          <a:p>
+            <a:r>
+              <a:rPr lang="zh-TW" altLang="en-US" sz="3200" dirty="0">
+                <a:latin typeface="微軟正黑體" panose="020B0604030504040204" pitchFamily="34" charset="-120"/>
+                <a:ea typeface="微軟正黑體" panose="020B0604030504040204" pitchFamily="34" charset="-120"/>
+              </a:rPr>
+              <a:t>邏輯回歸</a:t>
+            </a:r>
+          </a:p>
+        </p:txBody>
+      </p:sp>
+      <p:sp>
+        <p:nvSpPr>
+          <p:cNvPr id="5" name="內容版面配置區 4">
+            <a:extLst>
+              <a:ext uri="{FF2B5EF4-FFF2-40B4-BE49-F238E27FC236}">
+                <a16:creationId xmlns:a16="http://schemas.microsoft.com/office/drawing/2014/main" id="{031D67EF-F025-3876-E7BA-AC3A51E30ED0}"/>
+              </a:ext>
+            </a:extLst>
+          </p:cNvPr>
+          <p:cNvSpPr>
+            <a:spLocks noGrp="1"/>
+          </p:cNvSpPr>
+          <p:nvPr>
+            <p:ph idx="1"/>
+          </p:nvPr>
+        </p:nvSpPr>
+        <p:spPr/>
+        <p:txBody>
+          <a:bodyPr>
+            <a:normAutofit/>
+          </a:bodyPr>
+          <a:lstStyle/>
+          <a:p>
+            <a:r>
+              <a:rPr lang="en-US" altLang="zh-TW" sz="1600" b="0" dirty="0" err="1">
+                <a:solidFill>
+                  <a:srgbClr val="001080"/>
+                </a:solidFill>
+                <a:effectLst/>
+                <a:latin typeface="Consolas" panose="020B0609020204030204" pitchFamily="49" charset="0"/>
+              </a:rPr>
+              <a:t>data_numeric</a:t>
+            </a:r>
+            <a:r>
+              <a:rPr lang="en-US" altLang="zh-TW" sz="1600" b="0" dirty="0">
+                <a:solidFill>
+                  <a:srgbClr val="3B3B3B"/>
+                </a:solidFill>
+                <a:effectLst/>
+                <a:latin typeface="Consolas" panose="020B0609020204030204" pitchFamily="49" charset="0"/>
+              </a:rPr>
+              <a:t> </a:t>
+            </a:r>
+            <a:r>
+              <a:rPr lang="en-US" altLang="zh-TW" sz="1600" b="0" dirty="0">
+                <a:solidFill>
+                  <a:srgbClr val="000000"/>
+                </a:solidFill>
+                <a:effectLst/>
+                <a:latin typeface="Consolas" panose="020B0609020204030204" pitchFamily="49" charset="0"/>
+              </a:rPr>
+              <a:t>=</a:t>
+            </a:r>
+            <a:r>
+              <a:rPr lang="en-US" altLang="zh-TW" sz="1600" b="0" dirty="0">
+                <a:solidFill>
+                  <a:srgbClr val="3B3B3B"/>
+                </a:solidFill>
+                <a:effectLst/>
+                <a:latin typeface="Consolas" panose="020B0609020204030204" pitchFamily="49" charset="0"/>
+              </a:rPr>
+              <a:t> </a:t>
+            </a:r>
+            <a:r>
+              <a:rPr lang="en-US" altLang="zh-TW" sz="1600" b="0" dirty="0" err="1">
+                <a:solidFill>
+                  <a:srgbClr val="267F99"/>
+                </a:solidFill>
+                <a:effectLst/>
+                <a:latin typeface="Consolas" panose="020B0609020204030204" pitchFamily="49" charset="0"/>
+              </a:rPr>
+              <a:t>pd</a:t>
+            </a:r>
+            <a:r>
+              <a:rPr lang="en-US" altLang="zh-TW" sz="1600" b="0" dirty="0" err="1">
+                <a:solidFill>
+                  <a:srgbClr val="3B3B3B"/>
+                </a:solidFill>
+                <a:effectLst/>
+                <a:latin typeface="Consolas" panose="020B0609020204030204" pitchFamily="49" charset="0"/>
+              </a:rPr>
+              <a:t>.</a:t>
+            </a:r>
+            <a:r>
+              <a:rPr lang="en-US" altLang="zh-TW" sz="1600" b="0" dirty="0" err="1">
+                <a:solidFill>
+                  <a:srgbClr val="795E26"/>
+                </a:solidFill>
+                <a:effectLst/>
+                <a:latin typeface="Consolas" panose="020B0609020204030204" pitchFamily="49" charset="0"/>
+              </a:rPr>
+              <a:t>read_csv</a:t>
+            </a:r>
+            <a:r>
+              <a:rPr lang="en-US" altLang="zh-TW" sz="1600" b="0" dirty="0">
+                <a:solidFill>
+                  <a:srgbClr val="3B3B3B"/>
+                </a:solidFill>
+                <a:effectLst/>
+                <a:latin typeface="Consolas" panose="020B0609020204030204" pitchFamily="49" charset="0"/>
+              </a:rPr>
+              <a:t>(</a:t>
+            </a:r>
+            <a:r>
+              <a:rPr lang="en-US" altLang="zh-TW" sz="1600" b="0" dirty="0">
+                <a:solidFill>
+                  <a:srgbClr val="A31515"/>
+                </a:solidFill>
+                <a:effectLst/>
+                <a:latin typeface="Consolas" panose="020B0609020204030204" pitchFamily="49" charset="0"/>
+              </a:rPr>
+              <a:t>"Data/Data1.csv"</a:t>
+            </a:r>
+            <a:r>
+              <a:rPr lang="en-US" altLang="zh-TW" sz="1600" b="0" dirty="0">
+                <a:solidFill>
+                  <a:srgbClr val="3B3B3B"/>
+                </a:solidFill>
+                <a:effectLst/>
+                <a:latin typeface="Consolas" panose="020B0609020204030204" pitchFamily="49" charset="0"/>
+              </a:rPr>
+              <a:t>)</a:t>
+            </a:r>
+          </a:p>
+          <a:p>
+            <a:r>
+              <a:rPr lang="en-US" altLang="zh-TW" sz="1600" b="0" dirty="0" err="1">
+                <a:solidFill>
+                  <a:srgbClr val="001080"/>
+                </a:solidFill>
+                <a:effectLst/>
+                <a:latin typeface="Consolas" panose="020B0609020204030204" pitchFamily="49" charset="0"/>
+              </a:rPr>
+              <a:t>data_numeric</a:t>
+            </a:r>
+            <a:r>
+              <a:rPr lang="en-US" altLang="zh-TW" sz="1600" b="0" dirty="0">
+                <a:solidFill>
+                  <a:srgbClr val="3B3B3B"/>
+                </a:solidFill>
+                <a:effectLst/>
+                <a:latin typeface="Consolas" panose="020B0609020204030204" pitchFamily="49" charset="0"/>
+              </a:rPr>
+              <a:t> </a:t>
+            </a:r>
+            <a:r>
+              <a:rPr lang="en-US" altLang="zh-TW" sz="1600" b="0" dirty="0">
+                <a:solidFill>
+                  <a:srgbClr val="000000"/>
+                </a:solidFill>
+                <a:effectLst/>
+                <a:latin typeface="Consolas" panose="020B0609020204030204" pitchFamily="49" charset="0"/>
+              </a:rPr>
+              <a:t>=</a:t>
+            </a:r>
+            <a:r>
+              <a:rPr lang="en-US" altLang="zh-TW" sz="1600" b="0" dirty="0">
+                <a:solidFill>
+                  <a:srgbClr val="3B3B3B"/>
+                </a:solidFill>
+                <a:effectLst/>
+                <a:latin typeface="Consolas" panose="020B0609020204030204" pitchFamily="49" charset="0"/>
+              </a:rPr>
+              <a:t> </a:t>
+            </a:r>
+            <a:r>
+              <a:rPr lang="en-US" altLang="zh-TW" sz="1600" b="0" dirty="0" err="1">
+                <a:solidFill>
+                  <a:srgbClr val="001080"/>
+                </a:solidFill>
+                <a:effectLst/>
+                <a:latin typeface="Consolas" panose="020B0609020204030204" pitchFamily="49" charset="0"/>
+              </a:rPr>
+              <a:t>data_numeric</a:t>
+            </a:r>
+            <a:r>
+              <a:rPr lang="en-US" altLang="zh-TW" sz="1600" b="0" dirty="0" err="1">
+                <a:solidFill>
+                  <a:srgbClr val="3B3B3B"/>
+                </a:solidFill>
+                <a:effectLst/>
+                <a:latin typeface="Consolas" panose="020B0609020204030204" pitchFamily="49" charset="0"/>
+              </a:rPr>
+              <a:t>.</a:t>
+            </a:r>
+            <a:r>
+              <a:rPr lang="en-US" altLang="zh-TW" sz="1600" b="0" dirty="0" err="1">
+                <a:solidFill>
+                  <a:srgbClr val="795E26"/>
+                </a:solidFill>
+                <a:effectLst/>
+                <a:latin typeface="Consolas" panose="020B0609020204030204" pitchFamily="49" charset="0"/>
+              </a:rPr>
+              <a:t>astype</a:t>
+            </a:r>
+            <a:r>
+              <a:rPr lang="en-US" altLang="zh-TW" sz="1600" b="0" dirty="0">
+                <a:solidFill>
+                  <a:srgbClr val="3B3B3B"/>
+                </a:solidFill>
+                <a:effectLst/>
+                <a:latin typeface="Consolas" panose="020B0609020204030204" pitchFamily="49" charset="0"/>
+              </a:rPr>
+              <a:t>(</a:t>
+            </a:r>
+            <a:r>
+              <a:rPr lang="en-US" altLang="zh-TW" sz="1600" b="0" dirty="0">
+                <a:solidFill>
+                  <a:srgbClr val="267F99"/>
+                </a:solidFill>
+                <a:effectLst/>
+                <a:latin typeface="Consolas" panose="020B0609020204030204" pitchFamily="49" charset="0"/>
+              </a:rPr>
+              <a:t>float</a:t>
+            </a:r>
+            <a:r>
+              <a:rPr lang="en-US" altLang="zh-TW" sz="1600" b="0" dirty="0">
+                <a:solidFill>
+                  <a:srgbClr val="3B3B3B"/>
+                </a:solidFill>
+                <a:effectLst/>
+                <a:latin typeface="Consolas" panose="020B0609020204030204" pitchFamily="49" charset="0"/>
+              </a:rPr>
+              <a:t>)</a:t>
+            </a:r>
+          </a:p>
+          <a:p>
+            <a:r>
+              <a:rPr lang="en-US" altLang="zh-TW" sz="1600" b="0" dirty="0">
+                <a:solidFill>
+                  <a:srgbClr val="001080"/>
+                </a:solidFill>
+                <a:effectLst/>
+                <a:latin typeface="Consolas" panose="020B0609020204030204" pitchFamily="49" charset="0"/>
+              </a:rPr>
+              <a:t>features</a:t>
+            </a:r>
+            <a:r>
+              <a:rPr lang="en-US" altLang="zh-TW" sz="1600" b="0" dirty="0">
+                <a:solidFill>
+                  <a:srgbClr val="3B3B3B"/>
+                </a:solidFill>
+                <a:effectLst/>
+                <a:latin typeface="Consolas" panose="020B0609020204030204" pitchFamily="49" charset="0"/>
+              </a:rPr>
+              <a:t> </a:t>
+            </a:r>
+            <a:r>
+              <a:rPr lang="en-US" altLang="zh-TW" sz="1600" b="0" dirty="0">
+                <a:solidFill>
+                  <a:srgbClr val="000000"/>
+                </a:solidFill>
+                <a:effectLst/>
+                <a:latin typeface="Consolas" panose="020B0609020204030204" pitchFamily="49" charset="0"/>
+              </a:rPr>
+              <a:t>=</a:t>
+            </a:r>
+            <a:r>
+              <a:rPr lang="en-US" altLang="zh-TW" sz="1600" b="0" dirty="0">
+                <a:solidFill>
+                  <a:srgbClr val="3B3B3B"/>
+                </a:solidFill>
+                <a:effectLst/>
+                <a:latin typeface="Consolas" panose="020B0609020204030204" pitchFamily="49" charset="0"/>
+              </a:rPr>
+              <a:t> </a:t>
+            </a:r>
+            <a:r>
+              <a:rPr lang="en-US" altLang="zh-TW" sz="1600" b="0" dirty="0" err="1">
+                <a:solidFill>
+                  <a:srgbClr val="001080"/>
+                </a:solidFill>
+                <a:effectLst/>
+                <a:latin typeface="Consolas" panose="020B0609020204030204" pitchFamily="49" charset="0"/>
+              </a:rPr>
+              <a:t>data_numeric</a:t>
+            </a:r>
+            <a:r>
+              <a:rPr lang="en-US" altLang="zh-TW" sz="1600" b="0" dirty="0" err="1">
+                <a:solidFill>
+                  <a:srgbClr val="3B3B3B"/>
+                </a:solidFill>
+                <a:effectLst/>
+                <a:latin typeface="Consolas" panose="020B0609020204030204" pitchFamily="49" charset="0"/>
+              </a:rPr>
+              <a:t>.</a:t>
+            </a:r>
+            <a:r>
+              <a:rPr lang="en-US" altLang="zh-TW" sz="1600" b="0" dirty="0" err="1">
+                <a:solidFill>
+                  <a:srgbClr val="795E26"/>
+                </a:solidFill>
+                <a:effectLst/>
+                <a:latin typeface="Consolas" panose="020B0609020204030204" pitchFamily="49" charset="0"/>
+              </a:rPr>
+              <a:t>drop</a:t>
+            </a:r>
+            <a:r>
+              <a:rPr lang="en-US" altLang="zh-TW" sz="1600" b="0" dirty="0">
+                <a:solidFill>
+                  <a:srgbClr val="3B3B3B"/>
+                </a:solidFill>
+                <a:effectLst/>
+                <a:latin typeface="Consolas" panose="020B0609020204030204" pitchFamily="49" charset="0"/>
+              </a:rPr>
+              <a:t>([</a:t>
+            </a:r>
+            <a:r>
+              <a:rPr lang="en-US" altLang="zh-TW" sz="1600" b="0" dirty="0">
+                <a:solidFill>
+                  <a:srgbClr val="A31515"/>
+                </a:solidFill>
+                <a:effectLst/>
+                <a:latin typeface="Consolas" panose="020B0609020204030204" pitchFamily="49" charset="0"/>
+              </a:rPr>
+              <a:t>'</a:t>
+            </a:r>
+            <a:r>
+              <a:rPr lang="zh-TW" altLang="en-US" sz="1600" b="0" dirty="0">
+                <a:solidFill>
+                  <a:srgbClr val="A31515"/>
+                </a:solidFill>
+                <a:effectLst/>
+                <a:latin typeface="Consolas" panose="020B0609020204030204" pitchFamily="49" charset="0"/>
+              </a:rPr>
+              <a:t>核卡狀況</a:t>
+            </a:r>
+            <a:r>
+              <a:rPr lang="en-US" altLang="zh-TW" sz="1600" b="0" dirty="0">
+                <a:solidFill>
+                  <a:srgbClr val="A31515"/>
+                </a:solidFill>
+                <a:effectLst/>
+                <a:latin typeface="Consolas" panose="020B0609020204030204" pitchFamily="49" charset="0"/>
+              </a:rPr>
+              <a:t>'</a:t>
+            </a:r>
+            <a:r>
+              <a:rPr lang="en-US" altLang="zh-TW" sz="1600" b="0" dirty="0">
+                <a:solidFill>
+                  <a:srgbClr val="3B3B3B"/>
+                </a:solidFill>
+                <a:effectLst/>
+                <a:latin typeface="Consolas" panose="020B0609020204030204" pitchFamily="49" charset="0"/>
+              </a:rPr>
+              <a:t>,</a:t>
+            </a:r>
+            <a:r>
+              <a:rPr lang="en-US" altLang="zh-TW" sz="1600" b="0" dirty="0">
+                <a:solidFill>
+                  <a:srgbClr val="A31515"/>
+                </a:solidFill>
+                <a:effectLst/>
+                <a:latin typeface="Consolas" panose="020B0609020204030204" pitchFamily="49" charset="0"/>
+              </a:rPr>
+              <a:t>'</a:t>
+            </a:r>
+            <a:r>
+              <a:rPr lang="zh-TW" altLang="en-US" sz="1600" b="0" dirty="0">
+                <a:solidFill>
+                  <a:srgbClr val="A31515"/>
+                </a:solidFill>
+                <a:effectLst/>
+                <a:latin typeface="Consolas" panose="020B0609020204030204" pitchFamily="49" charset="0"/>
+              </a:rPr>
+              <a:t>每月信用卡支出平均</a:t>
+            </a:r>
+            <a:r>
+              <a:rPr lang="en-US" altLang="zh-TW" sz="1600" b="0" dirty="0">
+                <a:solidFill>
+                  <a:srgbClr val="A31515"/>
+                </a:solidFill>
+                <a:effectLst/>
+                <a:latin typeface="Consolas" panose="020B0609020204030204" pitchFamily="49" charset="0"/>
+              </a:rPr>
+              <a:t>'</a:t>
+            </a:r>
+            <a:r>
+              <a:rPr lang="en-US" altLang="zh-TW" sz="1600" b="0" dirty="0">
+                <a:solidFill>
+                  <a:srgbClr val="3B3B3B"/>
+                </a:solidFill>
+                <a:effectLst/>
+                <a:latin typeface="Consolas" panose="020B0609020204030204" pitchFamily="49" charset="0"/>
+              </a:rPr>
+              <a:t>,</a:t>
+            </a:r>
+            <a:r>
+              <a:rPr lang="en-US" altLang="zh-TW" sz="1600" b="0" dirty="0">
+                <a:solidFill>
+                  <a:srgbClr val="A31515"/>
+                </a:solidFill>
+                <a:effectLst/>
+                <a:latin typeface="Consolas" panose="020B0609020204030204" pitchFamily="49" charset="0"/>
+              </a:rPr>
+              <a:t>'</a:t>
+            </a:r>
+            <a:r>
+              <a:rPr lang="zh-TW" altLang="en-US" sz="1600" b="0" dirty="0">
+                <a:solidFill>
+                  <a:srgbClr val="A31515"/>
+                </a:solidFill>
+                <a:effectLst/>
+                <a:latin typeface="Consolas" panose="020B0609020204030204" pitchFamily="49" charset="0"/>
+              </a:rPr>
+              <a:t>收支比</a:t>
+            </a:r>
+            <a:r>
+              <a:rPr lang="en-US" altLang="zh-TW" sz="1600" b="0" dirty="0">
+                <a:solidFill>
+                  <a:srgbClr val="A31515"/>
+                </a:solidFill>
+                <a:effectLst/>
+                <a:latin typeface="Consolas" panose="020B0609020204030204" pitchFamily="49" charset="0"/>
+              </a:rPr>
+              <a:t>'</a:t>
+            </a:r>
+            <a:r>
+              <a:rPr lang="en-US" altLang="zh-TW" sz="1600" b="0" dirty="0">
+                <a:solidFill>
+                  <a:srgbClr val="3B3B3B"/>
+                </a:solidFill>
+                <a:effectLst/>
+                <a:latin typeface="Consolas" panose="020B0609020204030204" pitchFamily="49" charset="0"/>
+              </a:rPr>
+              <a:t>], </a:t>
+            </a:r>
+            <a:r>
+              <a:rPr lang="en-US" altLang="zh-TW" sz="1600" b="0" dirty="0">
+                <a:solidFill>
+                  <a:srgbClr val="001080"/>
+                </a:solidFill>
+                <a:effectLst/>
+                <a:latin typeface="Consolas" panose="020B0609020204030204" pitchFamily="49" charset="0"/>
+              </a:rPr>
+              <a:t>axis</a:t>
+            </a:r>
+            <a:r>
+              <a:rPr lang="en-US" altLang="zh-TW" sz="1600" b="0" dirty="0">
+                <a:solidFill>
+                  <a:srgbClr val="000000"/>
+                </a:solidFill>
+                <a:effectLst/>
+                <a:latin typeface="Consolas" panose="020B0609020204030204" pitchFamily="49" charset="0"/>
+              </a:rPr>
+              <a:t>=</a:t>
+            </a:r>
+            <a:r>
+              <a:rPr lang="en-US" altLang="zh-TW" sz="1600" b="0" dirty="0">
+                <a:solidFill>
+                  <a:srgbClr val="098658"/>
+                </a:solidFill>
+                <a:effectLst/>
+                <a:latin typeface="Consolas" panose="020B0609020204030204" pitchFamily="49" charset="0"/>
+              </a:rPr>
+              <a:t>1</a:t>
+            </a:r>
+            <a:r>
+              <a:rPr lang="en-US" altLang="zh-TW" sz="1600" b="0" dirty="0">
+                <a:solidFill>
+                  <a:srgbClr val="3B3B3B"/>
+                </a:solidFill>
+                <a:effectLst/>
+                <a:latin typeface="Consolas" panose="020B0609020204030204" pitchFamily="49" charset="0"/>
+              </a:rPr>
+              <a:t>)</a:t>
+            </a:r>
+          </a:p>
+          <a:p>
+            <a:r>
+              <a:rPr lang="en-US" altLang="zh-TW" sz="1600" b="0" dirty="0" err="1">
+                <a:solidFill>
+                  <a:srgbClr val="001080"/>
+                </a:solidFill>
+                <a:effectLst/>
+                <a:latin typeface="Consolas" panose="020B0609020204030204" pitchFamily="49" charset="0"/>
+              </a:rPr>
+              <a:t>y_true</a:t>
+            </a:r>
+            <a:r>
+              <a:rPr lang="en-US" altLang="zh-TW" sz="1600" b="0" dirty="0">
+                <a:solidFill>
+                  <a:srgbClr val="3B3B3B"/>
+                </a:solidFill>
+                <a:effectLst/>
+                <a:latin typeface="Consolas" panose="020B0609020204030204" pitchFamily="49" charset="0"/>
+              </a:rPr>
+              <a:t> </a:t>
+            </a:r>
+            <a:r>
+              <a:rPr lang="en-US" altLang="zh-TW" sz="1600" b="0" dirty="0">
+                <a:solidFill>
+                  <a:srgbClr val="000000"/>
+                </a:solidFill>
+                <a:effectLst/>
+                <a:latin typeface="Consolas" panose="020B0609020204030204" pitchFamily="49" charset="0"/>
+              </a:rPr>
+              <a:t>=</a:t>
+            </a:r>
+            <a:r>
+              <a:rPr lang="en-US" altLang="zh-TW" sz="1600" b="0" dirty="0">
+                <a:solidFill>
+                  <a:srgbClr val="3B3B3B"/>
+                </a:solidFill>
+                <a:effectLst/>
+                <a:latin typeface="Consolas" panose="020B0609020204030204" pitchFamily="49" charset="0"/>
+              </a:rPr>
+              <a:t> </a:t>
+            </a:r>
+            <a:r>
+              <a:rPr lang="en-US" altLang="zh-TW" sz="1600" b="0" dirty="0" err="1">
+                <a:solidFill>
+                  <a:srgbClr val="001080"/>
+                </a:solidFill>
+                <a:effectLst/>
+                <a:latin typeface="Consolas" panose="020B0609020204030204" pitchFamily="49" charset="0"/>
+              </a:rPr>
+              <a:t>data_numeric</a:t>
+            </a:r>
+            <a:r>
+              <a:rPr lang="en-US" altLang="zh-TW" sz="1600" b="0" dirty="0">
+                <a:solidFill>
+                  <a:srgbClr val="3B3B3B"/>
+                </a:solidFill>
+                <a:effectLst/>
+                <a:latin typeface="Consolas" panose="020B0609020204030204" pitchFamily="49" charset="0"/>
+              </a:rPr>
+              <a:t>[</a:t>
+            </a:r>
+            <a:r>
+              <a:rPr lang="en-US" altLang="zh-TW" sz="1600" b="0" dirty="0">
+                <a:solidFill>
+                  <a:srgbClr val="A31515"/>
+                </a:solidFill>
+                <a:effectLst/>
+                <a:latin typeface="Consolas" panose="020B0609020204030204" pitchFamily="49" charset="0"/>
+              </a:rPr>
+              <a:t>'</a:t>
+            </a:r>
+            <a:r>
+              <a:rPr lang="zh-TW" altLang="en-US" sz="1600" b="0" dirty="0">
+                <a:solidFill>
+                  <a:srgbClr val="A31515"/>
+                </a:solidFill>
+                <a:effectLst/>
+                <a:latin typeface="Consolas" panose="020B0609020204030204" pitchFamily="49" charset="0"/>
+              </a:rPr>
+              <a:t>核卡狀況</a:t>
+            </a:r>
+            <a:r>
+              <a:rPr lang="en-US" altLang="zh-TW" sz="1600" b="0" dirty="0">
+                <a:solidFill>
+                  <a:srgbClr val="A31515"/>
+                </a:solidFill>
+                <a:effectLst/>
+                <a:latin typeface="Consolas" panose="020B0609020204030204" pitchFamily="49" charset="0"/>
+              </a:rPr>
+              <a:t>'</a:t>
+            </a:r>
+            <a:r>
+              <a:rPr lang="en-US" altLang="zh-TW" sz="1600" b="0" dirty="0">
+                <a:solidFill>
+                  <a:srgbClr val="3B3B3B"/>
+                </a:solidFill>
+                <a:effectLst/>
+                <a:latin typeface="Consolas" panose="020B0609020204030204" pitchFamily="49" charset="0"/>
+              </a:rPr>
+              <a:t>]</a:t>
+            </a:r>
+          </a:p>
+          <a:p>
+            <a:r>
+              <a:rPr lang="en-US" altLang="zh-TW" sz="1600" b="0" dirty="0" err="1">
+                <a:solidFill>
+                  <a:srgbClr val="001080"/>
+                </a:solidFill>
+                <a:effectLst/>
+                <a:latin typeface="Consolas" panose="020B0609020204030204" pitchFamily="49" charset="0"/>
+              </a:rPr>
+              <a:t>X_train</a:t>
+            </a:r>
+            <a:r>
+              <a:rPr lang="en-US" altLang="zh-TW" sz="1600" b="0" dirty="0">
+                <a:solidFill>
+                  <a:srgbClr val="3B3B3B"/>
+                </a:solidFill>
+                <a:effectLst/>
+                <a:latin typeface="Consolas" panose="020B0609020204030204" pitchFamily="49" charset="0"/>
+              </a:rPr>
+              <a:t>, </a:t>
+            </a:r>
+            <a:r>
+              <a:rPr lang="en-US" altLang="zh-TW" sz="1600" b="0" dirty="0" err="1">
+                <a:solidFill>
+                  <a:srgbClr val="001080"/>
+                </a:solidFill>
+                <a:effectLst/>
+                <a:latin typeface="Consolas" panose="020B0609020204030204" pitchFamily="49" charset="0"/>
+              </a:rPr>
+              <a:t>X_test</a:t>
+            </a:r>
+            <a:r>
+              <a:rPr lang="en-US" altLang="zh-TW" sz="1600" b="0" dirty="0">
+                <a:solidFill>
+                  <a:srgbClr val="3B3B3B"/>
+                </a:solidFill>
+                <a:effectLst/>
+                <a:latin typeface="Consolas" panose="020B0609020204030204" pitchFamily="49" charset="0"/>
+              </a:rPr>
+              <a:t>, </a:t>
+            </a:r>
+            <a:r>
+              <a:rPr lang="en-US" altLang="zh-TW" sz="1600" b="0" dirty="0" err="1">
+                <a:solidFill>
+                  <a:srgbClr val="001080"/>
+                </a:solidFill>
+                <a:effectLst/>
+                <a:latin typeface="Consolas" panose="020B0609020204030204" pitchFamily="49" charset="0"/>
+              </a:rPr>
+              <a:t>y_train</a:t>
+            </a:r>
+            <a:r>
+              <a:rPr lang="en-US" altLang="zh-TW" sz="1600" b="0" dirty="0">
+                <a:solidFill>
+                  <a:srgbClr val="3B3B3B"/>
+                </a:solidFill>
+                <a:effectLst/>
+                <a:latin typeface="Consolas" panose="020B0609020204030204" pitchFamily="49" charset="0"/>
+              </a:rPr>
+              <a:t>, </a:t>
+            </a:r>
+            <a:r>
+              <a:rPr lang="en-US" altLang="zh-TW" sz="1600" b="0" dirty="0" err="1">
+                <a:solidFill>
+                  <a:srgbClr val="001080"/>
+                </a:solidFill>
+                <a:effectLst/>
+                <a:latin typeface="Consolas" panose="020B0609020204030204" pitchFamily="49" charset="0"/>
+              </a:rPr>
+              <a:t>y_test</a:t>
+            </a:r>
+            <a:r>
+              <a:rPr lang="en-US" altLang="zh-TW" sz="1600" b="0" dirty="0">
+                <a:solidFill>
+                  <a:srgbClr val="3B3B3B"/>
+                </a:solidFill>
+                <a:effectLst/>
+                <a:latin typeface="Consolas" panose="020B0609020204030204" pitchFamily="49" charset="0"/>
+              </a:rPr>
+              <a:t> </a:t>
+            </a:r>
+            <a:r>
+              <a:rPr lang="en-US" altLang="zh-TW" sz="1600" b="0" dirty="0">
+                <a:solidFill>
+                  <a:srgbClr val="000000"/>
+                </a:solidFill>
+                <a:effectLst/>
+                <a:latin typeface="Consolas" panose="020B0609020204030204" pitchFamily="49" charset="0"/>
+              </a:rPr>
+              <a:t>=</a:t>
+            </a:r>
+            <a:r>
+              <a:rPr lang="en-US" altLang="zh-TW" sz="1600" b="0" dirty="0">
+                <a:solidFill>
+                  <a:srgbClr val="3B3B3B"/>
+                </a:solidFill>
+                <a:effectLst/>
+                <a:latin typeface="Consolas" panose="020B0609020204030204" pitchFamily="49" charset="0"/>
+              </a:rPr>
+              <a:t> </a:t>
+            </a:r>
+            <a:r>
+              <a:rPr lang="en-US" altLang="zh-TW" sz="1600" b="0" dirty="0" err="1">
+                <a:solidFill>
+                  <a:srgbClr val="795E26"/>
+                </a:solidFill>
+                <a:effectLst/>
+                <a:latin typeface="Consolas" panose="020B0609020204030204" pitchFamily="49" charset="0"/>
+              </a:rPr>
+              <a:t>train_test_split</a:t>
+            </a:r>
+            <a:r>
+              <a:rPr lang="en-US" altLang="zh-TW" sz="1600" b="0" dirty="0">
+                <a:solidFill>
+                  <a:srgbClr val="3B3B3B"/>
+                </a:solidFill>
+                <a:effectLst/>
+                <a:latin typeface="Consolas" panose="020B0609020204030204" pitchFamily="49" charset="0"/>
+              </a:rPr>
+              <a:t>(</a:t>
+            </a:r>
+            <a:r>
+              <a:rPr lang="en-US" altLang="zh-TW" sz="1600" b="0" dirty="0">
+                <a:solidFill>
+                  <a:srgbClr val="001080"/>
+                </a:solidFill>
+                <a:effectLst/>
+                <a:latin typeface="Consolas" panose="020B0609020204030204" pitchFamily="49" charset="0"/>
+              </a:rPr>
+              <a:t>features</a:t>
+            </a:r>
+            <a:r>
+              <a:rPr lang="en-US" altLang="zh-TW" sz="1600" b="0" dirty="0">
+                <a:solidFill>
+                  <a:srgbClr val="3B3B3B"/>
+                </a:solidFill>
+                <a:effectLst/>
+                <a:latin typeface="Consolas" panose="020B0609020204030204" pitchFamily="49" charset="0"/>
+              </a:rPr>
+              <a:t>, </a:t>
+            </a:r>
+            <a:r>
+              <a:rPr lang="en-US" altLang="zh-TW" sz="1600" b="0" dirty="0" err="1">
+                <a:solidFill>
+                  <a:srgbClr val="001080"/>
+                </a:solidFill>
+                <a:effectLst/>
+                <a:latin typeface="Consolas" panose="020B0609020204030204" pitchFamily="49" charset="0"/>
+              </a:rPr>
+              <a:t>y_true</a:t>
+            </a:r>
+            <a:r>
+              <a:rPr lang="en-US" altLang="zh-TW" sz="1600" b="0" dirty="0">
+                <a:solidFill>
+                  <a:srgbClr val="3B3B3B"/>
+                </a:solidFill>
+                <a:effectLst/>
+                <a:latin typeface="Consolas" panose="020B0609020204030204" pitchFamily="49" charset="0"/>
+              </a:rPr>
+              <a:t>, </a:t>
+            </a:r>
+            <a:r>
+              <a:rPr lang="en-US" altLang="zh-TW" sz="1600" b="0" dirty="0" err="1">
+                <a:solidFill>
+                  <a:srgbClr val="001080"/>
+                </a:solidFill>
+                <a:effectLst/>
+                <a:latin typeface="Consolas" panose="020B0609020204030204" pitchFamily="49" charset="0"/>
+              </a:rPr>
+              <a:t>test_size</a:t>
+            </a:r>
+            <a:r>
+              <a:rPr lang="en-US" altLang="zh-TW" sz="1600" b="0" dirty="0">
+                <a:solidFill>
+                  <a:srgbClr val="000000"/>
+                </a:solidFill>
+                <a:effectLst/>
+                <a:latin typeface="Consolas" panose="020B0609020204030204" pitchFamily="49" charset="0"/>
+              </a:rPr>
+              <a:t>=</a:t>
+            </a:r>
+            <a:r>
+              <a:rPr lang="en-US" altLang="zh-TW" sz="1600" b="0" dirty="0">
+                <a:solidFill>
+                  <a:srgbClr val="098658"/>
+                </a:solidFill>
+                <a:effectLst/>
+                <a:latin typeface="Consolas" panose="020B0609020204030204" pitchFamily="49" charset="0"/>
+              </a:rPr>
+              <a:t>0.2</a:t>
+            </a:r>
+            <a:r>
+              <a:rPr lang="en-US" altLang="zh-TW" sz="1600" b="0" dirty="0">
+                <a:solidFill>
+                  <a:srgbClr val="3B3B3B"/>
+                </a:solidFill>
+                <a:effectLst/>
+                <a:latin typeface="Consolas" panose="020B0609020204030204" pitchFamily="49" charset="0"/>
+              </a:rPr>
+              <a:t>)</a:t>
+            </a:r>
+          </a:p>
+          <a:p>
+            <a:br>
+              <a:rPr lang="en-US" altLang="zh-TW" sz="1600" b="0" dirty="0">
+                <a:solidFill>
+                  <a:srgbClr val="3B3B3B"/>
+                </a:solidFill>
+                <a:effectLst/>
+                <a:latin typeface="Consolas" panose="020B0609020204030204" pitchFamily="49" charset="0"/>
+              </a:rPr>
+            </a:br>
+            <a:r>
+              <a:rPr lang="en-US" altLang="zh-TW" sz="1600" b="0" dirty="0">
+                <a:solidFill>
+                  <a:srgbClr val="0070C1"/>
+                </a:solidFill>
+                <a:effectLst/>
+                <a:latin typeface="Consolas" panose="020B0609020204030204" pitchFamily="49" charset="0"/>
+              </a:rPr>
+              <a:t>GR</a:t>
+            </a:r>
+            <a:r>
+              <a:rPr lang="en-US" altLang="zh-TW" sz="1600" b="0" dirty="0">
+                <a:solidFill>
+                  <a:srgbClr val="3B3B3B"/>
+                </a:solidFill>
+                <a:effectLst/>
+                <a:latin typeface="Consolas" panose="020B0609020204030204" pitchFamily="49" charset="0"/>
+              </a:rPr>
+              <a:t> </a:t>
+            </a:r>
+            <a:r>
+              <a:rPr lang="en-US" altLang="zh-TW" sz="1600" b="0" dirty="0">
+                <a:solidFill>
+                  <a:srgbClr val="000000"/>
+                </a:solidFill>
+                <a:effectLst/>
+                <a:latin typeface="Consolas" panose="020B0609020204030204" pitchFamily="49" charset="0"/>
+              </a:rPr>
+              <a:t>=</a:t>
+            </a:r>
+            <a:r>
+              <a:rPr lang="en-US" altLang="zh-TW" sz="1600" b="0" dirty="0">
+                <a:solidFill>
+                  <a:srgbClr val="3B3B3B"/>
+                </a:solidFill>
+                <a:effectLst/>
+                <a:latin typeface="Consolas" panose="020B0609020204030204" pitchFamily="49" charset="0"/>
+              </a:rPr>
+              <a:t> </a:t>
+            </a:r>
+            <a:r>
+              <a:rPr lang="en-US" altLang="zh-TW" sz="1600" b="0" dirty="0" err="1">
+                <a:solidFill>
+                  <a:srgbClr val="267F99"/>
+                </a:solidFill>
+                <a:effectLst/>
+                <a:latin typeface="Consolas" panose="020B0609020204030204" pitchFamily="49" charset="0"/>
+              </a:rPr>
+              <a:t>LogisticR</a:t>
+            </a:r>
+            <a:r>
+              <a:rPr lang="en-US" altLang="zh-TW" sz="1600" b="0" dirty="0">
+                <a:solidFill>
+                  <a:srgbClr val="3B3B3B"/>
+                </a:solidFill>
+                <a:effectLst/>
+                <a:latin typeface="Consolas" panose="020B0609020204030204" pitchFamily="49" charset="0"/>
+              </a:rPr>
+              <a:t>(</a:t>
+            </a:r>
+            <a:r>
+              <a:rPr lang="en-US" altLang="zh-TW" sz="1600" b="0" dirty="0" err="1">
+                <a:solidFill>
+                  <a:srgbClr val="001080"/>
+                </a:solidFill>
+                <a:effectLst/>
+                <a:latin typeface="Consolas" panose="020B0609020204030204" pitchFamily="49" charset="0"/>
+              </a:rPr>
+              <a:t>learning_rate</a:t>
+            </a:r>
+            <a:r>
+              <a:rPr lang="en-US" altLang="zh-TW" sz="1600" b="0" dirty="0">
+                <a:solidFill>
+                  <a:srgbClr val="000000"/>
+                </a:solidFill>
+                <a:effectLst/>
+                <a:latin typeface="Consolas" panose="020B0609020204030204" pitchFamily="49" charset="0"/>
+              </a:rPr>
+              <a:t>=</a:t>
+            </a:r>
+            <a:r>
+              <a:rPr lang="en-US" altLang="zh-TW" sz="1600" b="0" dirty="0">
+                <a:solidFill>
+                  <a:srgbClr val="098658"/>
+                </a:solidFill>
+                <a:effectLst/>
+                <a:latin typeface="Consolas" panose="020B0609020204030204" pitchFamily="49" charset="0"/>
+              </a:rPr>
+              <a:t>0.020999999999999998</a:t>
+            </a:r>
+            <a:r>
+              <a:rPr lang="en-US" altLang="zh-TW" sz="1600" b="0" dirty="0">
+                <a:solidFill>
+                  <a:srgbClr val="3B3B3B"/>
+                </a:solidFill>
+                <a:effectLst/>
+                <a:latin typeface="Consolas" panose="020B0609020204030204" pitchFamily="49" charset="0"/>
+              </a:rPr>
+              <a:t>, </a:t>
+            </a:r>
+            <a:r>
+              <a:rPr lang="en-US" altLang="zh-TW" sz="1600" b="0" dirty="0" err="1">
+                <a:solidFill>
+                  <a:srgbClr val="001080"/>
+                </a:solidFill>
+                <a:effectLst/>
+                <a:latin typeface="Consolas" panose="020B0609020204030204" pitchFamily="49" charset="0"/>
+              </a:rPr>
+              <a:t>iter</a:t>
+            </a:r>
+            <a:r>
+              <a:rPr lang="en-US" altLang="zh-TW" sz="1600" b="0" dirty="0">
+                <a:solidFill>
+                  <a:srgbClr val="000000"/>
+                </a:solidFill>
+                <a:effectLst/>
+                <a:latin typeface="Consolas" panose="020B0609020204030204" pitchFamily="49" charset="0"/>
+              </a:rPr>
+              <a:t>=</a:t>
+            </a:r>
+            <a:r>
+              <a:rPr lang="en-US" altLang="zh-TW" sz="1600" b="0" dirty="0">
+                <a:solidFill>
+                  <a:srgbClr val="098658"/>
+                </a:solidFill>
+                <a:effectLst/>
+                <a:latin typeface="Consolas" panose="020B0609020204030204" pitchFamily="49" charset="0"/>
+              </a:rPr>
+              <a:t>730</a:t>
+            </a:r>
+            <a:r>
+              <a:rPr lang="en-US" altLang="zh-TW" sz="1600" b="0" dirty="0">
+                <a:solidFill>
+                  <a:srgbClr val="3B3B3B"/>
+                </a:solidFill>
+                <a:effectLst/>
+                <a:latin typeface="Consolas" panose="020B0609020204030204" pitchFamily="49" charset="0"/>
+              </a:rPr>
+              <a:t>)</a:t>
+            </a:r>
+          </a:p>
+          <a:p>
+            <a:r>
+              <a:rPr lang="en-US" altLang="zh-TW" sz="1600" b="0" dirty="0" err="1">
+                <a:solidFill>
+                  <a:srgbClr val="0070C1"/>
+                </a:solidFill>
+                <a:effectLst/>
+                <a:latin typeface="Consolas" panose="020B0609020204030204" pitchFamily="49" charset="0"/>
+              </a:rPr>
+              <a:t>GR</a:t>
+            </a:r>
+            <a:r>
+              <a:rPr lang="en-US" altLang="zh-TW" sz="1600" b="0" dirty="0" err="1">
+                <a:solidFill>
+                  <a:srgbClr val="3B3B3B"/>
+                </a:solidFill>
+                <a:effectLst/>
+                <a:latin typeface="Consolas" panose="020B0609020204030204" pitchFamily="49" charset="0"/>
+              </a:rPr>
+              <a:t>.</a:t>
+            </a:r>
+            <a:r>
+              <a:rPr lang="en-US" altLang="zh-TW" sz="1600" b="0" dirty="0" err="1">
+                <a:solidFill>
+                  <a:srgbClr val="795E26"/>
+                </a:solidFill>
+                <a:effectLst/>
+                <a:latin typeface="Consolas" panose="020B0609020204030204" pitchFamily="49" charset="0"/>
+              </a:rPr>
+              <a:t>fit</a:t>
+            </a:r>
+            <a:r>
+              <a:rPr lang="en-US" altLang="zh-TW" sz="1600" b="0" dirty="0">
+                <a:solidFill>
+                  <a:srgbClr val="3B3B3B"/>
+                </a:solidFill>
+                <a:effectLst/>
+                <a:latin typeface="Consolas" panose="020B0609020204030204" pitchFamily="49" charset="0"/>
+              </a:rPr>
+              <a:t>(</a:t>
+            </a:r>
+            <a:r>
+              <a:rPr lang="en-US" altLang="zh-TW" sz="1600" b="0" dirty="0" err="1">
+                <a:solidFill>
+                  <a:srgbClr val="001080"/>
+                </a:solidFill>
+                <a:effectLst/>
+                <a:latin typeface="Consolas" panose="020B0609020204030204" pitchFamily="49" charset="0"/>
+              </a:rPr>
+              <a:t>X_train</a:t>
+            </a:r>
+            <a:r>
+              <a:rPr lang="en-US" altLang="zh-TW" sz="1600" b="0" dirty="0">
+                <a:solidFill>
+                  <a:srgbClr val="3B3B3B"/>
+                </a:solidFill>
+                <a:effectLst/>
+                <a:latin typeface="Consolas" panose="020B0609020204030204" pitchFamily="49" charset="0"/>
+              </a:rPr>
+              <a:t>, </a:t>
+            </a:r>
+            <a:r>
+              <a:rPr lang="en-US" altLang="zh-TW" sz="1600" b="0" dirty="0" err="1">
+                <a:solidFill>
+                  <a:srgbClr val="001080"/>
+                </a:solidFill>
+                <a:effectLst/>
+                <a:latin typeface="Consolas" panose="020B0609020204030204" pitchFamily="49" charset="0"/>
+              </a:rPr>
+              <a:t>y_train</a:t>
+            </a:r>
+            <a:r>
+              <a:rPr lang="en-US" altLang="zh-TW" sz="1600" b="0" dirty="0">
+                <a:solidFill>
+                  <a:srgbClr val="3B3B3B"/>
+                </a:solidFill>
+                <a:effectLst/>
+                <a:latin typeface="Consolas" panose="020B0609020204030204" pitchFamily="49" charset="0"/>
+              </a:rPr>
+              <a:t>)</a:t>
+            </a:r>
+          </a:p>
+          <a:p>
+            <a:r>
+              <a:rPr lang="en-US" altLang="zh-TW" sz="1600" b="0" dirty="0">
+                <a:solidFill>
+                  <a:srgbClr val="001080"/>
+                </a:solidFill>
+                <a:effectLst/>
+                <a:latin typeface="Consolas" panose="020B0609020204030204" pitchFamily="49" charset="0"/>
+              </a:rPr>
+              <a:t>pre</a:t>
+            </a:r>
+            <a:r>
+              <a:rPr lang="en-US" altLang="zh-TW" sz="1600" b="0" dirty="0">
+                <a:solidFill>
+                  <a:srgbClr val="3B3B3B"/>
+                </a:solidFill>
+                <a:effectLst/>
+                <a:latin typeface="Consolas" panose="020B0609020204030204" pitchFamily="49" charset="0"/>
+              </a:rPr>
+              <a:t> </a:t>
+            </a:r>
+            <a:r>
+              <a:rPr lang="en-US" altLang="zh-TW" sz="1600" b="0" dirty="0">
+                <a:solidFill>
+                  <a:srgbClr val="000000"/>
+                </a:solidFill>
+                <a:effectLst/>
+                <a:latin typeface="Consolas" panose="020B0609020204030204" pitchFamily="49" charset="0"/>
+              </a:rPr>
+              <a:t>=</a:t>
+            </a:r>
+            <a:r>
+              <a:rPr lang="en-US" altLang="zh-TW" sz="1600" b="0" dirty="0">
+                <a:solidFill>
+                  <a:srgbClr val="3B3B3B"/>
+                </a:solidFill>
+                <a:effectLst/>
+                <a:latin typeface="Consolas" panose="020B0609020204030204" pitchFamily="49" charset="0"/>
+              </a:rPr>
+              <a:t> </a:t>
+            </a:r>
+            <a:r>
+              <a:rPr lang="en-US" altLang="zh-TW" sz="1600" b="0" dirty="0" err="1">
+                <a:solidFill>
+                  <a:srgbClr val="0070C1"/>
+                </a:solidFill>
+                <a:effectLst/>
+                <a:latin typeface="Consolas" panose="020B0609020204030204" pitchFamily="49" charset="0"/>
+              </a:rPr>
+              <a:t>GR</a:t>
+            </a:r>
+            <a:r>
+              <a:rPr lang="en-US" altLang="zh-TW" sz="1600" b="0" dirty="0" err="1">
+                <a:solidFill>
+                  <a:srgbClr val="3B3B3B"/>
+                </a:solidFill>
+                <a:effectLst/>
+                <a:latin typeface="Consolas" panose="020B0609020204030204" pitchFamily="49" charset="0"/>
+              </a:rPr>
+              <a:t>.</a:t>
+            </a:r>
+            <a:r>
+              <a:rPr lang="en-US" altLang="zh-TW" sz="1600" b="0" dirty="0" err="1">
+                <a:solidFill>
+                  <a:srgbClr val="795E26"/>
+                </a:solidFill>
+                <a:effectLst/>
+                <a:latin typeface="Consolas" panose="020B0609020204030204" pitchFamily="49" charset="0"/>
+              </a:rPr>
+              <a:t>predict</a:t>
+            </a:r>
+            <a:r>
+              <a:rPr lang="en-US" altLang="zh-TW" sz="1600" b="0" dirty="0">
+                <a:solidFill>
+                  <a:srgbClr val="3B3B3B"/>
+                </a:solidFill>
+                <a:effectLst/>
+                <a:latin typeface="Consolas" panose="020B0609020204030204" pitchFamily="49" charset="0"/>
+              </a:rPr>
+              <a:t>(</a:t>
+            </a:r>
+            <a:r>
+              <a:rPr lang="en-US" altLang="zh-TW" sz="1600" b="0" dirty="0" err="1">
+                <a:solidFill>
+                  <a:srgbClr val="001080"/>
+                </a:solidFill>
+                <a:effectLst/>
+                <a:latin typeface="Consolas" panose="020B0609020204030204" pitchFamily="49" charset="0"/>
+              </a:rPr>
+              <a:t>X_test</a:t>
+            </a:r>
+            <a:r>
+              <a:rPr lang="en-US" altLang="zh-TW" sz="1600" b="0" dirty="0">
+                <a:solidFill>
+                  <a:srgbClr val="3B3B3B"/>
+                </a:solidFill>
+                <a:effectLst/>
+                <a:latin typeface="Consolas" panose="020B0609020204030204" pitchFamily="49" charset="0"/>
+              </a:rPr>
+              <a:t>)</a:t>
+            </a:r>
+          </a:p>
+          <a:p>
+            <a:r>
+              <a:rPr lang="en-US" altLang="zh-TW" sz="1600" b="0" dirty="0">
+                <a:solidFill>
+                  <a:srgbClr val="795E26"/>
+                </a:solidFill>
+                <a:effectLst/>
+                <a:latin typeface="Consolas" panose="020B0609020204030204" pitchFamily="49" charset="0"/>
+              </a:rPr>
+              <a:t>matrix</a:t>
+            </a:r>
+            <a:r>
+              <a:rPr lang="en-US" altLang="zh-TW" sz="1600" b="0" dirty="0">
+                <a:solidFill>
+                  <a:srgbClr val="3B3B3B"/>
+                </a:solidFill>
+                <a:effectLst/>
+                <a:latin typeface="Consolas" panose="020B0609020204030204" pitchFamily="49" charset="0"/>
+              </a:rPr>
+              <a:t>(</a:t>
+            </a:r>
+            <a:r>
+              <a:rPr lang="en-US" altLang="zh-TW" sz="1600" b="0" dirty="0" err="1">
+                <a:solidFill>
+                  <a:srgbClr val="001080"/>
+                </a:solidFill>
+                <a:effectLst/>
+                <a:latin typeface="Consolas" panose="020B0609020204030204" pitchFamily="49" charset="0"/>
+              </a:rPr>
+              <a:t>y_test</a:t>
+            </a:r>
+            <a:r>
+              <a:rPr lang="en-US" altLang="zh-TW" sz="1600" b="0" dirty="0">
+                <a:solidFill>
+                  <a:srgbClr val="3B3B3B"/>
+                </a:solidFill>
+                <a:effectLst/>
+                <a:latin typeface="Consolas" panose="020B0609020204030204" pitchFamily="49" charset="0"/>
+              </a:rPr>
+              <a:t>, </a:t>
+            </a:r>
+            <a:r>
+              <a:rPr lang="en-US" altLang="zh-TW" sz="1600" b="0" dirty="0">
+                <a:solidFill>
+                  <a:srgbClr val="001080"/>
+                </a:solidFill>
+                <a:effectLst/>
+                <a:latin typeface="Consolas" panose="020B0609020204030204" pitchFamily="49" charset="0"/>
+              </a:rPr>
+              <a:t>pre</a:t>
+            </a:r>
+            <a:r>
+              <a:rPr lang="en-US" altLang="zh-TW" sz="1600" b="0" dirty="0">
+                <a:solidFill>
+                  <a:srgbClr val="3B3B3B"/>
+                </a:solidFill>
+                <a:effectLst/>
+                <a:latin typeface="Consolas" panose="020B0609020204030204" pitchFamily="49" charset="0"/>
+              </a:rPr>
+              <a:t>)</a:t>
+            </a:r>
+          </a:p>
+          <a:p>
+            <a:pPr marL="0" indent="0">
+              <a:buNone/>
+            </a:pPr>
+            <a:endParaRPr lang="zh-TW" altLang="en-US" sz="1600" dirty="0"/>
+          </a:p>
+        </p:txBody>
+      </p:sp>
+      <p:sp>
+        <p:nvSpPr>
+          <p:cNvPr id="7" name="文字方塊 6">
+            <a:extLst>
+              <a:ext uri="{FF2B5EF4-FFF2-40B4-BE49-F238E27FC236}">
+                <a16:creationId xmlns:a16="http://schemas.microsoft.com/office/drawing/2014/main" id="{E047CA18-2A76-4B80-E41E-4AD8C1258A97}"/>
+              </a:ext>
+            </a:extLst>
+          </p:cNvPr>
+          <p:cNvSpPr txBox="1"/>
+          <p:nvPr/>
+        </p:nvSpPr>
+        <p:spPr>
+          <a:xfrm>
+            <a:off x="2318656" y="5665569"/>
+            <a:ext cx="9448801" cy="646331"/>
+          </a:xfrm>
+          <a:prstGeom prst="rect">
+            <a:avLst/>
+          </a:prstGeom>
+          <a:noFill/>
+          <a:ln>
+            <a:solidFill>
+              <a:schemeClr val="tx1"/>
+            </a:solidFill>
+          </a:ln>
+        </p:spPr>
+        <p:txBody>
+          <a:bodyPr wrap="square">
+            <a:spAutoFit/>
+          </a:bodyPr>
+          <a:lstStyle/>
+          <a:p>
+            <a:r>
+              <a:rPr lang="en-US" altLang="zh-TW" sz="1200" b="0" dirty="0">
+                <a:solidFill>
+                  <a:srgbClr val="001080"/>
+                </a:solidFill>
+                <a:effectLst/>
+                <a:latin typeface="Consolas" panose="020B0609020204030204" pitchFamily="49" charset="0"/>
+              </a:rPr>
+              <a:t>parameter</a:t>
+            </a:r>
+            <a:r>
+              <a:rPr lang="en-US" altLang="zh-TW" sz="1200" b="0" dirty="0">
+                <a:solidFill>
+                  <a:srgbClr val="000000"/>
+                </a:solidFill>
+                <a:effectLst/>
+                <a:latin typeface="Consolas" panose="020B0609020204030204" pitchFamily="49" charset="0"/>
+              </a:rPr>
+              <a:t>=</a:t>
+            </a:r>
+            <a:r>
+              <a:rPr lang="en-US" altLang="zh-TW" sz="1200" b="0" dirty="0">
+                <a:solidFill>
+                  <a:srgbClr val="3B3B3B"/>
+                </a:solidFill>
+                <a:effectLst/>
+                <a:latin typeface="Consolas" panose="020B0609020204030204" pitchFamily="49" charset="0"/>
+              </a:rPr>
+              <a:t>{</a:t>
+            </a:r>
+            <a:r>
+              <a:rPr lang="en-US" altLang="zh-TW" sz="1200" b="0" dirty="0">
+                <a:solidFill>
+                  <a:srgbClr val="A31515"/>
+                </a:solidFill>
+                <a:effectLst/>
+                <a:latin typeface="Consolas" panose="020B0609020204030204" pitchFamily="49" charset="0"/>
+              </a:rPr>
+              <a:t>"</a:t>
+            </a:r>
+            <a:r>
+              <a:rPr lang="en-US" altLang="zh-TW" sz="1200" b="0" dirty="0" err="1">
+                <a:solidFill>
+                  <a:srgbClr val="A31515"/>
+                </a:solidFill>
+                <a:effectLst/>
+                <a:latin typeface="Consolas" panose="020B0609020204030204" pitchFamily="49" charset="0"/>
+              </a:rPr>
+              <a:t>learning_rate</a:t>
+            </a:r>
+            <a:r>
+              <a:rPr lang="en-US" altLang="zh-TW" sz="1200" b="0" dirty="0">
+                <a:solidFill>
+                  <a:srgbClr val="A31515"/>
+                </a:solidFill>
+                <a:effectLst/>
+                <a:latin typeface="Consolas" panose="020B0609020204030204" pitchFamily="49" charset="0"/>
+              </a:rPr>
+              <a:t>"</a:t>
+            </a:r>
+            <a:r>
+              <a:rPr lang="en-US" altLang="zh-TW" sz="1200" b="0" dirty="0">
+                <a:solidFill>
+                  <a:srgbClr val="3B3B3B"/>
+                </a:solidFill>
+                <a:effectLst/>
+                <a:latin typeface="Consolas" panose="020B0609020204030204" pitchFamily="49" charset="0"/>
+              </a:rPr>
+              <a:t>:[</a:t>
+            </a:r>
+            <a:r>
+              <a:rPr lang="en-US" altLang="zh-TW" sz="1200" b="0" dirty="0" err="1">
+                <a:solidFill>
+                  <a:srgbClr val="001080"/>
+                </a:solidFill>
+                <a:effectLst/>
+                <a:latin typeface="Consolas" panose="020B0609020204030204" pitchFamily="49" charset="0"/>
+              </a:rPr>
+              <a:t>i</a:t>
+            </a:r>
+            <a:r>
+              <a:rPr lang="en-US" altLang="zh-TW" sz="1200" b="0" dirty="0">
+                <a:solidFill>
+                  <a:srgbClr val="3B3B3B"/>
+                </a:solidFill>
+                <a:effectLst/>
+                <a:latin typeface="Consolas" panose="020B0609020204030204" pitchFamily="49" charset="0"/>
+              </a:rPr>
+              <a:t> </a:t>
+            </a:r>
+            <a:r>
+              <a:rPr lang="en-US" altLang="zh-TW" sz="1200" b="0" dirty="0">
+                <a:solidFill>
+                  <a:srgbClr val="AF00DB"/>
+                </a:solidFill>
+                <a:effectLst/>
+                <a:latin typeface="Consolas" panose="020B0609020204030204" pitchFamily="49" charset="0"/>
+              </a:rPr>
+              <a:t>for</a:t>
+            </a:r>
+            <a:r>
+              <a:rPr lang="en-US" altLang="zh-TW" sz="1200" b="0" dirty="0">
+                <a:solidFill>
+                  <a:srgbClr val="3B3B3B"/>
+                </a:solidFill>
+                <a:effectLst/>
+                <a:latin typeface="Consolas" panose="020B0609020204030204" pitchFamily="49" charset="0"/>
+              </a:rPr>
+              <a:t> </a:t>
+            </a:r>
+            <a:r>
+              <a:rPr lang="en-US" altLang="zh-TW" sz="1200" b="0" dirty="0" err="1">
+                <a:solidFill>
+                  <a:srgbClr val="001080"/>
+                </a:solidFill>
+                <a:effectLst/>
+                <a:latin typeface="Consolas" panose="020B0609020204030204" pitchFamily="49" charset="0"/>
+              </a:rPr>
+              <a:t>i</a:t>
+            </a:r>
+            <a:r>
+              <a:rPr lang="en-US" altLang="zh-TW" sz="1200" b="0" dirty="0">
+                <a:solidFill>
+                  <a:srgbClr val="3B3B3B"/>
+                </a:solidFill>
+                <a:effectLst/>
+                <a:latin typeface="Consolas" panose="020B0609020204030204" pitchFamily="49" charset="0"/>
+              </a:rPr>
+              <a:t> </a:t>
+            </a:r>
+            <a:r>
+              <a:rPr lang="en-US" altLang="zh-TW" sz="1200" b="0" dirty="0">
+                <a:solidFill>
+                  <a:srgbClr val="AF00DB"/>
+                </a:solidFill>
+                <a:effectLst/>
+                <a:latin typeface="Consolas" panose="020B0609020204030204" pitchFamily="49" charset="0"/>
+              </a:rPr>
+              <a:t>in</a:t>
+            </a:r>
+            <a:r>
+              <a:rPr lang="en-US" altLang="zh-TW" sz="1200" b="0" dirty="0">
+                <a:solidFill>
+                  <a:srgbClr val="3B3B3B"/>
+                </a:solidFill>
+                <a:effectLst/>
+                <a:latin typeface="Consolas" panose="020B0609020204030204" pitchFamily="49" charset="0"/>
+              </a:rPr>
+              <a:t> </a:t>
+            </a:r>
+            <a:r>
+              <a:rPr lang="en-US" altLang="zh-TW" sz="1200" b="0" dirty="0" err="1">
+                <a:solidFill>
+                  <a:srgbClr val="267F99"/>
+                </a:solidFill>
+                <a:effectLst/>
+                <a:latin typeface="Consolas" panose="020B0609020204030204" pitchFamily="49" charset="0"/>
+              </a:rPr>
+              <a:t>np</a:t>
+            </a:r>
+            <a:r>
+              <a:rPr lang="en-US" altLang="zh-TW" sz="1200" b="0" dirty="0" err="1">
+                <a:solidFill>
+                  <a:srgbClr val="3B3B3B"/>
+                </a:solidFill>
+                <a:effectLst/>
+                <a:latin typeface="Consolas" panose="020B0609020204030204" pitchFamily="49" charset="0"/>
+              </a:rPr>
+              <a:t>.</a:t>
+            </a:r>
+            <a:r>
+              <a:rPr lang="en-US" altLang="zh-TW" sz="1200" b="0" dirty="0" err="1">
+                <a:solidFill>
+                  <a:srgbClr val="795E26"/>
+                </a:solidFill>
+                <a:effectLst/>
+                <a:latin typeface="Consolas" panose="020B0609020204030204" pitchFamily="49" charset="0"/>
+              </a:rPr>
+              <a:t>arange</a:t>
+            </a:r>
+            <a:r>
+              <a:rPr lang="en-US" altLang="zh-TW" sz="1200" b="0" dirty="0">
+                <a:solidFill>
+                  <a:srgbClr val="3B3B3B"/>
+                </a:solidFill>
+                <a:effectLst/>
+                <a:latin typeface="Consolas" panose="020B0609020204030204" pitchFamily="49" charset="0"/>
+              </a:rPr>
+              <a:t>(</a:t>
+            </a:r>
+            <a:r>
+              <a:rPr lang="en-US" altLang="zh-TW" sz="1200" b="0" dirty="0">
+                <a:solidFill>
+                  <a:srgbClr val="098658"/>
+                </a:solidFill>
+                <a:effectLst/>
+                <a:latin typeface="Consolas" panose="020B0609020204030204" pitchFamily="49" charset="0"/>
+              </a:rPr>
+              <a:t>0.001</a:t>
+            </a:r>
+            <a:r>
+              <a:rPr lang="en-US" altLang="zh-TW" sz="1200" b="0" dirty="0">
+                <a:solidFill>
+                  <a:srgbClr val="3B3B3B"/>
+                </a:solidFill>
+                <a:effectLst/>
+                <a:latin typeface="Consolas" panose="020B0609020204030204" pitchFamily="49" charset="0"/>
+              </a:rPr>
+              <a:t>,</a:t>
+            </a:r>
+            <a:r>
+              <a:rPr lang="en-US" altLang="zh-TW" sz="1200" b="0" dirty="0">
+                <a:solidFill>
+                  <a:srgbClr val="098658"/>
+                </a:solidFill>
+                <a:effectLst/>
+                <a:latin typeface="Consolas" panose="020B0609020204030204" pitchFamily="49" charset="0"/>
+              </a:rPr>
+              <a:t>0.1</a:t>
+            </a:r>
+            <a:r>
+              <a:rPr lang="en-US" altLang="zh-TW" sz="1200" b="0" dirty="0">
+                <a:solidFill>
+                  <a:srgbClr val="3B3B3B"/>
+                </a:solidFill>
+                <a:effectLst/>
+                <a:latin typeface="Consolas" panose="020B0609020204030204" pitchFamily="49" charset="0"/>
+              </a:rPr>
+              <a:t>,</a:t>
+            </a:r>
+            <a:r>
+              <a:rPr lang="en-US" altLang="zh-TW" sz="1200" b="0" dirty="0">
+                <a:solidFill>
+                  <a:srgbClr val="098658"/>
+                </a:solidFill>
+                <a:effectLst/>
+                <a:latin typeface="Consolas" panose="020B0609020204030204" pitchFamily="49" charset="0"/>
+              </a:rPr>
+              <a:t>0.01</a:t>
+            </a:r>
+            <a:r>
+              <a:rPr lang="en-US" altLang="zh-TW" sz="1200" b="0" dirty="0">
+                <a:solidFill>
+                  <a:srgbClr val="3B3B3B"/>
+                </a:solidFill>
+                <a:effectLst/>
+                <a:latin typeface="Consolas" panose="020B0609020204030204" pitchFamily="49" charset="0"/>
+              </a:rPr>
+              <a:t>)], </a:t>
+            </a:r>
+            <a:r>
+              <a:rPr lang="en-US" altLang="zh-TW" sz="1200" b="0" dirty="0">
+                <a:solidFill>
+                  <a:srgbClr val="A31515"/>
+                </a:solidFill>
+                <a:effectLst/>
+                <a:latin typeface="Consolas" panose="020B0609020204030204" pitchFamily="49" charset="0"/>
+              </a:rPr>
+              <a:t>"</a:t>
+            </a:r>
+            <a:r>
+              <a:rPr lang="en-US" altLang="zh-TW" sz="1200" b="0" dirty="0" err="1">
+                <a:solidFill>
+                  <a:srgbClr val="A31515"/>
+                </a:solidFill>
+                <a:effectLst/>
+                <a:latin typeface="Consolas" panose="020B0609020204030204" pitchFamily="49" charset="0"/>
+              </a:rPr>
+              <a:t>iter</a:t>
+            </a:r>
+            <a:r>
+              <a:rPr lang="en-US" altLang="zh-TW" sz="1200" b="0" dirty="0">
+                <a:solidFill>
+                  <a:srgbClr val="A31515"/>
+                </a:solidFill>
+                <a:effectLst/>
+                <a:latin typeface="Consolas" panose="020B0609020204030204" pitchFamily="49" charset="0"/>
+              </a:rPr>
+              <a:t>"</a:t>
+            </a:r>
+            <a:r>
+              <a:rPr lang="en-US" altLang="zh-TW" sz="1200" b="0" dirty="0">
+                <a:solidFill>
+                  <a:srgbClr val="3B3B3B"/>
+                </a:solidFill>
+                <a:effectLst/>
+                <a:latin typeface="Consolas" panose="020B0609020204030204" pitchFamily="49" charset="0"/>
+              </a:rPr>
+              <a:t>:[</a:t>
+            </a:r>
+            <a:r>
+              <a:rPr lang="en-US" altLang="zh-TW" sz="1200" b="0" dirty="0" err="1">
+                <a:solidFill>
+                  <a:srgbClr val="001080"/>
+                </a:solidFill>
+                <a:effectLst/>
+                <a:latin typeface="Consolas" panose="020B0609020204030204" pitchFamily="49" charset="0"/>
+              </a:rPr>
+              <a:t>i</a:t>
+            </a:r>
+            <a:r>
+              <a:rPr lang="en-US" altLang="zh-TW" sz="1200" b="0" dirty="0">
+                <a:solidFill>
+                  <a:srgbClr val="3B3B3B"/>
+                </a:solidFill>
+                <a:effectLst/>
+                <a:latin typeface="Consolas" panose="020B0609020204030204" pitchFamily="49" charset="0"/>
+              </a:rPr>
+              <a:t> </a:t>
+            </a:r>
+            <a:r>
+              <a:rPr lang="en-US" altLang="zh-TW" sz="1200" b="0" dirty="0">
+                <a:solidFill>
+                  <a:srgbClr val="AF00DB"/>
+                </a:solidFill>
+                <a:effectLst/>
+                <a:latin typeface="Consolas" panose="020B0609020204030204" pitchFamily="49" charset="0"/>
+              </a:rPr>
+              <a:t>for</a:t>
+            </a:r>
+            <a:r>
+              <a:rPr lang="en-US" altLang="zh-TW" sz="1200" b="0" dirty="0">
+                <a:solidFill>
+                  <a:srgbClr val="3B3B3B"/>
+                </a:solidFill>
+                <a:effectLst/>
+                <a:latin typeface="Consolas" panose="020B0609020204030204" pitchFamily="49" charset="0"/>
+              </a:rPr>
+              <a:t> </a:t>
+            </a:r>
+            <a:r>
+              <a:rPr lang="en-US" altLang="zh-TW" sz="1200" b="0" dirty="0" err="1">
+                <a:solidFill>
+                  <a:srgbClr val="001080"/>
+                </a:solidFill>
+                <a:effectLst/>
+                <a:latin typeface="Consolas" panose="020B0609020204030204" pitchFamily="49" charset="0"/>
+              </a:rPr>
+              <a:t>i</a:t>
+            </a:r>
+            <a:r>
+              <a:rPr lang="en-US" altLang="zh-TW" sz="1200" b="0" dirty="0">
+                <a:solidFill>
+                  <a:srgbClr val="3B3B3B"/>
+                </a:solidFill>
+                <a:effectLst/>
+                <a:latin typeface="Consolas" panose="020B0609020204030204" pitchFamily="49" charset="0"/>
+              </a:rPr>
+              <a:t> </a:t>
+            </a:r>
+            <a:r>
+              <a:rPr lang="en-US" altLang="zh-TW" sz="1200" b="0" dirty="0">
+                <a:solidFill>
+                  <a:srgbClr val="AF00DB"/>
+                </a:solidFill>
+                <a:effectLst/>
+                <a:latin typeface="Consolas" panose="020B0609020204030204" pitchFamily="49" charset="0"/>
+              </a:rPr>
+              <a:t>in</a:t>
+            </a:r>
+            <a:r>
+              <a:rPr lang="en-US" altLang="zh-TW" sz="1200" b="0" dirty="0">
+                <a:solidFill>
+                  <a:srgbClr val="3B3B3B"/>
+                </a:solidFill>
+                <a:effectLst/>
+                <a:latin typeface="Consolas" panose="020B0609020204030204" pitchFamily="49" charset="0"/>
+              </a:rPr>
+              <a:t> </a:t>
+            </a:r>
+            <a:r>
+              <a:rPr lang="en-US" altLang="zh-TW" sz="1200" b="0" dirty="0" err="1">
+                <a:solidFill>
+                  <a:srgbClr val="267F99"/>
+                </a:solidFill>
+                <a:effectLst/>
+                <a:latin typeface="Consolas" panose="020B0609020204030204" pitchFamily="49" charset="0"/>
+              </a:rPr>
+              <a:t>np</a:t>
+            </a:r>
+            <a:r>
+              <a:rPr lang="en-US" altLang="zh-TW" sz="1200" b="0" dirty="0" err="1">
+                <a:solidFill>
+                  <a:srgbClr val="3B3B3B"/>
+                </a:solidFill>
+                <a:effectLst/>
+                <a:latin typeface="Consolas" panose="020B0609020204030204" pitchFamily="49" charset="0"/>
+              </a:rPr>
+              <a:t>.</a:t>
+            </a:r>
+            <a:r>
+              <a:rPr lang="en-US" altLang="zh-TW" sz="1200" b="0" dirty="0" err="1">
+                <a:solidFill>
+                  <a:srgbClr val="795E26"/>
+                </a:solidFill>
+                <a:effectLst/>
+                <a:latin typeface="Consolas" panose="020B0609020204030204" pitchFamily="49" charset="0"/>
+              </a:rPr>
+              <a:t>arange</a:t>
+            </a:r>
+            <a:r>
+              <a:rPr lang="en-US" altLang="zh-TW" sz="1200" b="0" dirty="0">
+                <a:solidFill>
+                  <a:srgbClr val="3B3B3B"/>
+                </a:solidFill>
+                <a:effectLst/>
+                <a:latin typeface="Consolas" panose="020B0609020204030204" pitchFamily="49" charset="0"/>
+              </a:rPr>
+              <a:t>(</a:t>
+            </a:r>
+            <a:r>
+              <a:rPr lang="en-US" altLang="zh-TW" sz="1200" b="0" dirty="0">
+                <a:solidFill>
+                  <a:srgbClr val="098658"/>
+                </a:solidFill>
+                <a:effectLst/>
+                <a:latin typeface="Consolas" panose="020B0609020204030204" pitchFamily="49" charset="0"/>
+              </a:rPr>
+              <a:t>100</a:t>
+            </a:r>
+            <a:r>
+              <a:rPr lang="en-US" altLang="zh-TW" sz="1200" b="0" dirty="0">
+                <a:solidFill>
+                  <a:srgbClr val="3B3B3B"/>
+                </a:solidFill>
+                <a:effectLst/>
+                <a:latin typeface="Consolas" panose="020B0609020204030204" pitchFamily="49" charset="0"/>
+              </a:rPr>
+              <a:t>,</a:t>
+            </a:r>
+            <a:r>
+              <a:rPr lang="en-US" altLang="zh-TW" sz="1200" b="0" dirty="0">
+                <a:solidFill>
+                  <a:srgbClr val="098658"/>
+                </a:solidFill>
+                <a:effectLst/>
+                <a:latin typeface="Consolas" panose="020B0609020204030204" pitchFamily="49" charset="0"/>
+              </a:rPr>
+              <a:t>1000</a:t>
+            </a:r>
+            <a:r>
+              <a:rPr lang="en-US" altLang="zh-TW" sz="1200" b="0" dirty="0">
+                <a:solidFill>
+                  <a:srgbClr val="3B3B3B"/>
+                </a:solidFill>
+                <a:effectLst/>
+                <a:latin typeface="Consolas" panose="020B0609020204030204" pitchFamily="49" charset="0"/>
+              </a:rPr>
+              <a:t>)]}</a:t>
+            </a:r>
+          </a:p>
+          <a:p>
+            <a:r>
+              <a:rPr lang="en-US" altLang="zh-TW" sz="1200" b="0" dirty="0" err="1">
+                <a:solidFill>
+                  <a:srgbClr val="001080"/>
+                </a:solidFill>
+                <a:effectLst/>
+                <a:latin typeface="Consolas" panose="020B0609020204030204" pitchFamily="49" charset="0"/>
+              </a:rPr>
+              <a:t>gs</a:t>
+            </a:r>
+            <a:r>
+              <a:rPr lang="en-US" altLang="zh-TW" sz="1200" b="0" dirty="0">
+                <a:solidFill>
+                  <a:srgbClr val="3B3B3B"/>
+                </a:solidFill>
+                <a:effectLst/>
+                <a:latin typeface="Consolas" panose="020B0609020204030204" pitchFamily="49" charset="0"/>
+              </a:rPr>
+              <a:t> </a:t>
+            </a:r>
+            <a:r>
+              <a:rPr lang="en-US" altLang="zh-TW" sz="1200" b="0" dirty="0">
+                <a:solidFill>
+                  <a:srgbClr val="000000"/>
+                </a:solidFill>
+                <a:effectLst/>
+                <a:latin typeface="Consolas" panose="020B0609020204030204" pitchFamily="49" charset="0"/>
+              </a:rPr>
+              <a:t>=</a:t>
+            </a:r>
+            <a:r>
+              <a:rPr lang="en-US" altLang="zh-TW" sz="1200" b="0" dirty="0">
+                <a:solidFill>
+                  <a:srgbClr val="3B3B3B"/>
+                </a:solidFill>
+                <a:effectLst/>
+                <a:latin typeface="Consolas" panose="020B0609020204030204" pitchFamily="49" charset="0"/>
+              </a:rPr>
+              <a:t> </a:t>
+            </a:r>
+            <a:r>
+              <a:rPr lang="en-US" altLang="zh-TW" sz="1200" b="0" dirty="0" err="1">
+                <a:solidFill>
+                  <a:srgbClr val="267F99"/>
+                </a:solidFill>
+                <a:effectLst/>
+                <a:latin typeface="Consolas" panose="020B0609020204030204" pitchFamily="49" charset="0"/>
+              </a:rPr>
+              <a:t>GridSearch</a:t>
+            </a:r>
+            <a:r>
+              <a:rPr lang="en-US" altLang="zh-TW" sz="1200" b="0" dirty="0">
+                <a:solidFill>
+                  <a:srgbClr val="3B3B3B"/>
+                </a:solidFill>
+                <a:effectLst/>
+                <a:latin typeface="Consolas" panose="020B0609020204030204" pitchFamily="49" charset="0"/>
+              </a:rPr>
+              <a:t>(</a:t>
+            </a:r>
+            <a:r>
+              <a:rPr lang="en-US" altLang="zh-TW" sz="1200" b="0" dirty="0" err="1">
+                <a:solidFill>
+                  <a:srgbClr val="267F99"/>
+                </a:solidFill>
+                <a:effectLst/>
+                <a:latin typeface="Consolas" panose="020B0609020204030204" pitchFamily="49" charset="0"/>
+              </a:rPr>
+              <a:t>LogisticR</a:t>
+            </a:r>
+            <a:r>
+              <a:rPr lang="en-US" altLang="zh-TW" sz="1200" b="0" dirty="0">
+                <a:solidFill>
+                  <a:srgbClr val="3B3B3B"/>
+                </a:solidFill>
+                <a:effectLst/>
+                <a:latin typeface="Consolas" panose="020B0609020204030204" pitchFamily="49" charset="0"/>
+              </a:rPr>
+              <a:t>, </a:t>
+            </a:r>
+            <a:r>
+              <a:rPr lang="en-US" altLang="zh-TW" sz="1200" b="0" dirty="0">
+                <a:solidFill>
+                  <a:srgbClr val="A31515"/>
+                </a:solidFill>
+                <a:effectLst/>
+                <a:latin typeface="Consolas" panose="020B0609020204030204" pitchFamily="49" charset="0"/>
+              </a:rPr>
+              <a:t>"</a:t>
+            </a:r>
+            <a:r>
+              <a:rPr lang="en-US" altLang="zh-TW" sz="1200" b="0" dirty="0" err="1">
+                <a:solidFill>
+                  <a:srgbClr val="A31515"/>
+                </a:solidFill>
+                <a:effectLst/>
+                <a:latin typeface="Consolas" panose="020B0609020204030204" pitchFamily="49" charset="0"/>
+              </a:rPr>
+              <a:t>LogisticR</a:t>
+            </a:r>
+            <a:r>
+              <a:rPr lang="en-US" altLang="zh-TW" sz="1200" b="0" dirty="0">
+                <a:solidFill>
+                  <a:srgbClr val="A31515"/>
+                </a:solidFill>
+                <a:effectLst/>
+                <a:latin typeface="Consolas" panose="020B0609020204030204" pitchFamily="49" charset="0"/>
+              </a:rPr>
+              <a:t>"</a:t>
+            </a:r>
+            <a:r>
+              <a:rPr lang="en-US" altLang="zh-TW" sz="1200" b="0" dirty="0">
+                <a:solidFill>
+                  <a:srgbClr val="3B3B3B"/>
+                </a:solidFill>
+                <a:effectLst/>
+                <a:latin typeface="Consolas" panose="020B0609020204030204" pitchFamily="49" charset="0"/>
+              </a:rPr>
+              <a:t>, </a:t>
+            </a:r>
+            <a:r>
+              <a:rPr lang="en-US" altLang="zh-TW" sz="1200" b="0" dirty="0">
+                <a:solidFill>
+                  <a:srgbClr val="001080"/>
+                </a:solidFill>
+                <a:effectLst/>
+                <a:latin typeface="Consolas" panose="020B0609020204030204" pitchFamily="49" charset="0"/>
+              </a:rPr>
+              <a:t>parameter</a:t>
+            </a:r>
+            <a:r>
+              <a:rPr lang="en-US" altLang="zh-TW" sz="1200" b="0" dirty="0">
+                <a:solidFill>
+                  <a:srgbClr val="3B3B3B"/>
+                </a:solidFill>
+                <a:effectLst/>
+                <a:latin typeface="Consolas" panose="020B0609020204030204" pitchFamily="49" charset="0"/>
+              </a:rPr>
+              <a:t>)</a:t>
+            </a:r>
+          </a:p>
+          <a:p>
+            <a:r>
+              <a:rPr lang="en-US" altLang="zh-TW" sz="1200" b="0" dirty="0" err="1">
+                <a:solidFill>
+                  <a:srgbClr val="001080"/>
+                </a:solidFill>
+                <a:effectLst/>
+                <a:latin typeface="Consolas" panose="020B0609020204030204" pitchFamily="49" charset="0"/>
+              </a:rPr>
+              <a:t>gs</a:t>
+            </a:r>
+            <a:r>
+              <a:rPr lang="en-US" altLang="zh-TW" sz="1200" b="0" dirty="0" err="1">
+                <a:solidFill>
+                  <a:srgbClr val="3B3B3B"/>
+                </a:solidFill>
+                <a:effectLst/>
+                <a:latin typeface="Consolas" panose="020B0609020204030204" pitchFamily="49" charset="0"/>
+              </a:rPr>
+              <a:t>.</a:t>
+            </a:r>
+            <a:r>
+              <a:rPr lang="en-US" altLang="zh-TW" sz="1200" b="0" dirty="0" err="1">
+                <a:solidFill>
+                  <a:srgbClr val="795E26"/>
+                </a:solidFill>
+                <a:effectLst/>
+                <a:latin typeface="Consolas" panose="020B0609020204030204" pitchFamily="49" charset="0"/>
+              </a:rPr>
+              <a:t>fit</a:t>
+            </a:r>
+            <a:r>
+              <a:rPr lang="en-US" altLang="zh-TW" sz="1200" b="0" dirty="0">
+                <a:solidFill>
+                  <a:srgbClr val="3B3B3B"/>
+                </a:solidFill>
+                <a:effectLst/>
+                <a:latin typeface="Consolas" panose="020B0609020204030204" pitchFamily="49" charset="0"/>
+              </a:rPr>
+              <a:t>(</a:t>
+            </a:r>
+            <a:r>
+              <a:rPr lang="en-US" altLang="zh-TW" sz="1200" b="0" dirty="0" err="1">
+                <a:solidFill>
+                  <a:srgbClr val="001080"/>
+                </a:solidFill>
+                <a:effectLst/>
+                <a:latin typeface="Consolas" panose="020B0609020204030204" pitchFamily="49" charset="0"/>
+              </a:rPr>
+              <a:t>X_train</a:t>
+            </a:r>
+            <a:r>
+              <a:rPr lang="en-US" altLang="zh-TW" sz="1200" b="0" dirty="0" err="1">
+                <a:solidFill>
+                  <a:srgbClr val="3B3B3B"/>
+                </a:solidFill>
+                <a:effectLst/>
+                <a:latin typeface="Consolas" panose="020B0609020204030204" pitchFamily="49" charset="0"/>
+              </a:rPr>
+              <a:t>,</a:t>
+            </a:r>
+            <a:r>
+              <a:rPr lang="en-US" altLang="zh-TW" sz="1200" b="0" dirty="0" err="1">
+                <a:solidFill>
+                  <a:srgbClr val="001080"/>
+                </a:solidFill>
+                <a:effectLst/>
+                <a:latin typeface="Consolas" panose="020B0609020204030204" pitchFamily="49" charset="0"/>
+              </a:rPr>
+              <a:t>y_train</a:t>
+            </a:r>
+            <a:r>
+              <a:rPr lang="en-US" altLang="zh-TW" sz="1200" b="0" dirty="0">
+                <a:solidFill>
+                  <a:srgbClr val="3B3B3B"/>
+                </a:solidFill>
+                <a:effectLst/>
+                <a:latin typeface="Consolas" panose="020B0609020204030204" pitchFamily="49" charset="0"/>
+              </a:rPr>
+              <a:t>, </a:t>
+            </a:r>
+            <a:r>
+              <a:rPr lang="en-US" altLang="zh-TW" sz="1200" b="0" dirty="0" err="1">
+                <a:solidFill>
+                  <a:srgbClr val="001080"/>
+                </a:solidFill>
+                <a:effectLst/>
+                <a:latin typeface="Consolas" panose="020B0609020204030204" pitchFamily="49" charset="0"/>
+              </a:rPr>
+              <a:t>X_test</a:t>
+            </a:r>
+            <a:r>
+              <a:rPr lang="en-US" altLang="zh-TW" sz="1200" b="0" dirty="0">
+                <a:solidFill>
+                  <a:srgbClr val="3B3B3B"/>
+                </a:solidFill>
+                <a:effectLst/>
+                <a:latin typeface="Consolas" panose="020B0609020204030204" pitchFamily="49" charset="0"/>
+              </a:rPr>
+              <a:t>, </a:t>
+            </a:r>
+            <a:r>
+              <a:rPr lang="en-US" altLang="zh-TW" sz="1200" b="0" dirty="0" err="1">
+                <a:solidFill>
+                  <a:srgbClr val="001080"/>
+                </a:solidFill>
+                <a:effectLst/>
+                <a:latin typeface="Consolas" panose="020B0609020204030204" pitchFamily="49" charset="0"/>
+              </a:rPr>
+              <a:t>y_test</a:t>
+            </a:r>
+            <a:r>
+              <a:rPr lang="en-US" altLang="zh-TW" sz="1200" b="0" dirty="0">
+                <a:solidFill>
+                  <a:srgbClr val="3B3B3B"/>
+                </a:solidFill>
+                <a:effectLst/>
+                <a:latin typeface="Consolas" panose="020B0609020204030204" pitchFamily="49" charset="0"/>
+              </a:rPr>
+              <a:t>)</a:t>
+            </a:r>
+          </a:p>
+        </p:txBody>
+      </p:sp>
+      <p:cxnSp>
+        <p:nvCxnSpPr>
+          <p:cNvPr id="9" name="直線單箭頭接點 8">
+            <a:extLst>
+              <a:ext uri="{FF2B5EF4-FFF2-40B4-BE49-F238E27FC236}">
+                <a16:creationId xmlns:a16="http://schemas.microsoft.com/office/drawing/2014/main" id="{44F4F366-651B-D5E1-EBE7-BABEAD70ED59}"/>
+              </a:ext>
+            </a:extLst>
+          </p:cNvPr>
+          <p:cNvCxnSpPr>
+            <a:stCxn id="7" idx="0"/>
+          </p:cNvCxnSpPr>
+          <p:nvPr/>
+        </p:nvCxnSpPr>
+        <p:spPr>
+          <a:xfrm flipH="1" flipV="1">
+            <a:off x="7021286" y="4093029"/>
+            <a:ext cx="21771" cy="1572540"/>
+          </a:xfrm>
+          <a:prstGeom prst="straightConnector1">
+            <a:avLst/>
+          </a:prstGeom>
+          <a:ln>
+            <a:tailEnd type="triangle"/>
+          </a:ln>
+        </p:spPr>
+        <p:style>
+          <a:lnRef idx="1">
+            <a:schemeClr val="dk1"/>
+          </a:lnRef>
+          <a:fillRef idx="0">
+            <a:schemeClr val="dk1"/>
+          </a:fillRef>
+          <a:effectRef idx="0">
+            <a:schemeClr val="dk1"/>
+          </a:effectRef>
+          <a:fontRef idx="minor">
+            <a:schemeClr val="tx1"/>
+          </a:fontRef>
+        </p:style>
+      </p:cxnSp>
+      <p:cxnSp>
+        <p:nvCxnSpPr>
+          <p:cNvPr id="11" name="直線單箭頭接點 10">
+            <a:extLst>
+              <a:ext uri="{FF2B5EF4-FFF2-40B4-BE49-F238E27FC236}">
+                <a16:creationId xmlns:a16="http://schemas.microsoft.com/office/drawing/2014/main" id="{CA39263C-5C55-DB3F-D546-814E917BDEDB}"/>
+              </a:ext>
+            </a:extLst>
+          </p:cNvPr>
+          <p:cNvCxnSpPr>
+            <a:stCxn id="7" idx="0"/>
+          </p:cNvCxnSpPr>
+          <p:nvPr/>
+        </p:nvCxnSpPr>
+        <p:spPr>
+          <a:xfrm flipH="1" flipV="1">
+            <a:off x="5072743" y="4093029"/>
+            <a:ext cx="1970314" cy="1572540"/>
+          </a:xfrm>
+          <a:prstGeom prst="straightConnector1">
+            <a:avLst/>
+          </a:prstGeom>
+          <a:ln>
+            <a:tailEnd type="triangle"/>
+          </a:ln>
+        </p:spPr>
+        <p:style>
+          <a:lnRef idx="1">
+            <a:schemeClr val="dk1"/>
+          </a:lnRef>
+          <a:fillRef idx="0">
+            <a:schemeClr val="dk1"/>
+          </a:fillRef>
+          <a:effectRef idx="0">
+            <a:schemeClr val="dk1"/>
+          </a:effectRef>
+          <a:fontRef idx="minor">
+            <a:schemeClr val="tx1"/>
+          </a:fontRef>
+        </p:style>
+      </p:cxnSp>
+    </p:spTree>
+    <p:extLst>
+      <p:ext uri="{BB962C8B-B14F-4D97-AF65-F5344CB8AC3E}">
+        <p14:creationId xmlns:p14="http://schemas.microsoft.com/office/powerpoint/2010/main" val="1829327100"/>
+      </p:ext>
+    </p:extLst>
+  </p:cSld>
+  <p:clrMapOvr>
+    <a:masterClrMapping/>
+  </p:clrMapOvr>
+</p:sld>
+</file>
+
+<file path=ppt/slides/slide15.xml><?xml version="1.0" encoding="utf-8"?>
+<p:sld xmlns:a="http://schemas.openxmlformats.org/drawingml/2006/main" xmlns:r="http://schemas.openxmlformats.org/officeDocument/2006/relationships" xmlns:p="http://schemas.openxmlformats.org/presentationml/2006/main">
+  <p:cSld>
+    <p:spTree>
+      <p:nvGrpSpPr>
+        <p:cNvPr id="1" name=""/>
+        <p:cNvGrpSpPr/>
+        <p:nvPr/>
+      </p:nvGrpSpPr>
+      <p:grpSpPr>
+        <a:xfrm>
+          <a:off x="0" y="0"/>
+          <a:ext cx="0" cy="0"/>
+          <a:chOff x="0" y="0"/>
+          <a:chExt cx="0" cy="0"/>
+        </a:xfrm>
+      </p:grpSpPr>
+      <p:sp>
+        <p:nvSpPr>
+          <p:cNvPr id="2" name="標題 1">
+            <a:extLst>
+              <a:ext uri="{FF2B5EF4-FFF2-40B4-BE49-F238E27FC236}">
+                <a16:creationId xmlns:a16="http://schemas.microsoft.com/office/drawing/2014/main" id="{40B5261F-E8A1-F819-5427-5AD3A6A08712}"/>
+              </a:ext>
+            </a:extLst>
+          </p:cNvPr>
+          <p:cNvSpPr>
+            <a:spLocks noGrp="1"/>
+          </p:cNvSpPr>
+          <p:nvPr>
+            <p:ph type="title"/>
+          </p:nvPr>
+        </p:nvSpPr>
+        <p:spPr>
+          <a:xfrm>
+            <a:off x="838200" y="310697"/>
+            <a:ext cx="10515600" cy="1325563"/>
+          </a:xfrm>
+        </p:spPr>
+        <p:txBody>
+          <a:bodyPr>
+            <a:normAutofit/>
+          </a:bodyPr>
+          <a:lstStyle/>
+          <a:p>
+            <a:pPr algn="ctr"/>
+            <a:r>
+              <a:rPr lang="zh-TW" altLang="en-US" sz="3200" dirty="0">
+                <a:latin typeface="微軟正黑體" panose="020B0604030504040204" pitchFamily="34" charset="-120"/>
+                <a:ea typeface="微軟正黑體" panose="020B0604030504040204" pitchFamily="34" charset="-120"/>
+              </a:rPr>
+              <a:t>分析結果</a:t>
+            </a:r>
+          </a:p>
+        </p:txBody>
+      </p:sp>
+      <p:pic>
+        <p:nvPicPr>
+          <p:cNvPr id="9" name="內容版面配置區 8">
+            <a:extLst>
+              <a:ext uri="{FF2B5EF4-FFF2-40B4-BE49-F238E27FC236}">
+                <a16:creationId xmlns:a16="http://schemas.microsoft.com/office/drawing/2014/main" id="{C9558045-42E0-0FC3-BD4E-E8C061DD75CC}"/>
+              </a:ext>
+            </a:extLst>
+          </p:cNvPr>
+          <p:cNvPicPr>
+            <a:picLocks noGrp="1" noChangeAspect="1"/>
+          </p:cNvPicPr>
+          <p:nvPr>
+            <p:ph idx="1"/>
+          </p:nvPr>
+        </p:nvPicPr>
+        <p:blipFill rotWithShape="1">
+          <a:blip r:embed="rId2">
+            <a:extLst>
+              <a:ext uri="{28A0092B-C50C-407E-A947-70E740481C1C}">
+                <a14:useLocalDpi xmlns:a14="http://schemas.microsoft.com/office/drawing/2010/main" val="0"/>
+              </a:ext>
+            </a:extLst>
+          </a:blip>
+          <a:srcRect t="11062"/>
+          <a:stretch/>
+        </p:blipFill>
+        <p:spPr>
+          <a:xfrm>
+            <a:off x="1852915" y="1197428"/>
+            <a:ext cx="8486170" cy="5660571"/>
+          </a:xfrm>
+        </p:spPr>
+      </p:pic>
+    </p:spTree>
+    <p:extLst>
+      <p:ext uri="{BB962C8B-B14F-4D97-AF65-F5344CB8AC3E}">
+        <p14:creationId xmlns:p14="http://schemas.microsoft.com/office/powerpoint/2010/main" val="881922001"/>
+      </p:ext>
+    </p:extLst>
+  </p:cSld>
+  <p:clrMapOvr>
+    <a:masterClrMapping/>
+  </p:clrMapOvr>
+</p:sld>
+</file>
+
+<file path=ppt/slides/slide16.xml><?xml version="1.0" encoding="utf-8"?>
+<p:sld xmlns:a="http://schemas.openxmlformats.org/drawingml/2006/main" xmlns:r="http://schemas.openxmlformats.org/officeDocument/2006/relationships" xmlns:p="http://schemas.openxmlformats.org/presentationml/2006/main">
+  <p:cSld>
+    <p:spTree>
+      <p:nvGrpSpPr>
+        <p:cNvPr id="1" name=""/>
+        <p:cNvGrpSpPr/>
+        <p:nvPr/>
+      </p:nvGrpSpPr>
+      <p:grpSpPr>
+        <a:xfrm>
+          <a:off x="0" y="0"/>
+          <a:ext cx="0" cy="0"/>
+          <a:chOff x="0" y="0"/>
+          <a:chExt cx="0" cy="0"/>
+        </a:xfrm>
+      </p:grpSpPr>
+      <p:pic>
+        <p:nvPicPr>
+          <p:cNvPr id="8" name="圖片 7">
+            <a:extLst>
+              <a:ext uri="{FF2B5EF4-FFF2-40B4-BE49-F238E27FC236}">
+                <a16:creationId xmlns:a16="http://schemas.microsoft.com/office/drawing/2014/main" id="{3DE8B5EF-41E4-32E8-D139-94ECAA6676B7}"/>
+              </a:ext>
+            </a:extLst>
+          </p:cNvPr>
+          <p:cNvPicPr>
+            <a:picLocks noChangeAspect="1"/>
+          </p:cNvPicPr>
+          <p:nvPr/>
+        </p:nvPicPr>
+        <p:blipFill>
+          <a:blip r:embed="rId2">
+            <a:extLst>
+              <a:ext uri="{28A0092B-C50C-407E-A947-70E740481C1C}">
+                <a14:useLocalDpi xmlns:a14="http://schemas.microsoft.com/office/drawing/2010/main" val="0"/>
+              </a:ext>
+            </a:extLst>
+          </a:blip>
+          <a:stretch>
+            <a:fillRect/>
+          </a:stretch>
+        </p:blipFill>
+        <p:spPr>
+          <a:xfrm>
+            <a:off x="6096000" y="4161514"/>
+            <a:ext cx="5486397" cy="1828799"/>
+          </a:xfrm>
+          <a:prstGeom prst="rect">
+            <a:avLst/>
+          </a:prstGeom>
+        </p:spPr>
+      </p:pic>
+      <p:pic>
+        <p:nvPicPr>
+          <p:cNvPr id="9" name="圖片 8">
+            <a:extLst>
+              <a:ext uri="{FF2B5EF4-FFF2-40B4-BE49-F238E27FC236}">
+                <a16:creationId xmlns:a16="http://schemas.microsoft.com/office/drawing/2014/main" id="{C28FC089-BBCD-507D-C406-D0A8954AFEC1}"/>
+              </a:ext>
+            </a:extLst>
+          </p:cNvPr>
+          <p:cNvPicPr>
+            <a:picLocks noChangeAspect="1"/>
+          </p:cNvPicPr>
+          <p:nvPr/>
+        </p:nvPicPr>
+        <p:blipFill>
+          <a:blip r:embed="rId3">
+            <a:extLst>
+              <a:ext uri="{28A0092B-C50C-407E-A947-70E740481C1C}">
+                <a14:useLocalDpi xmlns:a14="http://schemas.microsoft.com/office/drawing/2010/main" val="0"/>
+              </a:ext>
+            </a:extLst>
+          </a:blip>
+          <a:stretch>
+            <a:fillRect/>
+          </a:stretch>
+        </p:blipFill>
+        <p:spPr>
+          <a:xfrm>
+            <a:off x="6096003" y="2052864"/>
+            <a:ext cx="5486394" cy="1828798"/>
+          </a:xfrm>
+          <a:prstGeom prst="rect">
+            <a:avLst/>
+          </a:prstGeom>
+        </p:spPr>
+      </p:pic>
+      <p:pic>
+        <p:nvPicPr>
+          <p:cNvPr id="13" name="內容版面配置區 12">
+            <a:extLst>
+              <a:ext uri="{FF2B5EF4-FFF2-40B4-BE49-F238E27FC236}">
+                <a16:creationId xmlns:a16="http://schemas.microsoft.com/office/drawing/2014/main" id="{8317BE53-714F-CD79-3B5E-7E88CEFEB1F8}"/>
+              </a:ext>
+            </a:extLst>
+          </p:cNvPr>
+          <p:cNvPicPr>
+            <a:picLocks noGrp="1" noChangeAspect="1"/>
+          </p:cNvPicPr>
+          <p:nvPr>
+            <p:ph idx="1"/>
+          </p:nvPr>
+        </p:nvPicPr>
+        <p:blipFill>
+          <a:blip r:embed="rId4">
+            <a:extLst>
+              <a:ext uri="{28A0092B-C50C-407E-A947-70E740481C1C}">
+                <a14:useLocalDpi xmlns:a14="http://schemas.microsoft.com/office/drawing/2010/main" val="0"/>
+              </a:ext>
+            </a:extLst>
+          </a:blip>
+          <a:stretch>
+            <a:fillRect/>
+          </a:stretch>
+        </p:blipFill>
+        <p:spPr>
+          <a:xfrm>
+            <a:off x="267655" y="2052864"/>
+            <a:ext cx="5486394" cy="4217300"/>
+          </a:xfrm>
+        </p:spPr>
+      </p:pic>
+      <p:sp>
+        <p:nvSpPr>
+          <p:cNvPr id="14" name="文字方塊 13">
+            <a:extLst>
+              <a:ext uri="{FF2B5EF4-FFF2-40B4-BE49-F238E27FC236}">
+                <a16:creationId xmlns:a16="http://schemas.microsoft.com/office/drawing/2014/main" id="{BFEDDFC9-9160-9429-8897-BACD65CED711}"/>
+              </a:ext>
+            </a:extLst>
+          </p:cNvPr>
+          <p:cNvSpPr txBox="1"/>
+          <p:nvPr/>
+        </p:nvSpPr>
+        <p:spPr>
+          <a:xfrm>
+            <a:off x="1007459" y="1132114"/>
+            <a:ext cx="10177081" cy="461665"/>
+          </a:xfrm>
+          <a:prstGeom prst="rect">
+            <a:avLst/>
+          </a:prstGeom>
+          <a:noFill/>
+        </p:spPr>
+        <p:txBody>
+          <a:bodyPr wrap="none" rtlCol="0">
+            <a:spAutoFit/>
+          </a:bodyPr>
+          <a:lstStyle/>
+          <a:p>
+            <a:r>
+              <a:rPr lang="zh-TW" altLang="en-US" sz="2400" dirty="0">
+                <a:latin typeface="微軟正黑體" panose="020B0604030504040204" pitchFamily="34" charset="-120"/>
+                <a:ea typeface="微軟正黑體" panose="020B0604030504040204" pitchFamily="34" charset="-120"/>
+              </a:rPr>
+              <a:t>有正相關的兩組特徵：收支比</a:t>
+            </a:r>
+            <a:r>
+              <a:rPr lang="en-US" altLang="zh-TW" sz="2400" dirty="0">
+                <a:latin typeface="微軟正黑體" panose="020B0604030504040204" pitchFamily="34" charset="-120"/>
+                <a:ea typeface="微軟正黑體" panose="020B0604030504040204" pitchFamily="34" charset="-120"/>
+              </a:rPr>
+              <a:t>[share]</a:t>
+            </a:r>
+            <a:r>
+              <a:rPr lang="zh-TW" altLang="en-US" sz="2400" dirty="0">
+                <a:latin typeface="微軟正黑體" panose="020B0604030504040204" pitchFamily="34" charset="-120"/>
+                <a:ea typeface="微軟正黑體" panose="020B0604030504040204" pitchFamily="34" charset="-120"/>
+              </a:rPr>
+              <a:t>、每月信用卡支出平均</a:t>
+            </a:r>
+            <a:r>
+              <a:rPr lang="en-US" altLang="zh-TW" sz="2400" dirty="0">
+                <a:latin typeface="微軟正黑體" panose="020B0604030504040204" pitchFamily="34" charset="-120"/>
+                <a:ea typeface="微軟正黑體" panose="020B0604030504040204" pitchFamily="34" charset="-120"/>
+              </a:rPr>
+              <a:t>[expenditure]</a:t>
+            </a:r>
+            <a:endParaRPr lang="zh-TW" altLang="en-US" sz="2400" dirty="0">
+              <a:latin typeface="微軟正黑體" panose="020B0604030504040204" pitchFamily="34" charset="-120"/>
+              <a:ea typeface="微軟正黑體" panose="020B0604030504040204" pitchFamily="34" charset="-120"/>
+            </a:endParaRPr>
+          </a:p>
+        </p:txBody>
+      </p:sp>
+    </p:spTree>
+    <p:extLst>
+      <p:ext uri="{BB962C8B-B14F-4D97-AF65-F5344CB8AC3E}">
+        <p14:creationId xmlns:p14="http://schemas.microsoft.com/office/powerpoint/2010/main" val="2937129101"/>
+      </p:ext>
+    </p:extLst>
+  </p:cSld>
+  <p:clrMapOvr>
+    <a:masterClrMapping/>
+  </p:clrMapOvr>
+</p:sld>
+</file>
+
+<file path=ppt/slides/slide17.xml><?xml version="1.0" encoding="utf-8"?>
+<p:sld xmlns:a="http://schemas.openxmlformats.org/drawingml/2006/main" xmlns:r="http://schemas.openxmlformats.org/officeDocument/2006/relationships" xmlns:p="http://schemas.openxmlformats.org/presentationml/2006/main">
+  <p:cSld>
+    <p:spTree>
+      <p:nvGrpSpPr>
+        <p:cNvPr id="1" name=""/>
+        <p:cNvGrpSpPr/>
+        <p:nvPr/>
+      </p:nvGrpSpPr>
+      <p:grpSpPr>
+        <a:xfrm>
+          <a:off x="0" y="0"/>
+          <a:ext cx="0" cy="0"/>
+          <a:chOff x="0" y="0"/>
+          <a:chExt cx="0" cy="0"/>
+        </a:xfrm>
+      </p:grpSpPr>
+      <p:sp>
+        <p:nvSpPr>
+          <p:cNvPr id="2" name="標題 1">
+            <a:extLst>
+              <a:ext uri="{FF2B5EF4-FFF2-40B4-BE49-F238E27FC236}">
+                <a16:creationId xmlns:a16="http://schemas.microsoft.com/office/drawing/2014/main" id="{3C43C426-E960-67A7-DB2D-3DCB9C89FCD9}"/>
+              </a:ext>
+            </a:extLst>
+          </p:cNvPr>
+          <p:cNvSpPr>
+            <a:spLocks noGrp="1"/>
+          </p:cNvSpPr>
+          <p:nvPr>
+            <p:ph type="title"/>
+          </p:nvPr>
+        </p:nvSpPr>
+        <p:spPr>
+          <a:xfrm>
+            <a:off x="838199" y="299810"/>
+            <a:ext cx="10515600" cy="1325563"/>
+          </a:xfrm>
+        </p:spPr>
+        <p:txBody>
+          <a:bodyPr>
+            <a:normAutofit/>
+          </a:bodyPr>
+          <a:lstStyle/>
+          <a:p>
+            <a:pPr algn="ctr"/>
+            <a:r>
+              <a:rPr lang="zh-TW" altLang="en-US" sz="3200" dirty="0">
+                <a:latin typeface="微軟正黑體" panose="020B0604030504040204" pitchFamily="34" charset="-120"/>
+                <a:ea typeface="微軟正黑體" panose="020B0604030504040204" pitchFamily="34" charset="-120"/>
+              </a:rPr>
+              <a:t>刪除怪怪的特徵：每月信用卡支出平均</a:t>
+            </a:r>
+            <a:r>
+              <a:rPr lang="en-US" altLang="zh-TW" sz="3200" dirty="0">
+                <a:latin typeface="微軟正黑體" panose="020B0604030504040204" pitchFamily="34" charset="-120"/>
+                <a:ea typeface="微軟正黑體" panose="020B0604030504040204" pitchFamily="34" charset="-120"/>
+              </a:rPr>
+              <a:t>[expenditure]</a:t>
+            </a:r>
+            <a:endParaRPr lang="zh-TW" altLang="en-US" sz="3200" dirty="0">
+              <a:latin typeface="微軟正黑體" panose="020B0604030504040204" pitchFamily="34" charset="-120"/>
+              <a:ea typeface="微軟正黑體" panose="020B0604030504040204" pitchFamily="34" charset="-120"/>
+            </a:endParaRPr>
+          </a:p>
+        </p:txBody>
+      </p:sp>
+      <p:pic>
+        <p:nvPicPr>
+          <p:cNvPr id="5" name="內容版面配置區 4">
+            <a:extLst>
+              <a:ext uri="{FF2B5EF4-FFF2-40B4-BE49-F238E27FC236}">
+                <a16:creationId xmlns:a16="http://schemas.microsoft.com/office/drawing/2014/main" id="{C9159DCF-2ACB-1DB6-BF9C-B886A53261F2}"/>
+              </a:ext>
+            </a:extLst>
+          </p:cNvPr>
+          <p:cNvPicPr>
+            <a:picLocks noGrp="1" noChangeAspect="1"/>
+          </p:cNvPicPr>
+          <p:nvPr>
+            <p:ph idx="1"/>
+          </p:nvPr>
+        </p:nvPicPr>
+        <p:blipFill rotWithShape="1">
+          <a:blip r:embed="rId2">
+            <a:extLst>
+              <a:ext uri="{28A0092B-C50C-407E-A947-70E740481C1C}">
+                <a14:useLocalDpi xmlns:a14="http://schemas.microsoft.com/office/drawing/2010/main" val="0"/>
+              </a:ext>
+            </a:extLst>
+          </a:blip>
+          <a:srcRect t="10444"/>
+          <a:stretch/>
+        </p:blipFill>
+        <p:spPr>
+          <a:xfrm>
+            <a:off x="2002971" y="1359703"/>
+            <a:ext cx="8186057" cy="5498297"/>
+          </a:xfrm>
+        </p:spPr>
+      </p:pic>
+    </p:spTree>
+    <p:extLst>
+      <p:ext uri="{BB962C8B-B14F-4D97-AF65-F5344CB8AC3E}">
+        <p14:creationId xmlns:p14="http://schemas.microsoft.com/office/powerpoint/2010/main" val="3333102482"/>
+      </p:ext>
+    </p:extLst>
+  </p:cSld>
+  <p:clrMapOvr>
+    <a:masterClrMapping/>
+  </p:clrMapOvr>
+</p:sld>
+</file>
+
+<file path=ppt/slides/slide18.xml><?xml version="1.0" encoding="utf-8"?>
+<p:sld xmlns:a="http://schemas.openxmlformats.org/drawingml/2006/main" xmlns:r="http://schemas.openxmlformats.org/officeDocument/2006/relationships" xmlns:p="http://schemas.openxmlformats.org/presentationml/2006/main">
+  <p:cSld>
+    <p:spTree>
+      <p:nvGrpSpPr>
+        <p:cNvPr id="1" name=""/>
+        <p:cNvGrpSpPr/>
+        <p:nvPr/>
+      </p:nvGrpSpPr>
+      <p:grpSpPr>
+        <a:xfrm>
+          <a:off x="0" y="0"/>
+          <a:ext cx="0" cy="0"/>
+          <a:chOff x="0" y="0"/>
+          <a:chExt cx="0" cy="0"/>
+        </a:xfrm>
+      </p:grpSpPr>
+      <p:sp>
+        <p:nvSpPr>
+          <p:cNvPr id="2" name="標題 1">
+            <a:extLst>
+              <a:ext uri="{FF2B5EF4-FFF2-40B4-BE49-F238E27FC236}">
+                <a16:creationId xmlns:a16="http://schemas.microsoft.com/office/drawing/2014/main" id="{2C460B97-B583-1DF5-C916-42DD42146B9E}"/>
+              </a:ext>
+            </a:extLst>
+          </p:cNvPr>
+          <p:cNvSpPr>
+            <a:spLocks noGrp="1"/>
+          </p:cNvSpPr>
+          <p:nvPr>
+            <p:ph type="title"/>
+          </p:nvPr>
+        </p:nvSpPr>
+        <p:spPr/>
+        <p:txBody>
+          <a:bodyPr>
+            <a:normAutofit/>
+          </a:bodyPr>
+          <a:lstStyle/>
+          <a:p>
+            <a:r>
+              <a:rPr lang="zh-TW" altLang="en-US" sz="3200" dirty="0">
+                <a:solidFill>
+                  <a:schemeClr val="bg2">
+                    <a:lumMod val="25000"/>
+                  </a:schemeClr>
+                </a:solidFill>
+                <a:latin typeface="微軟正黑體" panose="020B0604030504040204" pitchFamily="34" charset="-120"/>
+                <a:ea typeface="微軟正黑體" panose="020B0604030504040204" pitchFamily="34" charset="-120"/>
+              </a:rPr>
+              <a:t>分析優化</a:t>
+            </a:r>
+            <a:r>
+              <a:rPr lang="zh-TW" altLang="en-US" sz="3200" b="0" i="0" dirty="0">
+                <a:solidFill>
+                  <a:schemeClr val="bg2">
+                    <a:lumMod val="25000"/>
+                  </a:schemeClr>
+                </a:solidFill>
+                <a:effectLst/>
+                <a:latin typeface="微軟正黑體" panose="020B0604030504040204" pitchFamily="34" charset="-120"/>
+                <a:ea typeface="微軟正黑體" panose="020B0604030504040204" pitchFamily="34" charset="-120"/>
+              </a:rPr>
+              <a:t>：</a:t>
+            </a:r>
+            <a:r>
+              <a:rPr lang="zh-TW" altLang="en-US" sz="3200" dirty="0">
+                <a:solidFill>
+                  <a:schemeClr val="bg2">
+                    <a:lumMod val="25000"/>
+                  </a:schemeClr>
+                </a:solidFill>
+                <a:latin typeface="微軟正黑體" panose="020B0604030504040204" pitchFamily="34" charset="-120"/>
+                <a:ea typeface="微軟正黑體" panose="020B0604030504040204" pitchFamily="34" charset="-120"/>
+              </a:rPr>
+              <a:t>數值型資料</a:t>
+            </a:r>
+            <a:r>
+              <a:rPr lang="zh-TW" altLang="en-US" sz="3200" b="0" i="0" dirty="0">
+                <a:solidFill>
+                  <a:schemeClr val="bg2">
+                    <a:lumMod val="25000"/>
+                  </a:schemeClr>
+                </a:solidFill>
+                <a:effectLst/>
+                <a:latin typeface="微軟正黑體" panose="020B0604030504040204" pitchFamily="34" charset="-120"/>
+                <a:ea typeface="微軟正黑體" panose="020B0604030504040204" pitchFamily="34" charset="-120"/>
+              </a:rPr>
+              <a:t>分箱</a:t>
+            </a:r>
+            <a:endParaRPr lang="zh-TW" altLang="en-US" sz="3200" dirty="0">
+              <a:solidFill>
+                <a:schemeClr val="bg2">
+                  <a:lumMod val="25000"/>
+                </a:schemeClr>
+              </a:solidFill>
+              <a:latin typeface="微軟正黑體" panose="020B0604030504040204" pitchFamily="34" charset="-120"/>
+              <a:ea typeface="微軟正黑體" panose="020B0604030504040204" pitchFamily="34" charset="-120"/>
+            </a:endParaRPr>
+          </a:p>
+        </p:txBody>
+      </p:sp>
+      <p:sp>
+        <p:nvSpPr>
+          <p:cNvPr id="3" name="內容版面配置區 2">
+            <a:extLst>
+              <a:ext uri="{FF2B5EF4-FFF2-40B4-BE49-F238E27FC236}">
+                <a16:creationId xmlns:a16="http://schemas.microsoft.com/office/drawing/2014/main" id="{EA33B8E2-8614-C79F-5CF0-1859117A0EDE}"/>
+              </a:ext>
+            </a:extLst>
+          </p:cNvPr>
+          <p:cNvSpPr>
+            <a:spLocks noGrp="1"/>
+          </p:cNvSpPr>
+          <p:nvPr>
+            <p:ph idx="1"/>
+          </p:nvPr>
+        </p:nvSpPr>
+        <p:spPr>
+          <a:xfrm>
+            <a:off x="838200" y="1690688"/>
+            <a:ext cx="10515600" cy="4927826"/>
+          </a:xfrm>
+        </p:spPr>
+        <p:txBody>
+          <a:bodyPr>
+            <a:normAutofit/>
+          </a:bodyPr>
+          <a:lstStyle/>
+          <a:p>
+            <a:pPr marL="0" indent="0">
+              <a:buNone/>
+            </a:pPr>
+            <a:r>
+              <a:rPr lang="zh-TW" altLang="en-US" sz="2000" dirty="0">
+                <a:solidFill>
+                  <a:schemeClr val="bg2">
+                    <a:lumMod val="25000"/>
+                  </a:schemeClr>
+                </a:solidFill>
+                <a:latin typeface="微軟正黑體" panose="020B0604030504040204" pitchFamily="34" charset="-120"/>
+                <a:ea typeface="微軟正黑體" panose="020B0604030504040204" pitchFamily="34" charset="-120"/>
+              </a:rPr>
+              <a:t>聯徵紀錄</a:t>
+            </a:r>
+            <a:r>
+              <a:rPr lang="en-US" altLang="zh-TW" sz="2000" dirty="0">
+                <a:solidFill>
+                  <a:schemeClr val="bg2">
+                    <a:lumMod val="25000"/>
+                  </a:schemeClr>
+                </a:solidFill>
+                <a:latin typeface="微軟正黑體" panose="020B0604030504040204" pitchFamily="34" charset="-120"/>
+                <a:ea typeface="微軟正黑體" panose="020B0604030504040204" pitchFamily="34" charset="-120"/>
+              </a:rPr>
+              <a:t>[report]</a:t>
+            </a:r>
+            <a:r>
+              <a:rPr lang="zh-TW" altLang="en-US" sz="2000" dirty="0">
+                <a:solidFill>
+                  <a:schemeClr val="bg2">
+                    <a:lumMod val="25000"/>
+                  </a:schemeClr>
+                </a:solidFill>
+                <a:latin typeface="微軟正黑體" panose="020B0604030504040204" pitchFamily="34" charset="-120"/>
+                <a:ea typeface="微軟正黑體" panose="020B0604030504040204" pitchFamily="34" charset="-120"/>
+              </a:rPr>
+              <a:t>：</a:t>
+            </a:r>
+            <a:endParaRPr lang="en-US" altLang="zh-TW" sz="2000" dirty="0">
+              <a:solidFill>
+                <a:schemeClr val="bg2">
+                  <a:lumMod val="25000"/>
+                </a:schemeClr>
+              </a:solidFill>
+              <a:latin typeface="微軟正黑體" panose="020B0604030504040204" pitchFamily="34" charset="-120"/>
+              <a:ea typeface="微軟正黑體" panose="020B0604030504040204" pitchFamily="34" charset="-120"/>
+            </a:endParaRPr>
+          </a:p>
+          <a:p>
+            <a:pPr marL="457200" lvl="1" indent="0">
+              <a:buNone/>
+            </a:pPr>
+            <a:r>
+              <a:rPr lang="en-US" altLang="zh-TW" sz="1600" dirty="0" err="1">
+                <a:solidFill>
+                  <a:schemeClr val="bg2">
+                    <a:lumMod val="25000"/>
+                  </a:schemeClr>
+                </a:solidFill>
+                <a:latin typeface="微軟正黑體" panose="020B0604030504040204" pitchFamily="34" charset="-120"/>
+                <a:ea typeface="微軟正黑體" panose="020B0604030504040204" pitchFamily="34" charset="-120"/>
+              </a:rPr>
+              <a:t>reports_equal</a:t>
+            </a:r>
+            <a:r>
+              <a:rPr lang="en-US" altLang="zh-TW" sz="1600" dirty="0">
+                <a:solidFill>
+                  <a:schemeClr val="bg2">
+                    <a:lumMod val="25000"/>
+                  </a:schemeClr>
+                </a:solidFill>
+                <a:latin typeface="微軟正黑體" panose="020B0604030504040204" pitchFamily="34" charset="-120"/>
+                <a:ea typeface="微軟正黑體" panose="020B0604030504040204" pitchFamily="34" charset="-120"/>
+              </a:rPr>
+              <a:t> and greater then 4</a:t>
+            </a:r>
+            <a:r>
+              <a:rPr lang="zh-TW" altLang="en-US" sz="1600" dirty="0">
+                <a:solidFill>
+                  <a:schemeClr val="bg2">
+                    <a:lumMod val="25000"/>
+                  </a:schemeClr>
+                </a:solidFill>
+                <a:latin typeface="微軟正黑體" panose="020B0604030504040204" pitchFamily="34" charset="-120"/>
+                <a:ea typeface="微軟正黑體" panose="020B0604030504040204" pitchFamily="34" charset="-120"/>
+              </a:rPr>
+              <a:t>、</a:t>
+            </a:r>
+            <a:r>
+              <a:rPr lang="en-US" altLang="zh-TW" sz="1600" dirty="0" err="1">
+                <a:solidFill>
+                  <a:schemeClr val="bg2">
+                    <a:lumMod val="25000"/>
+                  </a:schemeClr>
+                </a:solidFill>
+                <a:latin typeface="微軟正黑體" panose="020B0604030504040204" pitchFamily="34" charset="-120"/>
+                <a:ea typeface="微軟正黑體" panose="020B0604030504040204" pitchFamily="34" charset="-120"/>
+              </a:rPr>
+              <a:t>reports_less</a:t>
+            </a:r>
+            <a:r>
+              <a:rPr lang="en-US" altLang="zh-TW" sz="1600" dirty="0">
+                <a:solidFill>
+                  <a:schemeClr val="bg2">
+                    <a:lumMod val="25000"/>
+                  </a:schemeClr>
+                </a:solidFill>
+                <a:latin typeface="微軟正黑體" panose="020B0604030504040204" pitchFamily="34" charset="-120"/>
+                <a:ea typeface="微軟正黑體" panose="020B0604030504040204" pitchFamily="34" charset="-120"/>
+              </a:rPr>
+              <a:t> than 4</a:t>
+            </a:r>
+          </a:p>
+          <a:p>
+            <a:pPr marL="457200" lvl="1" indent="0">
+              <a:buNone/>
+            </a:pPr>
+            <a:endParaRPr lang="en-US" altLang="zh-TW" sz="1600" dirty="0">
+              <a:solidFill>
+                <a:schemeClr val="bg2">
+                  <a:lumMod val="25000"/>
+                </a:schemeClr>
+              </a:solidFill>
+              <a:latin typeface="微軟正黑體" panose="020B0604030504040204" pitchFamily="34" charset="-120"/>
+              <a:ea typeface="微軟正黑體" panose="020B0604030504040204" pitchFamily="34" charset="-120"/>
+            </a:endParaRPr>
+          </a:p>
+          <a:p>
+            <a:pPr marL="0" indent="0">
+              <a:buNone/>
+            </a:pPr>
+            <a:r>
+              <a:rPr lang="zh-TW" altLang="en-US" sz="2000" dirty="0">
+                <a:solidFill>
+                  <a:schemeClr val="bg2">
+                    <a:lumMod val="25000"/>
+                  </a:schemeClr>
+                </a:solidFill>
+                <a:latin typeface="微軟正黑體" panose="020B0604030504040204" pitchFamily="34" charset="-120"/>
+                <a:ea typeface="微軟正黑體" panose="020B0604030504040204" pitchFamily="34" charset="-120"/>
+              </a:rPr>
+              <a:t>年齡</a:t>
+            </a:r>
+            <a:r>
+              <a:rPr lang="en-US" altLang="zh-TW" sz="2000" dirty="0">
+                <a:solidFill>
+                  <a:schemeClr val="bg2">
+                    <a:lumMod val="25000"/>
+                  </a:schemeClr>
+                </a:solidFill>
+                <a:latin typeface="微軟正黑體" panose="020B0604030504040204" pitchFamily="34" charset="-120"/>
+                <a:ea typeface="微軟正黑體" panose="020B0604030504040204" pitchFamily="34" charset="-120"/>
+              </a:rPr>
+              <a:t>[age]</a:t>
+            </a:r>
+            <a:r>
+              <a:rPr lang="zh-TW" altLang="en-US" sz="2000" dirty="0">
+                <a:solidFill>
+                  <a:schemeClr val="bg2">
+                    <a:lumMod val="25000"/>
+                  </a:schemeClr>
+                </a:solidFill>
+                <a:latin typeface="微軟正黑體" panose="020B0604030504040204" pitchFamily="34" charset="-120"/>
+                <a:ea typeface="微軟正黑體" panose="020B0604030504040204" pitchFamily="34" charset="-120"/>
+              </a:rPr>
+              <a:t>：</a:t>
+            </a:r>
+            <a:endParaRPr lang="en-US" altLang="zh-TW" sz="2000" dirty="0">
+              <a:solidFill>
+                <a:schemeClr val="bg2">
+                  <a:lumMod val="25000"/>
+                </a:schemeClr>
+              </a:solidFill>
+              <a:latin typeface="微軟正黑體" panose="020B0604030504040204" pitchFamily="34" charset="-120"/>
+              <a:ea typeface="微軟正黑體" panose="020B0604030504040204" pitchFamily="34" charset="-120"/>
+            </a:endParaRPr>
+          </a:p>
+          <a:p>
+            <a:pPr marL="457200" lvl="1" indent="0">
+              <a:buNone/>
+            </a:pPr>
+            <a:r>
+              <a:rPr lang="en-US" altLang="zh-TW" sz="1600" dirty="0">
+                <a:solidFill>
+                  <a:schemeClr val="bg2">
+                    <a:lumMod val="25000"/>
+                  </a:schemeClr>
+                </a:solidFill>
+                <a:latin typeface="微軟正黑體" panose="020B0604030504040204" pitchFamily="34" charset="-120"/>
+                <a:ea typeface="微軟正黑體" panose="020B0604030504040204" pitchFamily="34" charset="-120"/>
+              </a:rPr>
+              <a:t>age_18~30</a:t>
+            </a:r>
+            <a:r>
+              <a:rPr lang="zh-TW" altLang="en-US" sz="1600" dirty="0">
+                <a:solidFill>
+                  <a:schemeClr val="bg2">
+                    <a:lumMod val="25000"/>
+                  </a:schemeClr>
+                </a:solidFill>
+                <a:latin typeface="微軟正黑體" panose="020B0604030504040204" pitchFamily="34" charset="-120"/>
+                <a:ea typeface="微軟正黑體" panose="020B0604030504040204" pitchFamily="34" charset="-120"/>
+              </a:rPr>
+              <a:t>、</a:t>
+            </a:r>
+            <a:r>
+              <a:rPr lang="en-US" altLang="zh-TW" sz="1600" dirty="0">
+                <a:solidFill>
+                  <a:schemeClr val="bg2">
+                    <a:lumMod val="25000"/>
+                  </a:schemeClr>
+                </a:solidFill>
+                <a:latin typeface="微軟正黑體" panose="020B0604030504040204" pitchFamily="34" charset="-120"/>
+                <a:ea typeface="微軟正黑體" panose="020B0604030504040204" pitchFamily="34" charset="-120"/>
+              </a:rPr>
+              <a:t>age_30~50</a:t>
+            </a:r>
+            <a:r>
+              <a:rPr lang="zh-TW" altLang="en-US" sz="1600" dirty="0">
+                <a:solidFill>
+                  <a:schemeClr val="bg2">
+                    <a:lumMod val="25000"/>
+                  </a:schemeClr>
+                </a:solidFill>
+                <a:latin typeface="微軟正黑體" panose="020B0604030504040204" pitchFamily="34" charset="-120"/>
+                <a:ea typeface="微軟正黑體" panose="020B0604030504040204" pitchFamily="34" charset="-120"/>
+              </a:rPr>
+              <a:t>、</a:t>
+            </a:r>
+            <a:r>
+              <a:rPr lang="en-US" altLang="zh-TW" sz="1600" dirty="0">
+                <a:solidFill>
+                  <a:schemeClr val="bg2">
+                    <a:lumMod val="25000"/>
+                  </a:schemeClr>
+                </a:solidFill>
+                <a:latin typeface="微軟正黑體" panose="020B0604030504040204" pitchFamily="34" charset="-120"/>
+                <a:ea typeface="微軟正黑體" panose="020B0604030504040204" pitchFamily="34" charset="-120"/>
+              </a:rPr>
+              <a:t>age_50~</a:t>
+            </a:r>
+          </a:p>
+          <a:p>
+            <a:pPr marL="457200" lvl="1" indent="0">
+              <a:buNone/>
+            </a:pPr>
+            <a:endParaRPr lang="en-US" altLang="zh-TW" sz="1600" dirty="0">
+              <a:solidFill>
+                <a:schemeClr val="bg2">
+                  <a:lumMod val="25000"/>
+                </a:schemeClr>
+              </a:solidFill>
+              <a:latin typeface="微軟正黑體" panose="020B0604030504040204" pitchFamily="34" charset="-120"/>
+              <a:ea typeface="微軟正黑體" panose="020B0604030504040204" pitchFamily="34" charset="-120"/>
+            </a:endParaRPr>
+          </a:p>
+          <a:p>
+            <a:pPr marL="0" indent="0">
+              <a:buNone/>
+            </a:pPr>
+            <a:r>
+              <a:rPr lang="zh-TW" altLang="en-US" sz="2000" dirty="0">
+                <a:solidFill>
+                  <a:schemeClr val="bg2">
+                    <a:lumMod val="25000"/>
+                  </a:schemeClr>
+                </a:solidFill>
+                <a:latin typeface="微軟正黑體" panose="020B0604030504040204" pitchFamily="34" charset="-120"/>
+                <a:ea typeface="微軟正黑體" panose="020B0604030504040204" pitchFamily="34" charset="-120"/>
+              </a:rPr>
+              <a:t>撫養人數</a:t>
+            </a:r>
+            <a:r>
+              <a:rPr lang="en-US" altLang="zh-TW" sz="2000" dirty="0">
+                <a:solidFill>
+                  <a:schemeClr val="bg2">
+                    <a:lumMod val="25000"/>
+                  </a:schemeClr>
+                </a:solidFill>
+                <a:latin typeface="微軟正黑體" panose="020B0604030504040204" pitchFamily="34" charset="-120"/>
+                <a:ea typeface="微軟正黑體" panose="020B0604030504040204" pitchFamily="34" charset="-120"/>
+              </a:rPr>
+              <a:t>[dependents</a:t>
+            </a:r>
+            <a:r>
+              <a:rPr lang="zh-TW" altLang="en-US" sz="2000" dirty="0">
+                <a:solidFill>
+                  <a:schemeClr val="bg2">
+                    <a:lumMod val="25000"/>
+                  </a:schemeClr>
+                </a:solidFill>
+                <a:latin typeface="微軟正黑體" panose="020B0604030504040204" pitchFamily="34" charset="-120"/>
+                <a:ea typeface="微軟正黑體" panose="020B0604030504040204" pitchFamily="34" charset="-120"/>
+              </a:rPr>
+              <a:t>］：</a:t>
+            </a:r>
+            <a:endParaRPr lang="en-US" altLang="zh-TW" sz="2000" dirty="0">
+              <a:solidFill>
+                <a:schemeClr val="bg2">
+                  <a:lumMod val="25000"/>
+                </a:schemeClr>
+              </a:solidFill>
+              <a:latin typeface="微軟正黑體" panose="020B0604030504040204" pitchFamily="34" charset="-120"/>
+              <a:ea typeface="微軟正黑體" panose="020B0604030504040204" pitchFamily="34" charset="-120"/>
+            </a:endParaRPr>
+          </a:p>
+          <a:p>
+            <a:pPr marL="457200" lvl="1" indent="0">
+              <a:buNone/>
+            </a:pPr>
+            <a:r>
+              <a:rPr lang="en-US" altLang="zh-TW" sz="1600" dirty="0">
+                <a:solidFill>
+                  <a:schemeClr val="bg2">
+                    <a:lumMod val="25000"/>
+                  </a:schemeClr>
+                </a:solidFill>
+                <a:latin typeface="微軟正黑體" panose="020B0604030504040204" pitchFamily="34" charset="-120"/>
+                <a:ea typeface="微軟正黑體" panose="020B0604030504040204" pitchFamily="34" charset="-120"/>
+              </a:rPr>
+              <a:t>dependents_0~1</a:t>
+            </a:r>
+            <a:r>
+              <a:rPr lang="zh-TW" altLang="en-US" sz="1600" dirty="0">
+                <a:solidFill>
+                  <a:schemeClr val="bg2">
+                    <a:lumMod val="25000"/>
+                  </a:schemeClr>
+                </a:solidFill>
+                <a:latin typeface="微軟正黑體" panose="020B0604030504040204" pitchFamily="34" charset="-120"/>
+                <a:ea typeface="微軟正黑體" panose="020B0604030504040204" pitchFamily="34" charset="-120"/>
+              </a:rPr>
+              <a:t>、</a:t>
+            </a:r>
+            <a:r>
+              <a:rPr lang="en-US" altLang="zh-TW" sz="1600" dirty="0">
+                <a:solidFill>
+                  <a:schemeClr val="bg2">
+                    <a:lumMod val="25000"/>
+                  </a:schemeClr>
+                </a:solidFill>
+                <a:latin typeface="微軟正黑體" panose="020B0604030504040204" pitchFamily="34" charset="-120"/>
+                <a:ea typeface="微軟正黑體" panose="020B0604030504040204" pitchFamily="34" charset="-120"/>
+              </a:rPr>
+              <a:t>dependents_1~</a:t>
+            </a:r>
+          </a:p>
+          <a:p>
+            <a:pPr marL="457200" lvl="1" indent="0">
+              <a:buNone/>
+            </a:pPr>
+            <a:endParaRPr lang="en-US" altLang="zh-TW" sz="1600" dirty="0">
+              <a:solidFill>
+                <a:schemeClr val="bg2">
+                  <a:lumMod val="25000"/>
+                </a:schemeClr>
+              </a:solidFill>
+              <a:latin typeface="微軟正黑體" panose="020B0604030504040204" pitchFamily="34" charset="-120"/>
+              <a:ea typeface="微軟正黑體" panose="020B0604030504040204" pitchFamily="34" charset="-120"/>
+            </a:endParaRPr>
+          </a:p>
+          <a:p>
+            <a:pPr marL="0" indent="0">
+              <a:buNone/>
+            </a:pPr>
+            <a:r>
+              <a:rPr lang="zh-TW" altLang="en-US" sz="2000" dirty="0">
+                <a:solidFill>
+                  <a:schemeClr val="bg2">
+                    <a:lumMod val="25000"/>
+                  </a:schemeClr>
+                </a:solidFill>
+                <a:latin typeface="微軟正黑體" panose="020B0604030504040204" pitchFamily="34" charset="-120"/>
+                <a:ea typeface="微軟正黑體" panose="020B0604030504040204" pitchFamily="34" charset="-120"/>
+              </a:rPr>
+              <a:t>持有主卡</a:t>
+            </a:r>
+            <a:r>
+              <a:rPr lang="en-US" altLang="zh-TW" sz="2000" dirty="0">
+                <a:solidFill>
+                  <a:schemeClr val="bg2">
+                    <a:lumMod val="25000"/>
+                  </a:schemeClr>
+                </a:solidFill>
+                <a:latin typeface="微軟正黑體" panose="020B0604030504040204" pitchFamily="34" charset="-120"/>
+                <a:ea typeface="微軟正黑體" panose="020B0604030504040204" pitchFamily="34" charset="-120"/>
+              </a:rPr>
+              <a:t>[</a:t>
+            </a:r>
+            <a:r>
+              <a:rPr lang="en-US" altLang="zh-TW" sz="2000" dirty="0" err="1">
+                <a:solidFill>
+                  <a:schemeClr val="bg2">
+                    <a:lumMod val="25000"/>
+                  </a:schemeClr>
+                </a:solidFill>
+                <a:latin typeface="微軟正黑體" panose="020B0604030504040204" pitchFamily="34" charset="-120"/>
+                <a:ea typeface="微軟正黑體" panose="020B0604030504040204" pitchFamily="34" charset="-120"/>
+              </a:rPr>
+              <a:t>majorcards</a:t>
+            </a:r>
+            <a:r>
+              <a:rPr lang="en-US" altLang="zh-TW" sz="2000" dirty="0">
+                <a:solidFill>
+                  <a:schemeClr val="bg2">
+                    <a:lumMod val="25000"/>
+                  </a:schemeClr>
+                </a:solidFill>
+                <a:latin typeface="微軟正黑體" panose="020B0604030504040204" pitchFamily="34" charset="-120"/>
+                <a:ea typeface="微軟正黑體" panose="020B0604030504040204" pitchFamily="34" charset="-120"/>
+              </a:rPr>
+              <a:t>]</a:t>
+            </a:r>
+            <a:r>
+              <a:rPr lang="zh-TW" altLang="en-US" sz="2000" dirty="0">
+                <a:solidFill>
+                  <a:schemeClr val="bg2">
+                    <a:lumMod val="25000"/>
+                  </a:schemeClr>
+                </a:solidFill>
+                <a:latin typeface="微軟正黑體" panose="020B0604030504040204" pitchFamily="34" charset="-120"/>
+                <a:ea typeface="微軟正黑體" panose="020B0604030504040204" pitchFamily="34" charset="-120"/>
+              </a:rPr>
+              <a:t>：</a:t>
+            </a:r>
+            <a:endParaRPr lang="en-US" altLang="zh-TW" sz="2000" dirty="0">
+              <a:solidFill>
+                <a:schemeClr val="bg2">
+                  <a:lumMod val="25000"/>
+                </a:schemeClr>
+              </a:solidFill>
+              <a:latin typeface="微軟正黑體" panose="020B0604030504040204" pitchFamily="34" charset="-120"/>
+              <a:ea typeface="微軟正黑體" panose="020B0604030504040204" pitchFamily="34" charset="-120"/>
+            </a:endParaRPr>
+          </a:p>
+          <a:p>
+            <a:pPr marL="457200" lvl="1" indent="0">
+              <a:buNone/>
+            </a:pPr>
+            <a:r>
+              <a:rPr lang="en-US" altLang="zh-TW" sz="1600" dirty="0">
+                <a:solidFill>
+                  <a:schemeClr val="bg2">
+                    <a:lumMod val="25000"/>
+                  </a:schemeClr>
+                </a:solidFill>
+                <a:latin typeface="微軟正黑體" panose="020B0604030504040204" pitchFamily="34" charset="-120"/>
+                <a:ea typeface="微軟正黑體" panose="020B0604030504040204" pitchFamily="34" charset="-120"/>
+              </a:rPr>
+              <a:t>majorcards_0,majorcards_&gt;=1,majorcards_0,majorcards_&gt;=1</a:t>
+            </a:r>
+          </a:p>
+          <a:p>
+            <a:pPr marL="457200" lvl="1" indent="0">
+              <a:buNone/>
+            </a:pPr>
+            <a:endParaRPr lang="en-US" altLang="zh-TW" sz="2000" dirty="0">
+              <a:solidFill>
+                <a:schemeClr val="bg2">
+                  <a:lumMod val="25000"/>
+                </a:schemeClr>
+              </a:solidFill>
+              <a:latin typeface="微軟正黑體" panose="020B0604030504040204" pitchFamily="34" charset="-120"/>
+              <a:ea typeface="微軟正黑體" panose="020B0604030504040204" pitchFamily="34" charset="-120"/>
+            </a:endParaRPr>
+          </a:p>
+          <a:p>
+            <a:pPr marL="0" indent="0">
+              <a:buNone/>
+            </a:pPr>
+            <a:r>
+              <a:rPr lang="zh-TW" altLang="en-US" sz="2000" dirty="0">
+                <a:solidFill>
+                  <a:schemeClr val="bg2">
+                    <a:lumMod val="25000"/>
+                  </a:schemeClr>
+                </a:solidFill>
+                <a:latin typeface="微軟正黑體" panose="020B0604030504040204" pitchFamily="34" charset="-120"/>
+                <a:ea typeface="微軟正黑體" panose="020B0604030504040204" pitchFamily="34" charset="-120"/>
+              </a:rPr>
+              <a:t>居住時間</a:t>
+            </a:r>
+            <a:r>
+              <a:rPr lang="en-US" altLang="zh-TW" sz="2000" dirty="0">
+                <a:solidFill>
+                  <a:schemeClr val="bg2">
+                    <a:lumMod val="25000"/>
+                  </a:schemeClr>
+                </a:solidFill>
+                <a:latin typeface="微軟正黑體" panose="020B0604030504040204" pitchFamily="34" charset="-120"/>
+                <a:ea typeface="微軟正黑體" panose="020B0604030504040204" pitchFamily="34" charset="-120"/>
+              </a:rPr>
+              <a:t>[months]</a:t>
+            </a:r>
+            <a:r>
+              <a:rPr lang="zh-TW" altLang="en-US" sz="2000" dirty="0">
+                <a:solidFill>
+                  <a:schemeClr val="bg2">
+                    <a:lumMod val="25000"/>
+                  </a:schemeClr>
+                </a:solidFill>
+                <a:latin typeface="微軟正黑體" panose="020B0604030504040204" pitchFamily="34" charset="-120"/>
+                <a:ea typeface="微軟正黑體" panose="020B0604030504040204" pitchFamily="34" charset="-120"/>
+              </a:rPr>
+              <a:t>：</a:t>
+            </a:r>
+            <a:endParaRPr lang="en-US" altLang="zh-TW" sz="2000" dirty="0">
+              <a:solidFill>
+                <a:schemeClr val="bg2">
+                  <a:lumMod val="25000"/>
+                </a:schemeClr>
+              </a:solidFill>
+              <a:latin typeface="微軟正黑體" panose="020B0604030504040204" pitchFamily="34" charset="-120"/>
+              <a:ea typeface="微軟正黑體" panose="020B0604030504040204" pitchFamily="34" charset="-120"/>
+            </a:endParaRPr>
+          </a:p>
+          <a:p>
+            <a:pPr marL="457200" lvl="1" indent="0">
+              <a:buNone/>
+            </a:pPr>
+            <a:r>
+              <a:rPr lang="en-US" altLang="zh-TW" sz="1600" dirty="0">
+                <a:solidFill>
+                  <a:schemeClr val="bg2">
+                    <a:lumMod val="25000"/>
+                  </a:schemeClr>
+                </a:solidFill>
+                <a:latin typeface="微軟正黑體" panose="020B0604030504040204" pitchFamily="34" charset="-120"/>
+                <a:ea typeface="微軟正黑體" panose="020B0604030504040204" pitchFamily="34" charset="-120"/>
+              </a:rPr>
+              <a:t>months_60~</a:t>
+            </a:r>
+            <a:r>
+              <a:rPr lang="zh-TW" altLang="en-US" sz="1600" dirty="0">
+                <a:solidFill>
+                  <a:schemeClr val="bg2">
+                    <a:lumMod val="25000"/>
+                  </a:schemeClr>
+                </a:solidFill>
+                <a:latin typeface="微軟正黑體" panose="020B0604030504040204" pitchFamily="34" charset="-120"/>
+                <a:ea typeface="微軟正黑體" panose="020B0604030504040204" pitchFamily="34" charset="-120"/>
+              </a:rPr>
+              <a:t>、</a:t>
+            </a:r>
+            <a:r>
+              <a:rPr lang="en-US" altLang="zh-TW" sz="1600" dirty="0">
+                <a:solidFill>
+                  <a:schemeClr val="bg2">
+                    <a:lumMod val="25000"/>
+                  </a:schemeClr>
+                </a:solidFill>
+                <a:latin typeface="微軟正黑體" panose="020B0604030504040204" pitchFamily="34" charset="-120"/>
+                <a:ea typeface="微軟正黑體" panose="020B0604030504040204" pitchFamily="34" charset="-120"/>
+              </a:rPr>
+              <a:t>months_~50</a:t>
+            </a:r>
+          </a:p>
+        </p:txBody>
+      </p:sp>
+    </p:spTree>
+    <p:extLst>
+      <p:ext uri="{BB962C8B-B14F-4D97-AF65-F5344CB8AC3E}">
+        <p14:creationId xmlns:p14="http://schemas.microsoft.com/office/powerpoint/2010/main" val="3139637506"/>
+      </p:ext>
+    </p:extLst>
+  </p:cSld>
+  <p:clrMapOvr>
+    <a:masterClrMapping/>
+  </p:clrMapOvr>
+</p:sld>
+</file>
+
+<file path=ppt/slides/slide19.xml><?xml version="1.0" encoding="utf-8"?>
+<p:sld xmlns:a="http://schemas.openxmlformats.org/drawingml/2006/main" xmlns:r="http://schemas.openxmlformats.org/officeDocument/2006/relationships" xmlns:p="http://schemas.openxmlformats.org/presentationml/2006/main">
+  <p:cSld>
+    <p:spTree>
+      <p:nvGrpSpPr>
+        <p:cNvPr id="1" name=""/>
+        <p:cNvGrpSpPr/>
+        <p:nvPr/>
+      </p:nvGrpSpPr>
+      <p:grpSpPr>
+        <a:xfrm>
+          <a:off x="0" y="0"/>
+          <a:ext cx="0" cy="0"/>
+          <a:chOff x="0" y="0"/>
+          <a:chExt cx="0" cy="0"/>
+        </a:xfrm>
+      </p:grpSpPr>
+      <p:sp>
+        <p:nvSpPr>
+          <p:cNvPr id="2" name="標題 1">
+            <a:extLst>
+              <a:ext uri="{FF2B5EF4-FFF2-40B4-BE49-F238E27FC236}">
+                <a16:creationId xmlns:a16="http://schemas.microsoft.com/office/drawing/2014/main" id="{56D7BB99-B66C-99FB-B338-D9A6FAACC53F}"/>
+              </a:ext>
+            </a:extLst>
+          </p:cNvPr>
+          <p:cNvSpPr>
+            <a:spLocks noGrp="1"/>
+          </p:cNvSpPr>
+          <p:nvPr>
+            <p:ph type="title"/>
+          </p:nvPr>
+        </p:nvSpPr>
+        <p:spPr>
+          <a:xfrm>
+            <a:off x="838200" y="544285"/>
+            <a:ext cx="10515600" cy="754517"/>
+          </a:xfrm>
+        </p:spPr>
+        <p:txBody>
+          <a:bodyPr>
+            <a:normAutofit/>
+          </a:bodyPr>
+          <a:lstStyle/>
+          <a:p>
+            <a:pPr algn="ctr"/>
+            <a:r>
+              <a:rPr lang="zh-TW" altLang="en-US" sz="3200" dirty="0">
+                <a:latin typeface="微軟正黑體" panose="020B0604030504040204" pitchFamily="34" charset="-120"/>
+                <a:ea typeface="微軟正黑體" panose="020B0604030504040204" pitchFamily="34" charset="-120"/>
+              </a:rPr>
+              <a:t>分箱特定數值特徵後</a:t>
+            </a:r>
+          </a:p>
+        </p:txBody>
+      </p:sp>
+      <p:pic>
+        <p:nvPicPr>
+          <p:cNvPr id="9" name="內容版面配置區 8">
+            <a:extLst>
+              <a:ext uri="{FF2B5EF4-FFF2-40B4-BE49-F238E27FC236}">
+                <a16:creationId xmlns:a16="http://schemas.microsoft.com/office/drawing/2014/main" id="{E64C6714-F65E-EF38-D0C4-C1BA91BF5A40}"/>
+              </a:ext>
+            </a:extLst>
+          </p:cNvPr>
+          <p:cNvPicPr>
+            <a:picLocks noGrp="1" noChangeAspect="1"/>
+          </p:cNvPicPr>
+          <p:nvPr>
+            <p:ph idx="1"/>
+          </p:nvPr>
+        </p:nvPicPr>
+        <p:blipFill rotWithShape="1">
+          <a:blip r:embed="rId2">
+            <a:extLst>
+              <a:ext uri="{28A0092B-C50C-407E-A947-70E740481C1C}">
+                <a14:useLocalDpi xmlns:a14="http://schemas.microsoft.com/office/drawing/2010/main" val="0"/>
+              </a:ext>
+            </a:extLst>
+          </a:blip>
+          <a:srcRect t="9931"/>
+          <a:stretch/>
+        </p:blipFill>
+        <p:spPr>
+          <a:xfrm>
+            <a:off x="2356908" y="1298802"/>
+            <a:ext cx="7649474" cy="5167312"/>
+          </a:xfrm>
+        </p:spPr>
+      </p:pic>
+    </p:spTree>
+    <p:extLst>
+      <p:ext uri="{BB962C8B-B14F-4D97-AF65-F5344CB8AC3E}">
+        <p14:creationId xmlns:p14="http://schemas.microsoft.com/office/powerpoint/2010/main" val="3649704331"/>
       </p:ext>
     </p:extLst>
   </p:cSld>
@@ -3473,14 +8072,25 @@
             <a:r>
               <a:rPr lang="zh-TW" altLang="en-US" b="0" i="0" dirty="0">
                 <a:solidFill>
-                  <a:srgbClr val="DBDEE1"/>
-                </a:solidFill>
-                <a:effectLst/>
-                <a:latin typeface="Consolas" panose="020B0609020204030204" pitchFamily="49" charset="0"/>
+                  <a:schemeClr val="bg2">
+                    <a:lumMod val="25000"/>
+                  </a:schemeClr>
+                </a:solidFill>
+                <a:effectLst/>
+                <a:latin typeface="微軟正黑體" panose="020B0604030504040204" pitchFamily="34" charset="-120"/>
+                <a:ea typeface="微軟正黑體" panose="020B0604030504040204" pitchFamily="34" charset="-120"/>
               </a:rPr>
               <a:t>問題定義：</a:t>
             </a:r>
-            <a:endParaRPr lang="zh-TW" altLang="en-US" dirty="0"/>
+            <a:endParaRPr lang="zh-TW" altLang="en-US" dirty="0">
+              <a:solidFill>
+                <a:schemeClr val="bg2">
+                  <a:lumMod val="25000"/>
+                </a:schemeClr>
+              </a:solidFill>
+              <a:latin typeface="微軟正黑體" panose="020B0604030504040204" pitchFamily="34" charset="-120"/>
+              <a:ea typeface="微軟正黑體" panose="020B0604030504040204" pitchFamily="34" charset="-120"/>
+            </a:endParaRPr>
           </a:p>
         </p:txBody>
       </p:sp>
@@ -3511,54 +8121,77 @@
             <a:r>
               <a:rPr lang="zh-TW" altLang="en-US" b="0" i="0" dirty="0">
                 <a:solidFill>
-                  <a:srgbClr val="DBDEE1"/>
-                </a:solidFill>
-                <a:effectLst/>
-                <a:latin typeface="Consolas" panose="020B0609020204030204" pitchFamily="49" charset="0"/>
+                  <a:schemeClr val="bg2">
+                    <a:lumMod val="25000"/>
+                  </a:schemeClr>
+                </a:solidFill>
+                <a:effectLst/>
+                <a:latin typeface="微軟正黑體" panose="020B0604030504040204" pitchFamily="34" charset="-120"/>
+                <a:ea typeface="微軟正黑體" panose="020B0604030504040204" pitchFamily="34" charset="-120"/>
               </a:rPr>
               <a:t>人力判斷客戶的特徵是否符合發卡資格是非常耗時耗力的</a:t>
             </a:r>
             <a:r>
               <a:rPr lang="en-US" altLang="zh-TW" b="0" i="0" dirty="0">
                 <a:solidFill>
-                  <a:srgbClr val="DBDEE1"/>
-                </a:solidFill>
-                <a:effectLst/>
-                <a:latin typeface="Consolas" panose="020B0609020204030204" pitchFamily="49" charset="0"/>
+                  <a:schemeClr val="bg2">
+                    <a:lumMod val="25000"/>
+                  </a:schemeClr>
+                </a:solidFill>
+                <a:effectLst/>
+                <a:latin typeface="微軟正黑體" panose="020B0604030504040204" pitchFamily="34" charset="-120"/>
+                <a:ea typeface="微軟正黑體" panose="020B0604030504040204" pitchFamily="34" charset="-120"/>
               </a:rPr>
               <a:t>(</a:t>
             </a:r>
             <a:r>
               <a:rPr lang="zh-TW" altLang="en-US" b="0" i="0" dirty="0">
                 <a:solidFill>
-                  <a:srgbClr val="DBDEE1"/>
-                </a:solidFill>
-                <a:effectLst/>
-                <a:latin typeface="Consolas" panose="020B0609020204030204" pitchFamily="49" charset="0"/>
+                  <a:schemeClr val="bg2">
+                    <a:lumMod val="25000"/>
+                  </a:schemeClr>
+                </a:solidFill>
+                <a:effectLst/>
+                <a:latin typeface="微軟正黑體" panose="020B0604030504040204" pitchFamily="34" charset="-120"/>
+                <a:ea typeface="微軟正黑體" panose="020B0604030504040204" pitchFamily="34" charset="-120"/>
               </a:rPr>
               <a:t>大概</a:t>
             </a:r>
             <a:r>
               <a:rPr lang="en-US" altLang="zh-TW" b="0" i="0" dirty="0">
                 <a:solidFill>
-                  <a:srgbClr val="DBDEE1"/>
-                </a:solidFill>
-                <a:effectLst/>
-                <a:latin typeface="Consolas" panose="020B0609020204030204" pitchFamily="49" charset="0"/>
+                  <a:schemeClr val="bg2">
+                    <a:lumMod val="25000"/>
+                  </a:schemeClr>
+                </a:solidFill>
+                <a:effectLst/>
+                <a:latin typeface="微軟正黑體" panose="020B0604030504040204" pitchFamily="34" charset="-120"/>
+                <a:ea typeface="微軟正黑體" panose="020B0604030504040204" pitchFamily="34" charset="-120"/>
               </a:rPr>
               <a:t>)</a:t>
             </a:r>
             <a:r>
               <a:rPr lang="zh-TW" altLang="en-US" b="0" i="0" dirty="0">
                 <a:solidFill>
-                  <a:srgbClr val="DBDEE1"/>
-                </a:solidFill>
-                <a:effectLst/>
-                <a:latin typeface="Consolas" panose="020B0609020204030204" pitchFamily="49" charset="0"/>
+                  <a:schemeClr val="bg2">
+                    <a:lumMod val="25000"/>
+                  </a:schemeClr>
+                </a:solidFill>
+                <a:effectLst/>
+                <a:latin typeface="微軟正黑體" panose="020B0604030504040204" pitchFamily="34" charset="-120"/>
+                <a:ea typeface="微軟正黑體" panose="020B0604030504040204" pitchFamily="34" charset="-120"/>
               </a:rPr>
               <a:t>，用機器學習的方式預測是否將信用卡發放給給定特徵的人，既快速搞不好又準確。</a:t>
             </a:r>
-            <a:endParaRPr lang="zh-TW" altLang="en-US" dirty="0"/>
+            <a:endParaRPr lang="zh-TW" altLang="en-US" dirty="0">
+              <a:solidFill>
+                <a:schemeClr val="bg2">
+                  <a:lumMod val="25000"/>
+                </a:schemeClr>
+              </a:solidFill>
+              <a:latin typeface="微軟正黑體" panose="020B0604030504040204" pitchFamily="34" charset="-120"/>
+              <a:ea typeface="微軟正黑體" panose="020B0604030504040204" pitchFamily="34" charset="-120"/>
+            </a:endParaRPr>
           </a:p>
         </p:txBody>
       </p:sp>
@@ -3566,6 +8199,505 @@
     <p:extLst>
       <p:ext uri="{BB962C8B-B14F-4D97-AF65-F5344CB8AC3E}">
         <p14:creationId xmlns:p14="http://schemas.microsoft.com/office/powerpoint/2010/main" val="606828940"/>
+      </p:ext>
+    </p:extLst>
+  </p:cSld>
+  <p:clrMapOvr>
+    <a:masterClrMapping/>
+  </p:clrMapOvr>
+</p:sld>
+</file>
+
+<file path=ppt/slides/slide20.xml><?xml version="1.0" encoding="utf-8"?>
+<p:sld xmlns:a="http://schemas.openxmlformats.org/drawingml/2006/main" xmlns:r="http://schemas.openxmlformats.org/officeDocument/2006/relationships" xmlns:p="http://schemas.openxmlformats.org/presentationml/2006/main">
+  <p:cSld>
+    <p:spTree>
+      <p:nvGrpSpPr>
+        <p:cNvPr id="1" name=""/>
+        <p:cNvGrpSpPr/>
+        <p:nvPr/>
+      </p:nvGrpSpPr>
+      <p:grpSpPr>
+        <a:xfrm>
+          <a:off x="0" y="0"/>
+          <a:ext cx="0" cy="0"/>
+          <a:chOff x="0" y="0"/>
+          <a:chExt cx="0" cy="0"/>
+        </a:xfrm>
+      </p:grpSpPr>
+      <p:sp>
+        <p:nvSpPr>
+          <p:cNvPr id="2" name="標題 1">
+            <a:extLst>
+              <a:ext uri="{FF2B5EF4-FFF2-40B4-BE49-F238E27FC236}">
+                <a16:creationId xmlns:a16="http://schemas.microsoft.com/office/drawing/2014/main" id="{251CBBA3-C644-33A1-40BB-45866D499499}"/>
+              </a:ext>
+            </a:extLst>
+          </p:cNvPr>
+          <p:cNvSpPr>
+            <a:spLocks noGrp="1"/>
+          </p:cNvSpPr>
+          <p:nvPr>
+            <p:ph type="title"/>
+          </p:nvPr>
+        </p:nvSpPr>
+        <p:spPr/>
+        <p:txBody>
+          <a:bodyPr/>
+          <a:lstStyle/>
+          <a:p>
+            <a:r>
+              <a:rPr lang="zh-TW" altLang="en-US" dirty="0">
+                <a:solidFill>
+                  <a:schemeClr val="bg2">
+                    <a:lumMod val="25000"/>
+                  </a:schemeClr>
+                </a:solidFill>
+                <a:latin typeface="微軟正黑體" panose="020B0604030504040204" pitchFamily="34" charset="-120"/>
+                <a:ea typeface="微軟正黑體" panose="020B0604030504040204" pitchFamily="34" charset="-120"/>
+              </a:rPr>
+              <a:t>全部代碼</a:t>
+            </a:r>
+            <a:r>
+              <a:rPr lang="en-US" altLang="zh-TW" dirty="0">
+                <a:solidFill>
+                  <a:schemeClr val="bg2">
+                    <a:lumMod val="25000"/>
+                  </a:schemeClr>
+                </a:solidFill>
+                <a:latin typeface="微軟正黑體" panose="020B0604030504040204" pitchFamily="34" charset="-120"/>
+                <a:ea typeface="微軟正黑體" panose="020B0604030504040204" pitchFamily="34" charset="-120"/>
+              </a:rPr>
+              <a:t>:</a:t>
+            </a:r>
+            <a:endParaRPr lang="zh-TW" altLang="en-US" dirty="0">
+              <a:solidFill>
+                <a:schemeClr val="bg2">
+                  <a:lumMod val="25000"/>
+                </a:schemeClr>
+              </a:solidFill>
+              <a:latin typeface="微軟正黑體" panose="020B0604030504040204" pitchFamily="34" charset="-120"/>
+              <a:ea typeface="微軟正黑體" panose="020B0604030504040204" pitchFamily="34" charset="-120"/>
+            </a:endParaRPr>
+          </a:p>
+        </p:txBody>
+      </p:sp>
+      <p:sp>
+        <p:nvSpPr>
+          <p:cNvPr id="3" name="內容版面配置區 2">
+            <a:extLst>
+              <a:ext uri="{FF2B5EF4-FFF2-40B4-BE49-F238E27FC236}">
+                <a16:creationId xmlns:a16="http://schemas.microsoft.com/office/drawing/2014/main" id="{443272C8-2C42-1B80-9C3B-D8EDF5D89F87}"/>
+              </a:ext>
+            </a:extLst>
+          </p:cNvPr>
+          <p:cNvSpPr>
+            <a:spLocks noGrp="1"/>
+          </p:cNvSpPr>
+          <p:nvPr>
+            <p:ph idx="1"/>
+          </p:nvPr>
+        </p:nvSpPr>
+        <p:spPr/>
+        <p:txBody>
+          <a:bodyPr/>
+          <a:lstStyle/>
+          <a:p>
+            <a:r>
+              <a:rPr lang="en-US" altLang="zh-TW" dirty="0">
+                <a:solidFill>
+                  <a:schemeClr val="bg2">
+                    <a:lumMod val="25000"/>
+                  </a:schemeClr>
+                </a:solidFill>
+                <a:latin typeface="微軟正黑體" panose="020B0604030504040204" pitchFamily="34" charset="-120"/>
+                <a:ea typeface="微軟正黑體" panose="020B0604030504040204" pitchFamily="34" charset="-120"/>
+                <a:hlinkClick r:id="rId2"/>
+              </a:rPr>
+              <a:t>https://github.com/RCK10274/Issue_Credit_Card</a:t>
+            </a:r>
+            <a:endParaRPr lang="en-US" altLang="zh-TW" dirty="0">
+              <a:solidFill>
+                <a:schemeClr val="bg2">
+                  <a:lumMod val="25000"/>
+                </a:schemeClr>
+              </a:solidFill>
+              <a:latin typeface="微軟正黑體" panose="020B0604030504040204" pitchFamily="34" charset="-120"/>
+              <a:ea typeface="微軟正黑體" panose="020B0604030504040204" pitchFamily="34" charset="-120"/>
+            </a:endParaRPr>
+          </a:p>
+          <a:p>
+            <a:endParaRPr lang="en-US" altLang="zh-TW" dirty="0">
+              <a:solidFill>
+                <a:schemeClr val="bg2">
+                  <a:lumMod val="25000"/>
+                </a:schemeClr>
+              </a:solidFill>
+              <a:latin typeface="微軟正黑體" panose="020B0604030504040204" pitchFamily="34" charset="-120"/>
+              <a:ea typeface="微軟正黑體" panose="020B0604030504040204" pitchFamily="34" charset="-120"/>
+            </a:endParaRPr>
+          </a:p>
+          <a:p>
+            <a:r>
+              <a:rPr lang="en-US" altLang="zh-TW" sz="2800" b="0" dirty="0" err="1">
+                <a:solidFill>
+                  <a:srgbClr val="267F99"/>
+                </a:solidFill>
+                <a:effectLst/>
+                <a:latin typeface="Consolas" panose="020B0609020204030204" pitchFamily="49" charset="0"/>
+              </a:rPr>
+              <a:t>LogisticR</a:t>
+            </a:r>
+            <a:r>
+              <a:rPr lang="en-US" altLang="zh-TW" sz="2800" b="0" dirty="0">
+                <a:solidFill>
+                  <a:schemeClr val="bg2">
+                    <a:lumMod val="25000"/>
+                  </a:schemeClr>
+                </a:solidFill>
+                <a:effectLst/>
+                <a:latin typeface="微軟正黑體" panose="020B0604030504040204" pitchFamily="34" charset="-120"/>
+                <a:ea typeface="微軟正黑體" panose="020B0604030504040204" pitchFamily="34" charset="-120"/>
+              </a:rPr>
+              <a:t>:</a:t>
+            </a:r>
+            <a:r>
+              <a:rPr lang="en-US" altLang="zh-TW" dirty="0">
+                <a:hlinkClick r:id="rId3"/>
+              </a:rPr>
+              <a:t> </a:t>
+            </a:r>
+            <a:r>
+              <a:rPr lang="en-US" altLang="zh-TW" dirty="0"/>
+              <a:t>https://github.com/RCK10274/Issue_Credit_Card/blob/OAO/Model/Try_LogisticRegression.py</a:t>
+            </a:r>
+            <a:endParaRPr lang="zh-TW" altLang="en-US" dirty="0">
+              <a:solidFill>
+                <a:schemeClr val="bg2">
+                  <a:lumMod val="25000"/>
+                </a:schemeClr>
+              </a:solidFill>
+              <a:latin typeface="微軟正黑體" panose="020B0604030504040204" pitchFamily="34" charset="-120"/>
+              <a:ea typeface="微軟正黑體" panose="020B0604030504040204" pitchFamily="34" charset="-120"/>
+            </a:endParaRPr>
+          </a:p>
+        </p:txBody>
+      </p:sp>
+    </p:spTree>
+    <p:extLst>
+      <p:ext uri="{BB962C8B-B14F-4D97-AF65-F5344CB8AC3E}">
+        <p14:creationId xmlns:p14="http://schemas.microsoft.com/office/powerpoint/2010/main" val="624455909"/>
+      </p:ext>
+    </p:extLst>
+  </p:cSld>
+  <p:clrMapOvr>
+    <a:masterClrMapping/>
+  </p:clrMapOvr>
+</p:sld>
+</file>
+
+<file path=ppt/slides/slide21.xml><?xml version="1.0" encoding="utf-8"?>
+<p:sld xmlns:a="http://schemas.openxmlformats.org/drawingml/2006/main" xmlns:r="http://schemas.openxmlformats.org/officeDocument/2006/relationships" xmlns:p="http://schemas.openxmlformats.org/presentationml/2006/main">
+  <p:cSld>
+    <p:spTree>
+      <p:nvGrpSpPr>
+        <p:cNvPr id="1" name=""/>
+        <p:cNvGrpSpPr/>
+        <p:nvPr/>
+      </p:nvGrpSpPr>
+      <p:grpSpPr>
+        <a:xfrm>
+          <a:off x="0" y="0"/>
+          <a:ext cx="0" cy="0"/>
+          <a:chOff x="0" y="0"/>
+          <a:chExt cx="0" cy="0"/>
+        </a:xfrm>
+      </p:grpSpPr>
+      <p:sp>
+        <p:nvSpPr>
+          <p:cNvPr id="2" name="標題 1">
+            <a:extLst>
+              <a:ext uri="{FF2B5EF4-FFF2-40B4-BE49-F238E27FC236}">
+                <a16:creationId xmlns:a16="http://schemas.microsoft.com/office/drawing/2014/main" id="{5A70BF3D-E437-8E45-D4B4-48CD186673F6}"/>
+              </a:ext>
+            </a:extLst>
+          </p:cNvPr>
+          <p:cNvSpPr>
+            <a:spLocks noGrp="1"/>
+          </p:cNvSpPr>
+          <p:nvPr>
+            <p:ph type="title"/>
+          </p:nvPr>
+        </p:nvSpPr>
+        <p:spPr/>
+        <p:txBody>
+          <a:bodyPr/>
+          <a:lstStyle/>
+          <a:p>
+            <a:r>
+              <a:rPr lang="zh-TW" altLang="en-US" b="0" i="0" dirty="0">
+                <a:solidFill>
+                  <a:schemeClr val="bg2">
+                    <a:lumMod val="25000"/>
+                  </a:schemeClr>
+                </a:solidFill>
+                <a:effectLst/>
+                <a:latin typeface="微軟正黑體" panose="020B0604030504040204" pitchFamily="34" charset="-120"/>
+                <a:ea typeface="微軟正黑體" panose="020B0604030504040204" pitchFamily="34" charset="-120"/>
+              </a:rPr>
+              <a:t>結語</a:t>
+            </a:r>
+            <a:endParaRPr lang="zh-TW" altLang="en-US" dirty="0">
+              <a:solidFill>
+                <a:schemeClr val="bg2">
+                  <a:lumMod val="25000"/>
+                </a:schemeClr>
+              </a:solidFill>
+              <a:latin typeface="微軟正黑體" panose="020B0604030504040204" pitchFamily="34" charset="-120"/>
+              <a:ea typeface="微軟正黑體" panose="020B0604030504040204" pitchFamily="34" charset="-120"/>
+            </a:endParaRPr>
+          </a:p>
+        </p:txBody>
+      </p:sp>
+      <p:sp>
+        <p:nvSpPr>
+          <p:cNvPr id="3" name="內容版面配置區 2">
+            <a:extLst>
+              <a:ext uri="{FF2B5EF4-FFF2-40B4-BE49-F238E27FC236}">
+                <a16:creationId xmlns:a16="http://schemas.microsoft.com/office/drawing/2014/main" id="{952E226A-9FBE-30B7-1F11-9510C2B6E937}"/>
+              </a:ext>
+            </a:extLst>
+          </p:cNvPr>
+          <p:cNvSpPr>
+            <a:spLocks noGrp="1"/>
+          </p:cNvSpPr>
+          <p:nvPr>
+            <p:ph idx="1"/>
+          </p:nvPr>
+        </p:nvSpPr>
+        <p:spPr/>
+        <p:txBody>
+          <a:bodyPr>
+            <a:normAutofit/>
+          </a:bodyPr>
+          <a:lstStyle/>
+          <a:p>
+            <a:pPr marL="0" indent="0">
+              <a:lnSpc>
+                <a:spcPct val="100000"/>
+              </a:lnSpc>
+              <a:buNone/>
+            </a:pPr>
+            <a:r>
+              <a:rPr lang="zh-TW" altLang="en-US" sz="2000" b="0" i="0" dirty="0">
+                <a:solidFill>
+                  <a:schemeClr val="bg2">
+                    <a:lumMod val="25000"/>
+                  </a:schemeClr>
+                </a:solidFill>
+                <a:effectLst/>
+                <a:latin typeface="微軟正黑體" panose="020B0604030504040204" pitchFamily="34" charset="-120"/>
+                <a:ea typeface="微軟正黑體" panose="020B0604030504040204" pitchFamily="34" charset="-120"/>
+              </a:rPr>
+              <a:t>在本次的「機器學習</a:t>
+            </a:r>
+            <a:r>
+              <a:rPr lang="en-US" altLang="zh-TW" sz="2000" b="0" i="0" dirty="0">
+                <a:solidFill>
+                  <a:schemeClr val="bg2">
+                    <a:lumMod val="25000"/>
+                  </a:schemeClr>
+                </a:solidFill>
+                <a:effectLst/>
+                <a:latin typeface="微軟正黑體" panose="020B0604030504040204" pitchFamily="34" charset="-120"/>
+                <a:ea typeface="微軟正黑體" panose="020B0604030504040204" pitchFamily="34" charset="-120"/>
+              </a:rPr>
+              <a:t>-</a:t>
+            </a:r>
+            <a:r>
+              <a:rPr lang="zh-TW" altLang="en-US" sz="2000" b="0" i="0" dirty="0">
+                <a:solidFill>
+                  <a:schemeClr val="bg2">
+                    <a:lumMod val="25000"/>
+                  </a:schemeClr>
+                </a:solidFill>
+                <a:effectLst/>
+                <a:latin typeface="微軟正黑體" panose="020B0604030504040204" pitchFamily="34" charset="-120"/>
+                <a:ea typeface="微軟正黑體" panose="020B0604030504040204" pitchFamily="34" charset="-120"/>
+              </a:rPr>
+              <a:t>信用卡發放分析」項目中，我們運用了數據處理技術和機器學習算法來預測和分析哪些因素影響信用卡的發放。</a:t>
+            </a:r>
+            <a:endParaRPr lang="en-US" altLang="zh-TW" sz="2000" b="0" i="0" dirty="0">
+              <a:solidFill>
+                <a:schemeClr val="bg2">
+                  <a:lumMod val="25000"/>
+                </a:schemeClr>
+              </a:solidFill>
+              <a:effectLst/>
+              <a:latin typeface="微軟正黑體" panose="020B0604030504040204" pitchFamily="34" charset="-120"/>
+              <a:ea typeface="微軟正黑體" panose="020B0604030504040204" pitchFamily="34" charset="-120"/>
+            </a:endParaRPr>
+          </a:p>
+          <a:p>
+            <a:pPr marL="0" indent="0">
+              <a:lnSpc>
+                <a:spcPct val="100000"/>
+              </a:lnSpc>
+              <a:buNone/>
+            </a:pPr>
+            <a:r>
+              <a:rPr lang="zh-TW" altLang="en-US" sz="2000" b="0" i="0" dirty="0">
+                <a:solidFill>
+                  <a:schemeClr val="bg2">
+                    <a:lumMod val="25000"/>
+                  </a:schemeClr>
+                </a:solidFill>
+                <a:effectLst/>
+                <a:latin typeface="微軟正黑體" panose="020B0604030504040204" pitchFamily="34" charset="-120"/>
+                <a:ea typeface="微軟正黑體" panose="020B0604030504040204" pitchFamily="34" charset="-120"/>
+              </a:rPr>
+              <a:t>通過對模型的訓練和驗證，我們不僅增強了對信用卡發放機制的理解，同時也展示了數據引響結果的過程。 </a:t>
+            </a:r>
+            <a:endParaRPr lang="en-US" altLang="zh-TW" sz="2000" b="0" i="0" dirty="0">
+              <a:solidFill>
+                <a:schemeClr val="bg2">
+                  <a:lumMod val="25000"/>
+                </a:schemeClr>
+              </a:solidFill>
+              <a:effectLst/>
+              <a:latin typeface="微軟正黑體" panose="020B0604030504040204" pitchFamily="34" charset="-120"/>
+              <a:ea typeface="微軟正黑體" panose="020B0604030504040204" pitchFamily="34" charset="-120"/>
+            </a:endParaRPr>
+          </a:p>
+          <a:p>
+            <a:pPr marL="0" indent="0">
+              <a:lnSpc>
+                <a:spcPct val="100000"/>
+              </a:lnSpc>
+              <a:buNone/>
+            </a:pPr>
+            <a:r>
+              <a:rPr lang="zh-TW" altLang="en-US" sz="2000" b="0" i="0" dirty="0">
+                <a:solidFill>
+                  <a:schemeClr val="bg2">
+                    <a:lumMod val="25000"/>
+                  </a:schemeClr>
+                </a:solidFill>
+                <a:effectLst/>
+                <a:latin typeface="微軟正黑體" panose="020B0604030504040204" pitchFamily="34" charset="-120"/>
+                <a:ea typeface="微軟正黑體" panose="020B0604030504040204" pitchFamily="34" charset="-120"/>
+              </a:rPr>
+              <a:t>作為結束時的反思，我們需要更多的知識應對數據分析，也需要加強對數學模型的理解，且隨著市場環境和客戶行為的變化，模型也需要不斷地進行更新和調整。此外，模型的應用應當伴隨著持續的監督與評估，以確保其預測的有效性和公平性。 最後，我們對我們機器學習的指導老師感謝，感謝各方提供的知識與技術，期待在未來產生更多的創新和價值。 </a:t>
+            </a:r>
+            <a:endParaRPr lang="en-US" altLang="zh-TW" sz="2000" b="0" i="0" dirty="0">
+              <a:solidFill>
+                <a:schemeClr val="bg2">
+                  <a:lumMod val="25000"/>
+                </a:schemeClr>
+              </a:solidFill>
+              <a:effectLst/>
+              <a:latin typeface="微軟正黑體" panose="020B0604030504040204" pitchFamily="34" charset="-120"/>
+              <a:ea typeface="微軟正黑體" panose="020B0604030504040204" pitchFamily="34" charset="-120"/>
+            </a:endParaRPr>
+          </a:p>
+          <a:p>
+            <a:pPr marL="0" indent="0">
+              <a:lnSpc>
+                <a:spcPct val="100000"/>
+              </a:lnSpc>
+              <a:buNone/>
+            </a:pPr>
+            <a:endParaRPr lang="en-US" altLang="zh-TW" sz="2000" b="0" i="0" dirty="0">
+              <a:solidFill>
+                <a:schemeClr val="bg2">
+                  <a:lumMod val="25000"/>
+                </a:schemeClr>
+              </a:solidFill>
+              <a:effectLst/>
+              <a:latin typeface="微軟正黑體" panose="020B0604030504040204" pitchFamily="34" charset="-120"/>
+              <a:ea typeface="微軟正黑體" panose="020B0604030504040204" pitchFamily="34" charset="-120"/>
+            </a:endParaRPr>
+          </a:p>
+          <a:p>
+            <a:pPr marL="0" indent="0">
+              <a:lnSpc>
+                <a:spcPct val="100000"/>
+              </a:lnSpc>
+              <a:buNone/>
+            </a:pPr>
+            <a:r>
+              <a:rPr lang="zh-TW" altLang="en-US" sz="2000" b="0" i="0" dirty="0">
+                <a:solidFill>
+                  <a:schemeClr val="bg2">
+                    <a:lumMod val="25000"/>
+                  </a:schemeClr>
+                </a:solidFill>
+                <a:effectLst/>
+                <a:latin typeface="微軟正黑體" panose="020B0604030504040204" pitchFamily="34" charset="-120"/>
+                <a:ea typeface="微軟正黑體" panose="020B0604030504040204" pitchFamily="34" charset="-120"/>
+              </a:rPr>
+              <a:t>編輯自　陳弘斌與黃勝鴻團隊 </a:t>
+            </a:r>
+            <a:endParaRPr lang="en-US" altLang="zh-TW" sz="2000" b="0" i="0" dirty="0">
+              <a:solidFill>
+                <a:schemeClr val="bg2">
+                  <a:lumMod val="25000"/>
+                </a:schemeClr>
+              </a:solidFill>
+              <a:effectLst/>
+              <a:latin typeface="微軟正黑體" panose="020B0604030504040204" pitchFamily="34" charset="-120"/>
+              <a:ea typeface="微軟正黑體" panose="020B0604030504040204" pitchFamily="34" charset="-120"/>
+            </a:endParaRPr>
+          </a:p>
+          <a:p>
+            <a:pPr marL="0" indent="0">
+              <a:lnSpc>
+                <a:spcPct val="100000"/>
+              </a:lnSpc>
+              <a:buNone/>
+            </a:pPr>
+            <a:r>
+              <a:rPr lang="zh-TW" altLang="en-US" sz="2000" b="0" i="0" dirty="0">
+                <a:solidFill>
+                  <a:schemeClr val="bg2">
+                    <a:lumMod val="25000"/>
+                  </a:schemeClr>
+                </a:solidFill>
+                <a:effectLst/>
+                <a:latin typeface="微軟正黑體" panose="020B0604030504040204" pitchFamily="34" charset="-120"/>
+                <a:ea typeface="微軟正黑體" panose="020B0604030504040204" pitchFamily="34" charset="-120"/>
+              </a:rPr>
+              <a:t>日期：</a:t>
+            </a:r>
+            <a:r>
+              <a:rPr lang="en-US" altLang="zh-TW" sz="2000" b="0" i="0" dirty="0">
+                <a:solidFill>
+                  <a:schemeClr val="bg2">
+                    <a:lumMod val="25000"/>
+                  </a:schemeClr>
+                </a:solidFill>
+                <a:effectLst/>
+                <a:latin typeface="微軟正黑體" panose="020B0604030504040204" pitchFamily="34" charset="-120"/>
+                <a:ea typeface="微軟正黑體" panose="020B0604030504040204" pitchFamily="34" charset="-120"/>
+              </a:rPr>
+              <a:t>2024/03/19</a:t>
+            </a:r>
+            <a:endParaRPr lang="zh-TW" altLang="en-US" sz="2000" dirty="0">
+              <a:solidFill>
+                <a:schemeClr val="bg2">
+                  <a:lumMod val="25000"/>
+                </a:schemeClr>
+              </a:solidFill>
+              <a:latin typeface="微軟正黑體" panose="020B0604030504040204" pitchFamily="34" charset="-120"/>
+              <a:ea typeface="微軟正黑體" panose="020B0604030504040204" pitchFamily="34" charset="-120"/>
+            </a:endParaRPr>
+          </a:p>
+        </p:txBody>
+      </p:sp>
+    </p:spTree>
+    <p:extLst>
+      <p:ext uri="{BB962C8B-B14F-4D97-AF65-F5344CB8AC3E}">
+        <p14:creationId xmlns:p14="http://schemas.microsoft.com/office/powerpoint/2010/main" val="2504689034"/>
       </p:ext>
     </p:extLst>
   </p:cSld>
@@ -3616,24 +8748,38 @@
             <a:r>
               <a:rPr lang="en-US" altLang="zh-TW" b="0" i="0" dirty="0">
                 <a:solidFill>
-                  <a:srgbClr val="DBDEE1"/>
-                </a:solidFill>
-                <a:effectLst/>
-                <a:latin typeface="Consolas" panose="020B0609020204030204" pitchFamily="49" charset="0"/>
+                  <a:schemeClr val="bg2">
+                    <a:lumMod val="25000"/>
+                  </a:schemeClr>
+                </a:solidFill>
+                <a:effectLst/>
+                <a:latin typeface="微軟正黑體" panose="020B0604030504040204" pitchFamily="34" charset="-120"/>
+                <a:ea typeface="微軟正黑體" panose="020B0604030504040204" pitchFamily="34" charset="-120"/>
               </a:rPr>
               <a:t>5W1H</a:t>
             </a:r>
             <a:r>
               <a:rPr lang="zh-TW" altLang="en-US" b="0" i="0" dirty="0">
                 <a:solidFill>
-                  <a:srgbClr val="DBDEE1"/>
-                </a:solidFill>
-                <a:effectLst/>
-                <a:latin typeface="Consolas" panose="020B0609020204030204" pitchFamily="49" charset="0"/>
+                  <a:schemeClr val="bg2">
+                    <a:lumMod val="25000"/>
+                  </a:schemeClr>
+                </a:solidFill>
+                <a:effectLst/>
+                <a:latin typeface="微軟正黑體" panose="020B0604030504040204" pitchFamily="34" charset="-120"/>
+                <a:ea typeface="微軟正黑體" panose="020B0604030504040204" pitchFamily="34" charset="-120"/>
               </a:rPr>
               <a:t>：</a:t>
             </a:r>
-            <a:endParaRPr lang="zh-TW" altLang="en-US" dirty="0"/>
+            <a:endParaRPr lang="zh-TW" altLang="en-US" dirty="0">
+              <a:solidFill>
+                <a:schemeClr val="bg2">
+                  <a:lumMod val="25000"/>
+                </a:schemeClr>
+              </a:solidFill>
+              <a:latin typeface="微軟正黑體" panose="020B0604030504040204" pitchFamily="34" charset="-120"/>
+              <a:ea typeface="微軟正黑體" panose="020B0604030504040204" pitchFamily="34" charset="-120"/>
+            </a:endParaRPr>
           </a:p>
         </p:txBody>
       </p:sp>
@@ -3671,29 +8817,38 @@
             <a:r>
               <a:rPr lang="en-US" altLang="zh-TW" b="0" i="0" dirty="0">
                 <a:solidFill>
-                  <a:srgbClr val="DBDEE1"/>
-                </a:solidFill>
-                <a:effectLst/>
-                <a:latin typeface="Consolas" panose="020B0609020204030204" pitchFamily="49" charset="0"/>
+                  <a:schemeClr val="bg2">
+                    <a:lumMod val="25000"/>
+                  </a:schemeClr>
+                </a:solidFill>
+                <a:effectLst/>
+                <a:latin typeface="微軟正黑體" panose="020B0604030504040204" pitchFamily="34" charset="-120"/>
+                <a:ea typeface="微軟正黑體" panose="020B0604030504040204" pitchFamily="34" charset="-120"/>
               </a:rPr>
               <a:t>Who</a:t>
             </a:r>
             <a:r>
               <a:rPr lang="zh-TW" altLang="en-US" b="0" i="0" dirty="0">
                 <a:solidFill>
-                  <a:srgbClr val="DBDEE1"/>
-                </a:solidFill>
-                <a:effectLst/>
-                <a:latin typeface="Consolas" panose="020B0609020204030204" pitchFamily="49" charset="0"/>
+                  <a:schemeClr val="bg2">
+                    <a:lumMod val="25000"/>
+                  </a:schemeClr>
+                </a:solidFill>
+                <a:effectLst/>
+                <a:latin typeface="微軟正黑體" panose="020B0604030504040204" pitchFamily="34" charset="-120"/>
+                <a:ea typeface="微軟正黑體" panose="020B0604030504040204" pitchFamily="34" charset="-120"/>
               </a:rPr>
               <a:t>： </a:t>
             </a:r>
             <a:endParaRPr lang="en-US" altLang="zh-TW" b="0" i="0" dirty="0">
               <a:solidFill>
-                <a:srgbClr val="DBDEE1"/>
+                <a:schemeClr val="bg2">
+                  <a:lumMod val="25000"/>
+                </a:schemeClr>
               </a:solidFill>
               <a:effectLst/>
-              <a:latin typeface="Consolas" panose="020B0609020204030204" pitchFamily="49" charset="0"/>
+              <a:latin typeface="微軟正黑體" panose="020B0604030504040204" pitchFamily="34" charset="-120"/>
+              <a:ea typeface="微軟正黑體" panose="020B0604030504040204" pitchFamily="34" charset="-120"/>
             </a:endParaRPr>
           </a:p>
           <a:p>
@@ -3703,28 +8858,37 @@
             <a:r>
               <a:rPr lang="en-US" altLang="zh-TW" dirty="0">
                 <a:solidFill>
-                  <a:srgbClr val="DBDEE1"/>
-                </a:solidFill>
-                <a:latin typeface="Consolas" panose="020B0609020204030204" pitchFamily="49" charset="0"/>
+                  <a:schemeClr val="bg2">
+                    <a:lumMod val="25000"/>
+                  </a:schemeClr>
+                </a:solidFill>
+                <a:latin typeface="微軟正黑體" panose="020B0604030504040204" pitchFamily="34" charset="-120"/>
+                <a:ea typeface="微軟正黑體" panose="020B0604030504040204" pitchFamily="34" charset="-120"/>
               </a:rPr>
               <a:t>	</a:t>
             </a:r>
             <a:r>
               <a:rPr lang="zh-TW" altLang="en-US" b="0" i="0" dirty="0">
                 <a:solidFill>
-                  <a:srgbClr val="DBDEE1"/>
-                </a:solidFill>
-                <a:effectLst/>
-                <a:latin typeface="Consolas" panose="020B0609020204030204" pitchFamily="49" charset="0"/>
+                  <a:schemeClr val="bg2">
+                    <a:lumMod val="25000"/>
+                  </a:schemeClr>
+                </a:solidFill>
+                <a:effectLst/>
+                <a:latin typeface="微軟正黑體" panose="020B0604030504040204" pitchFamily="34" charset="-120"/>
+                <a:ea typeface="微軟正黑體" panose="020B0604030504040204" pitchFamily="34" charset="-120"/>
               </a:rPr>
               <a:t>信用卡公司分析工程師、想要申請信用卡的客戶、．．．等。</a:t>
             </a:r>
             <a:endParaRPr lang="en-US" altLang="zh-TW" b="0" i="0" dirty="0">
               <a:solidFill>
-                <a:srgbClr val="DBDEE1"/>
+                <a:schemeClr val="bg2">
+                  <a:lumMod val="25000"/>
+                </a:schemeClr>
               </a:solidFill>
               <a:effectLst/>
-              <a:latin typeface="Consolas" panose="020B0609020204030204" pitchFamily="49" charset="0"/>
+              <a:latin typeface="微軟正黑體" panose="020B0604030504040204" pitchFamily="34" charset="-120"/>
+              <a:ea typeface="微軟正黑體" panose="020B0604030504040204" pitchFamily="34" charset="-120"/>
             </a:endParaRPr>
           </a:p>
           <a:p>
@@ -3733,10 +8897,13 @@
             </a:pPr>
             <a:endParaRPr lang="en-US" altLang="zh-TW" b="0" i="0" dirty="0">
               <a:solidFill>
-                <a:srgbClr val="DBDEE1"/>
+                <a:schemeClr val="bg2">
+                  <a:lumMod val="25000"/>
+                </a:schemeClr>
               </a:solidFill>
               <a:effectLst/>
-              <a:latin typeface="Consolas" panose="020B0609020204030204" pitchFamily="49" charset="0"/>
+              <a:latin typeface="微軟正黑體" panose="020B0604030504040204" pitchFamily="34" charset="-120"/>
+              <a:ea typeface="微軟正黑體" panose="020B0604030504040204" pitchFamily="34" charset="-120"/>
             </a:endParaRPr>
           </a:p>
           <a:p>
@@ -3746,29 +8913,38 @@
             <a:r>
               <a:rPr lang="en-US" altLang="zh-TW" b="0" i="0" dirty="0">
                 <a:solidFill>
-                  <a:srgbClr val="DBDEE1"/>
-                </a:solidFill>
-                <a:effectLst/>
-                <a:latin typeface="Consolas" panose="020B0609020204030204" pitchFamily="49" charset="0"/>
+                  <a:schemeClr val="bg2">
+                    <a:lumMod val="25000"/>
+                  </a:schemeClr>
+                </a:solidFill>
+                <a:effectLst/>
+                <a:latin typeface="微軟正黑體" panose="020B0604030504040204" pitchFamily="34" charset="-120"/>
+                <a:ea typeface="微軟正黑體" panose="020B0604030504040204" pitchFamily="34" charset="-120"/>
               </a:rPr>
               <a:t>What</a:t>
             </a:r>
             <a:r>
               <a:rPr lang="zh-TW" altLang="en-US" b="0" i="0" dirty="0">
                 <a:solidFill>
-                  <a:srgbClr val="DBDEE1"/>
-                </a:solidFill>
-                <a:effectLst/>
-                <a:latin typeface="Consolas" panose="020B0609020204030204" pitchFamily="49" charset="0"/>
+                  <a:schemeClr val="bg2">
+                    <a:lumMod val="25000"/>
+                  </a:schemeClr>
+                </a:solidFill>
+                <a:effectLst/>
+                <a:latin typeface="微軟正黑體" panose="020B0604030504040204" pitchFamily="34" charset="-120"/>
+                <a:ea typeface="微軟正黑體" panose="020B0604030504040204" pitchFamily="34" charset="-120"/>
               </a:rPr>
               <a:t>： </a:t>
             </a:r>
             <a:endParaRPr lang="en-US" altLang="zh-TW" b="0" i="0" dirty="0">
               <a:solidFill>
-                <a:srgbClr val="DBDEE1"/>
+                <a:schemeClr val="bg2">
+                  <a:lumMod val="25000"/>
+                </a:schemeClr>
               </a:solidFill>
               <a:effectLst/>
-              <a:latin typeface="Consolas" panose="020B0609020204030204" pitchFamily="49" charset="0"/>
+              <a:latin typeface="微軟正黑體" panose="020B0604030504040204" pitchFamily="34" charset="-120"/>
+              <a:ea typeface="微軟正黑體" panose="020B0604030504040204" pitchFamily="34" charset="-120"/>
             </a:endParaRPr>
           </a:p>
           <a:p>
@@ -3778,19 +8954,25 @@
             <a:r>
               <a:rPr lang="zh-TW" altLang="en-US" sz="2400" b="0" i="0" dirty="0">
                 <a:solidFill>
-                  <a:srgbClr val="DBDEE1"/>
-                </a:solidFill>
-                <a:effectLst/>
-                <a:latin typeface="Consolas" panose="020B0609020204030204" pitchFamily="49" charset="0"/>
+                  <a:schemeClr val="bg2">
+                    <a:lumMod val="25000"/>
+                  </a:schemeClr>
+                </a:solidFill>
+                <a:effectLst/>
+                <a:latin typeface="微軟正黑體" panose="020B0604030504040204" pitchFamily="34" charset="-120"/>
+                <a:ea typeface="微軟正黑體" panose="020B0604030504040204" pitchFamily="34" charset="-120"/>
               </a:rPr>
               <a:t>問題：分析和預測哪些客戶更有可能獲得信用卡發放。 </a:t>
             </a:r>
             <a:endParaRPr lang="en-US" altLang="zh-TW" sz="2400" b="0" i="0" dirty="0">
               <a:solidFill>
-                <a:srgbClr val="DBDEE1"/>
+                <a:schemeClr val="bg2">
+                  <a:lumMod val="25000"/>
+                </a:schemeClr>
               </a:solidFill>
               <a:effectLst/>
-              <a:latin typeface="Consolas" panose="020B0609020204030204" pitchFamily="49" charset="0"/>
+              <a:latin typeface="微軟正黑體" panose="020B0604030504040204" pitchFamily="34" charset="-120"/>
+              <a:ea typeface="微軟正黑體" panose="020B0604030504040204" pitchFamily="34" charset="-120"/>
             </a:endParaRPr>
           </a:p>
           <a:p>
@@ -3800,19 +8982,25 @@
             <a:r>
               <a:rPr lang="zh-TW" altLang="en-US" sz="2400" b="0" i="0" dirty="0">
                 <a:solidFill>
-                  <a:srgbClr val="DBDEE1"/>
-                </a:solidFill>
-                <a:effectLst/>
-                <a:latin typeface="Consolas" panose="020B0609020204030204" pitchFamily="49" charset="0"/>
+                  <a:schemeClr val="bg2">
+                    <a:lumMod val="25000"/>
+                  </a:schemeClr>
+                </a:solidFill>
+                <a:effectLst/>
+                <a:latin typeface="微軟正黑體" panose="020B0604030504040204" pitchFamily="34" charset="-120"/>
+                <a:ea typeface="微軟正黑體" panose="020B0604030504040204" pitchFamily="34" charset="-120"/>
               </a:rPr>
               <a:t>數據：包括客戶的收入、支出、信用記錄、就業情況、居住狀況等信息。 模型目標：建立一個能夠根據客戶資料預測信用卡批核結果的機器學習模型 </a:t>
             </a:r>
             <a:endParaRPr lang="en-US" altLang="zh-TW" sz="2400" b="0" i="0" dirty="0">
               <a:solidFill>
-                <a:srgbClr val="DBDEE1"/>
+                <a:schemeClr val="bg2">
+                  <a:lumMod val="25000"/>
+                </a:schemeClr>
               </a:solidFill>
               <a:effectLst/>
-              <a:latin typeface="Consolas" panose="020B0609020204030204" pitchFamily="49" charset="0"/>
+              <a:latin typeface="微軟正黑體" panose="020B0604030504040204" pitchFamily="34" charset="-120"/>
+              <a:ea typeface="微軟正黑體" panose="020B0604030504040204" pitchFamily="34" charset="-120"/>
             </a:endParaRPr>
           </a:p>
           <a:p>
@@ -3821,9 +9009,12 @@
             </a:pPr>
             <a:endParaRPr lang="en-US" altLang="zh-TW" dirty="0">
               <a:solidFill>
-                <a:srgbClr val="DBDEE1"/>
+                <a:schemeClr val="bg2">
+                  <a:lumMod val="25000"/>
+                </a:schemeClr>
               </a:solidFill>
-              <a:latin typeface="Consolas" panose="020B0609020204030204" pitchFamily="49" charset="0"/>
+              <a:latin typeface="微軟正黑體" panose="020B0604030504040204" pitchFamily="34" charset="-120"/>
+              <a:ea typeface="微軟正黑體" panose="020B0604030504040204" pitchFamily="34" charset="-120"/>
             </a:endParaRPr>
           </a:p>
           <a:p>
@@ -3833,29 +9024,38 @@
             <a:r>
               <a:rPr lang="en-US" altLang="zh-TW" b="0" i="0" dirty="0">
                 <a:solidFill>
-                  <a:srgbClr val="DBDEE1"/>
-                </a:solidFill>
-                <a:effectLst/>
-                <a:latin typeface="Consolas" panose="020B0609020204030204" pitchFamily="49" charset="0"/>
+                  <a:schemeClr val="bg2">
+                    <a:lumMod val="25000"/>
+                  </a:schemeClr>
+                </a:solidFill>
+                <a:effectLst/>
+                <a:latin typeface="微軟正黑體" panose="020B0604030504040204" pitchFamily="34" charset="-120"/>
+                <a:ea typeface="微軟正黑體" panose="020B0604030504040204" pitchFamily="34" charset="-120"/>
               </a:rPr>
               <a:t>When</a:t>
             </a:r>
             <a:r>
               <a:rPr lang="zh-TW" altLang="en-US" b="0" i="0" dirty="0">
                 <a:solidFill>
-                  <a:srgbClr val="DBDEE1"/>
-                </a:solidFill>
-                <a:effectLst/>
-                <a:latin typeface="Consolas" panose="020B0609020204030204" pitchFamily="49" charset="0"/>
+                  <a:schemeClr val="bg2">
+                    <a:lumMod val="25000"/>
+                  </a:schemeClr>
+                </a:solidFill>
+                <a:effectLst/>
+                <a:latin typeface="微軟正黑體" panose="020B0604030504040204" pitchFamily="34" charset="-120"/>
+                <a:ea typeface="微軟正黑體" panose="020B0604030504040204" pitchFamily="34" charset="-120"/>
               </a:rPr>
               <a:t>： </a:t>
             </a:r>
             <a:endParaRPr lang="en-US" altLang="zh-TW" b="0" i="0" dirty="0">
               <a:solidFill>
-                <a:srgbClr val="DBDEE1"/>
+                <a:schemeClr val="bg2">
+                  <a:lumMod val="25000"/>
+                </a:schemeClr>
               </a:solidFill>
               <a:effectLst/>
-              <a:latin typeface="Consolas" panose="020B0609020204030204" pitchFamily="49" charset="0"/>
+              <a:latin typeface="微軟正黑體" panose="020B0604030504040204" pitchFamily="34" charset="-120"/>
+              <a:ea typeface="微軟正黑體" panose="020B0604030504040204" pitchFamily="34" charset="-120"/>
             </a:endParaRPr>
           </a:p>
           <a:p>
@@ -3865,19 +9065,25 @@
             <a:r>
               <a:rPr lang="zh-TW" altLang="en-US" sz="2400" b="0" i="0" dirty="0">
                 <a:solidFill>
-                  <a:srgbClr val="DBDEE1"/>
-                </a:solidFill>
-                <a:effectLst/>
-                <a:latin typeface="Consolas" panose="020B0609020204030204" pitchFamily="49" charset="0"/>
+                  <a:schemeClr val="bg2">
+                    <a:lumMod val="25000"/>
+                  </a:schemeClr>
+                </a:solidFill>
+                <a:effectLst/>
+                <a:latin typeface="微軟正黑體" panose="020B0604030504040204" pitchFamily="34" charset="-120"/>
+                <a:ea typeface="微軟正黑體" panose="020B0604030504040204" pitchFamily="34" charset="-120"/>
               </a:rPr>
               <a:t>模型更新：不能拿過於久遠的數據預測預測當今人類是否符合標準。 </a:t>
             </a:r>
             <a:endParaRPr lang="en-US" altLang="zh-TW" sz="2400" b="0" i="0" dirty="0">
               <a:solidFill>
-                <a:srgbClr val="DBDEE1"/>
+                <a:schemeClr val="bg2">
+                  <a:lumMod val="25000"/>
+                </a:schemeClr>
               </a:solidFill>
               <a:effectLst/>
-              <a:latin typeface="Consolas" panose="020B0609020204030204" pitchFamily="49" charset="0"/>
+              <a:latin typeface="微軟正黑體" panose="020B0604030504040204" pitchFamily="34" charset="-120"/>
+              <a:ea typeface="微軟正黑體" panose="020B0604030504040204" pitchFamily="34" charset="-120"/>
             </a:endParaRPr>
           </a:p>
           <a:p>
@@ -3887,19 +9093,25 @@
             <a:r>
               <a:rPr lang="zh-TW" altLang="en-US" sz="2400" b="0" i="0" dirty="0">
                 <a:solidFill>
-                  <a:srgbClr val="DBDEE1"/>
-                </a:solidFill>
-                <a:effectLst/>
-                <a:latin typeface="Consolas" panose="020B0609020204030204" pitchFamily="49" charset="0"/>
+                  <a:schemeClr val="bg2">
+                    <a:lumMod val="25000"/>
+                  </a:schemeClr>
+                </a:solidFill>
+                <a:effectLst/>
+                <a:latin typeface="微軟正黑體" panose="020B0604030504040204" pitchFamily="34" charset="-120"/>
+                <a:ea typeface="微軟正黑體" panose="020B0604030504040204" pitchFamily="34" charset="-120"/>
               </a:rPr>
               <a:t>判斷發卡時機：當客戶提交信用卡申請時，模型能預測其批核結果。</a:t>
             </a:r>
             <a:endParaRPr lang="en-US" altLang="zh-TW" sz="2400" b="0" i="0" dirty="0">
               <a:solidFill>
-                <a:srgbClr val="DBDEE1"/>
+                <a:schemeClr val="bg2">
+                  <a:lumMod val="25000"/>
+                </a:schemeClr>
               </a:solidFill>
               <a:effectLst/>
-              <a:latin typeface="Consolas" panose="020B0609020204030204" pitchFamily="49" charset="0"/>
+              <a:latin typeface="微軟正黑體" panose="020B0604030504040204" pitchFamily="34" charset="-120"/>
+              <a:ea typeface="微軟正黑體" panose="020B0604030504040204" pitchFamily="34" charset="-120"/>
             </a:endParaRPr>
           </a:p>
         </p:txBody>
@@ -3968,29 +9180,38 @@
             <a:r>
               <a:rPr lang="en-US" altLang="zh-TW" sz="2400" b="0" i="0" dirty="0">
                 <a:solidFill>
-                  <a:srgbClr val="DBDEE1"/>
-                </a:solidFill>
-                <a:effectLst/>
-                <a:latin typeface="Consolas" panose="020B0609020204030204" pitchFamily="49" charset="0"/>
+                  <a:schemeClr val="bg2">
+                    <a:lumMod val="25000"/>
+                  </a:schemeClr>
+                </a:solidFill>
+                <a:effectLst/>
+                <a:latin typeface="微軟正黑體" panose="020B0604030504040204" pitchFamily="34" charset="-120"/>
+                <a:ea typeface="微軟正黑體" panose="020B0604030504040204" pitchFamily="34" charset="-120"/>
               </a:rPr>
               <a:t>Where</a:t>
             </a:r>
             <a:r>
               <a:rPr lang="zh-TW" altLang="en-US" sz="2400" b="0" i="0" dirty="0">
                 <a:solidFill>
-                  <a:srgbClr val="DBDEE1"/>
-                </a:solidFill>
-                <a:effectLst/>
-                <a:latin typeface="Consolas" panose="020B0609020204030204" pitchFamily="49" charset="0"/>
+                  <a:schemeClr val="bg2">
+                    <a:lumMod val="25000"/>
+                  </a:schemeClr>
+                </a:solidFill>
+                <a:effectLst/>
+                <a:latin typeface="微軟正黑體" panose="020B0604030504040204" pitchFamily="34" charset="-120"/>
+                <a:ea typeface="微軟正黑體" panose="020B0604030504040204" pitchFamily="34" charset="-120"/>
               </a:rPr>
               <a:t>： </a:t>
             </a:r>
             <a:endParaRPr lang="en-US" altLang="zh-TW" sz="2400" b="0" i="0" dirty="0">
               <a:solidFill>
-                <a:srgbClr val="DBDEE1"/>
+                <a:schemeClr val="bg2">
+                  <a:lumMod val="25000"/>
+                </a:schemeClr>
               </a:solidFill>
               <a:effectLst/>
-              <a:latin typeface="Consolas" panose="020B0609020204030204" pitchFamily="49" charset="0"/>
+              <a:latin typeface="微軟正黑體" panose="020B0604030504040204" pitchFamily="34" charset="-120"/>
+              <a:ea typeface="微軟正黑體" panose="020B0604030504040204" pitchFamily="34" charset="-120"/>
             </a:endParaRPr>
           </a:p>
           <a:p>
@@ -3998,30 +9219,40 @@
               <a:buNone/>
             </a:pPr>
             <a:r>
-              <a:rPr lang="en-US" altLang="zh-TW" sz="2400" dirty="0">
-                <a:solidFill>
-                  <a:srgbClr val="DBDEE1"/>
-                </a:solidFill>
-                <a:latin typeface="Consolas" panose="020B0609020204030204" pitchFamily="49" charset="0"/>
+              <a:rPr lang="en-US" altLang="zh-TW" sz="2400" b="0" i="0" dirty="0">
+                <a:solidFill>
+                  <a:schemeClr val="bg2">
+                    <a:lumMod val="25000"/>
+                  </a:schemeClr>
+                </a:solidFill>
+                <a:effectLst/>
+                <a:latin typeface="微軟正黑體" panose="020B0604030504040204" pitchFamily="34" charset="-120"/>
+                <a:ea typeface="微軟正黑體" panose="020B0604030504040204" pitchFamily="34" charset="-120"/>
               </a:rPr>
               <a:t>	</a:t>
             </a:r>
             <a:r>
               <a:rPr lang="zh-TW" altLang="en-US" sz="2400" b="0" i="0" dirty="0">
                 <a:solidFill>
-                  <a:srgbClr val="DBDEE1"/>
-                </a:solidFill>
-                <a:effectLst/>
-                <a:latin typeface="Consolas" panose="020B0609020204030204" pitchFamily="49" charset="0"/>
+                  <a:schemeClr val="bg2">
+                    <a:lumMod val="25000"/>
+                  </a:schemeClr>
+                </a:solidFill>
+                <a:effectLst/>
+                <a:latin typeface="微軟正黑體" panose="020B0604030504040204" pitchFamily="34" charset="-120"/>
+                <a:ea typeface="微軟正黑體" panose="020B0604030504040204" pitchFamily="34" charset="-120"/>
               </a:rPr>
               <a:t>電腦、雲端平台．．．等。 </a:t>
             </a:r>
             <a:endParaRPr lang="en-US" altLang="zh-TW" sz="2400" b="0" i="0" dirty="0">
               <a:solidFill>
-                <a:srgbClr val="DBDEE1"/>
+                <a:schemeClr val="bg2">
+                  <a:lumMod val="25000"/>
+                </a:schemeClr>
               </a:solidFill>
               <a:effectLst/>
-              <a:latin typeface="Consolas" panose="020B0609020204030204" pitchFamily="49" charset="0"/>
+              <a:latin typeface="微軟正黑體" panose="020B0604030504040204" pitchFamily="34" charset="-120"/>
+              <a:ea typeface="微軟正黑體" panose="020B0604030504040204" pitchFamily="34" charset="-120"/>
             </a:endParaRPr>
           </a:p>
           <a:p>
@@ -4030,10 +9261,13 @@
             </a:pPr>
             <a:endParaRPr lang="en-US" altLang="zh-TW" sz="2400" b="0" i="0" dirty="0">
               <a:solidFill>
-                <a:srgbClr val="DBDEE1"/>
+                <a:schemeClr val="bg2">
+                  <a:lumMod val="25000"/>
+                </a:schemeClr>
               </a:solidFill>
               <a:effectLst/>
-              <a:latin typeface="Consolas" panose="020B0609020204030204" pitchFamily="49" charset="0"/>
+              <a:latin typeface="微軟正黑體" panose="020B0604030504040204" pitchFamily="34" charset="-120"/>
+              <a:ea typeface="微軟正黑體" panose="020B0604030504040204" pitchFamily="34" charset="-120"/>
             </a:endParaRPr>
           </a:p>
           <a:p>
@@ -4043,29 +9277,38 @@
             <a:r>
               <a:rPr lang="en-US" altLang="zh-TW" sz="2400" b="0" i="0" dirty="0">
                 <a:solidFill>
-                  <a:srgbClr val="DBDEE1"/>
-                </a:solidFill>
-                <a:effectLst/>
-                <a:latin typeface="Consolas" panose="020B0609020204030204" pitchFamily="49" charset="0"/>
+                  <a:schemeClr val="bg2">
+                    <a:lumMod val="25000"/>
+                  </a:schemeClr>
+                </a:solidFill>
+                <a:effectLst/>
+                <a:latin typeface="微軟正黑體" panose="020B0604030504040204" pitchFamily="34" charset="-120"/>
+                <a:ea typeface="微軟正黑體" panose="020B0604030504040204" pitchFamily="34" charset="-120"/>
               </a:rPr>
               <a:t>Why</a:t>
             </a:r>
             <a:r>
               <a:rPr lang="zh-TW" altLang="en-US" sz="2400" b="0" i="0" dirty="0">
                 <a:solidFill>
-                  <a:srgbClr val="DBDEE1"/>
-                </a:solidFill>
-                <a:effectLst/>
-                <a:latin typeface="Consolas" panose="020B0609020204030204" pitchFamily="49" charset="0"/>
+                  <a:schemeClr val="bg2">
+                    <a:lumMod val="25000"/>
+                  </a:schemeClr>
+                </a:solidFill>
+                <a:effectLst/>
+                <a:latin typeface="微軟正黑體" panose="020B0604030504040204" pitchFamily="34" charset="-120"/>
+                <a:ea typeface="微軟正黑體" panose="020B0604030504040204" pitchFamily="34" charset="-120"/>
               </a:rPr>
               <a:t>： </a:t>
             </a:r>
             <a:endParaRPr lang="en-US" altLang="zh-TW" sz="2400" b="0" i="0" dirty="0">
               <a:solidFill>
-                <a:srgbClr val="DBDEE1"/>
+                <a:schemeClr val="bg2">
+                  <a:lumMod val="25000"/>
+                </a:schemeClr>
               </a:solidFill>
               <a:effectLst/>
-              <a:latin typeface="Consolas" panose="020B0609020204030204" pitchFamily="49" charset="0"/>
+              <a:latin typeface="微軟正黑體" panose="020B0604030504040204" pitchFamily="34" charset="-120"/>
+              <a:ea typeface="微軟正黑體" panose="020B0604030504040204" pitchFamily="34" charset="-120"/>
             </a:endParaRPr>
           </a:p>
           <a:p>
@@ -4075,19 +9318,25 @@
             <a:r>
               <a:rPr lang="zh-TW" altLang="en-US" b="0" i="0" dirty="0">
                 <a:solidFill>
-                  <a:srgbClr val="DBDEE1"/>
-                </a:solidFill>
-                <a:effectLst/>
-                <a:latin typeface="Consolas" panose="020B0609020204030204" pitchFamily="49" charset="0"/>
+                  <a:schemeClr val="bg2">
+                    <a:lumMod val="25000"/>
+                  </a:schemeClr>
+                </a:solidFill>
+                <a:effectLst/>
+                <a:latin typeface="微軟正黑體" panose="020B0604030504040204" pitchFamily="34" charset="-120"/>
+                <a:ea typeface="微軟正黑體" panose="020B0604030504040204" pitchFamily="34" charset="-120"/>
               </a:rPr>
               <a:t>風險管理：預測信用風險。 客戶體驗：用機器能快速準確的批核過程提升客戶滿意度。 </a:t>
             </a:r>
             <a:endParaRPr lang="en-US" altLang="zh-TW" b="0" i="0" dirty="0">
               <a:solidFill>
-                <a:srgbClr val="DBDEE1"/>
+                <a:schemeClr val="bg2">
+                  <a:lumMod val="25000"/>
+                </a:schemeClr>
               </a:solidFill>
               <a:effectLst/>
-              <a:latin typeface="Consolas" panose="020B0609020204030204" pitchFamily="49" charset="0"/>
+              <a:latin typeface="微軟正黑體" panose="020B0604030504040204" pitchFamily="34" charset="-120"/>
+              <a:ea typeface="微軟正黑體" panose="020B0604030504040204" pitchFamily="34" charset="-120"/>
             </a:endParaRPr>
           </a:p>
           <a:p>
@@ -4096,10 +9345,13 @@
             </a:pPr>
             <a:endParaRPr lang="en-US" altLang="zh-TW" sz="2400" b="0" i="0" dirty="0">
               <a:solidFill>
-                <a:srgbClr val="DBDEE1"/>
+                <a:schemeClr val="bg2">
+                  <a:lumMod val="25000"/>
+                </a:schemeClr>
               </a:solidFill>
               <a:effectLst/>
-              <a:latin typeface="Consolas" panose="020B0609020204030204" pitchFamily="49" charset="0"/>
+              <a:latin typeface="微軟正黑體" panose="020B0604030504040204" pitchFamily="34" charset="-120"/>
+              <a:ea typeface="微軟正黑體" panose="020B0604030504040204" pitchFamily="34" charset="-120"/>
             </a:endParaRPr>
           </a:p>
           <a:p>
@@ -4109,29 +9361,38 @@
             <a:r>
               <a:rPr lang="en-US" altLang="zh-TW" sz="2400" b="0" i="0" dirty="0">
                 <a:solidFill>
-                  <a:srgbClr val="DBDEE1"/>
-                </a:solidFill>
-                <a:effectLst/>
-                <a:latin typeface="Consolas" panose="020B0609020204030204" pitchFamily="49" charset="0"/>
+                  <a:schemeClr val="bg2">
+                    <a:lumMod val="25000"/>
+                  </a:schemeClr>
+                </a:solidFill>
+                <a:effectLst/>
+                <a:latin typeface="微軟正黑體" panose="020B0604030504040204" pitchFamily="34" charset="-120"/>
+                <a:ea typeface="微軟正黑體" panose="020B0604030504040204" pitchFamily="34" charset="-120"/>
               </a:rPr>
               <a:t>How</a:t>
             </a:r>
             <a:r>
               <a:rPr lang="zh-TW" altLang="en-US" sz="2400" b="0" i="0" dirty="0">
                 <a:solidFill>
-                  <a:srgbClr val="DBDEE1"/>
-                </a:solidFill>
-                <a:effectLst/>
-                <a:latin typeface="Consolas" panose="020B0609020204030204" pitchFamily="49" charset="0"/>
+                  <a:schemeClr val="bg2">
+                    <a:lumMod val="25000"/>
+                  </a:schemeClr>
+                </a:solidFill>
+                <a:effectLst/>
+                <a:latin typeface="微軟正黑體" panose="020B0604030504040204" pitchFamily="34" charset="-120"/>
+                <a:ea typeface="微軟正黑體" panose="020B0604030504040204" pitchFamily="34" charset="-120"/>
               </a:rPr>
               <a:t>： </a:t>
             </a:r>
             <a:endParaRPr lang="en-US" altLang="zh-TW" sz="2400" b="0" i="0" dirty="0">
               <a:solidFill>
-                <a:srgbClr val="DBDEE1"/>
+                <a:schemeClr val="bg2">
+                  <a:lumMod val="25000"/>
+                </a:schemeClr>
               </a:solidFill>
               <a:effectLst/>
-              <a:latin typeface="Consolas" panose="020B0609020204030204" pitchFamily="49" charset="0"/>
+              <a:latin typeface="微軟正黑體" panose="020B0604030504040204" pitchFamily="34" charset="-120"/>
+              <a:ea typeface="微軟正黑體" panose="020B0604030504040204" pitchFamily="34" charset="-120"/>
             </a:endParaRPr>
           </a:p>
           <a:p>
@@ -4141,19 +9402,25 @@
             <a:r>
               <a:rPr lang="zh-TW" altLang="en-US" b="0" i="0" dirty="0">
                 <a:solidFill>
-                  <a:srgbClr val="DBDEE1"/>
-                </a:solidFill>
-                <a:effectLst/>
-                <a:latin typeface="Consolas" panose="020B0609020204030204" pitchFamily="49" charset="0"/>
+                  <a:schemeClr val="bg2">
+                    <a:lumMod val="25000"/>
+                  </a:schemeClr>
+                </a:solidFill>
+                <a:effectLst/>
+                <a:latin typeface="微軟正黑體" panose="020B0604030504040204" pitchFamily="34" charset="-120"/>
+                <a:ea typeface="微軟正黑體" panose="020B0604030504040204" pitchFamily="34" charset="-120"/>
               </a:rPr>
               <a:t>數據預處理：特徵工程、檢查缺失值、分析數據合理性、正規化．．．等。 </a:t>
             </a:r>
             <a:endParaRPr lang="en-US" altLang="zh-TW" b="0" i="0" dirty="0">
               <a:solidFill>
-                <a:srgbClr val="DBDEE1"/>
+                <a:schemeClr val="bg2">
+                  <a:lumMod val="25000"/>
+                </a:schemeClr>
               </a:solidFill>
               <a:effectLst/>
-              <a:latin typeface="Consolas" panose="020B0609020204030204" pitchFamily="49" charset="0"/>
+              <a:latin typeface="微軟正黑體" panose="020B0604030504040204" pitchFamily="34" charset="-120"/>
+              <a:ea typeface="微軟正黑體" panose="020B0604030504040204" pitchFamily="34" charset="-120"/>
             </a:endParaRPr>
           </a:p>
           <a:p>
@@ -4163,14 +9430,25 @@
             <a:r>
               <a:rPr lang="zh-TW" altLang="en-US" b="0" i="0" dirty="0">
                 <a:solidFill>
-                  <a:srgbClr val="DBDEE1"/>
-                </a:solidFill>
-                <a:effectLst/>
-                <a:latin typeface="Consolas" panose="020B0609020204030204" pitchFamily="49" charset="0"/>
+                  <a:schemeClr val="bg2">
+                    <a:lumMod val="25000"/>
+                  </a:schemeClr>
+                </a:solidFill>
+                <a:effectLst/>
+                <a:latin typeface="微軟正黑體" panose="020B0604030504040204" pitchFamily="34" charset="-120"/>
+                <a:ea typeface="微軟正黑體" panose="020B0604030504040204" pitchFamily="34" charset="-120"/>
               </a:rPr>
               <a:t>模型選擇：選擇合適的機器學習算法。 訓練和評估：使用歷史數據訓練模型並使用測試數據做評估。</a:t>
             </a:r>
-            <a:endParaRPr lang="zh-TW" altLang="en-US" dirty="0"/>
+            <a:endParaRPr lang="zh-TW" altLang="en-US" dirty="0">
+              <a:solidFill>
+                <a:schemeClr val="bg2">
+                  <a:lumMod val="25000"/>
+                </a:schemeClr>
+              </a:solidFill>
+              <a:latin typeface="微軟正黑體" panose="020B0604030504040204" pitchFamily="34" charset="-120"/>
+              <a:ea typeface="微軟正黑體" panose="020B0604030504040204" pitchFamily="34" charset="-120"/>
+            </a:endParaRPr>
           </a:p>
         </p:txBody>
       </p:sp>
@@ -4230,14 +9508,25 @@
             <a:r>
               <a:rPr lang="zh-TW" altLang="en-US" b="0" i="0" dirty="0">
                 <a:solidFill>
-                  <a:srgbClr val="DBDEE1"/>
-                </a:solidFill>
-                <a:effectLst/>
-                <a:latin typeface="Consolas" panose="020B0609020204030204" pitchFamily="49" charset="0"/>
+                  <a:schemeClr val="bg2">
+                    <a:lumMod val="25000"/>
+                  </a:schemeClr>
+                </a:solidFill>
+                <a:effectLst/>
+                <a:latin typeface="微軟正黑體" panose="020B0604030504040204" pitchFamily="34" charset="-120"/>
+                <a:ea typeface="微軟正黑體" panose="020B0604030504040204" pitchFamily="34" charset="-120"/>
               </a:rPr>
               <a:t>資料來源：</a:t>
             </a:r>
-            <a:endParaRPr lang="zh-TW" altLang="en-US" dirty="0"/>
+            <a:endParaRPr lang="zh-TW" altLang="en-US" dirty="0">
+              <a:solidFill>
+                <a:schemeClr val="bg2">
+                  <a:lumMod val="25000"/>
+                </a:schemeClr>
+              </a:solidFill>
+              <a:latin typeface="微軟正黑體" panose="020B0604030504040204" pitchFamily="34" charset="-120"/>
+              <a:ea typeface="微軟正黑體" panose="020B0604030504040204" pitchFamily="34" charset="-120"/>
+            </a:endParaRPr>
           </a:p>
         </p:txBody>
       </p:sp>
@@ -4265,14 +9554,25 @@
             <a:r>
               <a:rPr lang="en-US" altLang="zh-TW" b="0" i="0" dirty="0">
                 <a:solidFill>
-                  <a:srgbClr val="DBDEE1"/>
-                </a:solidFill>
-                <a:effectLst/>
-                <a:latin typeface="Consolas" panose="020B0609020204030204" pitchFamily="49" charset="0"/>
+                  <a:schemeClr val="bg2">
+                    <a:lumMod val="25000"/>
+                  </a:schemeClr>
+                </a:solidFill>
+                <a:effectLst/>
+                <a:latin typeface="微軟正黑體" panose="020B0604030504040204" pitchFamily="34" charset="-120"/>
+                <a:ea typeface="微軟正黑體" panose="020B0604030504040204" pitchFamily="34" charset="-120"/>
               </a:rPr>
               <a:t>https://www.kaggle.com/datasets/dansbecker/aer-credit-card-data/code</a:t>
             </a:r>
-            <a:endParaRPr lang="zh-TW" altLang="en-US" dirty="0"/>
+            <a:endParaRPr lang="zh-TW" altLang="en-US" dirty="0">
+              <a:solidFill>
+                <a:schemeClr val="bg2">
+                  <a:lumMod val="25000"/>
+                </a:schemeClr>
+              </a:solidFill>
+              <a:latin typeface="微軟正黑體" panose="020B0604030504040204" pitchFamily="34" charset="-120"/>
+              <a:ea typeface="微軟正黑體" panose="020B0604030504040204" pitchFamily="34" charset="-120"/>
+            </a:endParaRPr>
           </a:p>
         </p:txBody>
       </p:sp>
@@ -4311,7 +9611,7 @@
           <p:cNvPr id="2" name="標題 1">
             <a:extLst>
               <a:ext uri="{FF2B5EF4-FFF2-40B4-BE49-F238E27FC236}">
-                <a16:creationId xmlns:a16="http://schemas.microsoft.com/office/drawing/2014/main" id="{5A70BF3D-E437-8E45-D4B4-48CD186673F6}"/>
+                <a16:creationId xmlns:a16="http://schemas.microsoft.com/office/drawing/2014/main" id="{2C460B97-B583-1DF5-C916-42DD42146B9E}"/>
               </a:ext>
             </a:extLst>
           </p:cNvPr>
@@ -4324,10 +9624,33 @@
         </p:nvSpPr>
         <p:spPr/>
         <p:txBody>
-          <a:bodyPr/>
+          <a:bodyPr>
+            <a:normAutofit/>
+          </a:bodyPr>
           <a:lstStyle/>
           <a:p>
-            <a:endParaRPr lang="zh-TW" altLang="en-US"/>
+            <a:r>
+              <a:rPr lang="zh-TW" altLang="en-US" sz="3200" b="0" i="0" dirty="0">
+                <a:solidFill>
+                  <a:schemeClr val="bg2">
+                    <a:lumMod val="25000"/>
+                  </a:schemeClr>
+                </a:solidFill>
+                <a:effectLst/>
+                <a:latin typeface="微軟正黑體" panose="020B0604030504040204" pitchFamily="34" charset="-120"/>
+                <a:ea typeface="微軟正黑體" panose="020B0604030504040204" pitchFamily="34" charset="-120"/>
+              </a:rPr>
+              <a:t>特徵介紹：</a:t>
+            </a:r>
+            <a:endParaRPr lang="zh-TW" altLang="en-US" sz="3200" dirty="0">
+              <a:solidFill>
+                <a:schemeClr val="bg2">
+                  <a:lumMod val="25000"/>
+                </a:schemeClr>
+              </a:solidFill>
+              <a:latin typeface="微軟正黑體" panose="020B0604030504040204" pitchFamily="34" charset="-120"/>
+              <a:ea typeface="微軟正黑體" panose="020B0604030504040204" pitchFamily="34" charset="-120"/>
+            </a:endParaRPr>
           </a:p>
         </p:txBody>
       </p:sp>
@@ -4336,7 +9659,7 @@
           <p:cNvPr id="3" name="內容版面配置區 2">
             <a:extLst>
               <a:ext uri="{FF2B5EF4-FFF2-40B4-BE49-F238E27FC236}">
-                <a16:creationId xmlns:a16="http://schemas.microsoft.com/office/drawing/2014/main" id="{952E226A-9FBE-30B7-1F11-9510C2B6E937}"/>
+                <a16:creationId xmlns:a16="http://schemas.microsoft.com/office/drawing/2014/main" id="{EA33B8E2-8614-C79F-5CF0-1859117A0EDE}"/>
               </a:ext>
             </a:extLst>
           </p:cNvPr>
@@ -4349,17 +9672,716 @@
         </p:nvSpPr>
         <p:spPr/>
         <p:txBody>
-          <a:bodyPr/>
+          <a:bodyPr>
+            <a:normAutofit/>
+          </a:bodyPr>
           <a:lstStyle/>
           <a:p>
-            <a:endParaRPr lang="zh-TW" altLang="en-US"/>
+            <a:r>
+              <a:rPr lang="en-US" altLang="zh-TW" sz="2000" dirty="0">
+                <a:solidFill>
+                  <a:schemeClr val="bg2">
+                    <a:lumMod val="25000"/>
+                  </a:schemeClr>
+                </a:solidFill>
+                <a:latin typeface="微軟正黑體" panose="020B0604030504040204" pitchFamily="34" charset="-120"/>
+                <a:ea typeface="微軟正黑體" panose="020B0604030504040204" pitchFamily="34" charset="-120"/>
+              </a:rPr>
+              <a:t>Row? Column? Target?</a:t>
+            </a:r>
+            <a:endParaRPr lang="zh-TW" altLang="en-US" sz="2000" dirty="0">
+              <a:solidFill>
+                <a:schemeClr val="bg2">
+                  <a:lumMod val="25000"/>
+                </a:schemeClr>
+              </a:solidFill>
+              <a:latin typeface="微軟正黑體" panose="020B0604030504040204" pitchFamily="34" charset="-120"/>
+              <a:ea typeface="微軟正黑體" panose="020B0604030504040204" pitchFamily="34" charset="-120"/>
+            </a:endParaRPr>
           </a:p>
         </p:txBody>
       </p:sp>
     </p:spTree>
     <p:extLst>
       <p:ext uri="{BB962C8B-B14F-4D97-AF65-F5344CB8AC3E}">
-        <p14:creationId xmlns:p14="http://schemas.microsoft.com/office/powerpoint/2010/main" val="2504689034"/>
+        <p14:creationId xmlns:p14="http://schemas.microsoft.com/office/powerpoint/2010/main" val="1923011714"/>
+      </p:ext>
+    </p:extLst>
+  </p:cSld>
+  <p:clrMapOvr>
+    <a:masterClrMapping/>
+  </p:clrMapOvr>
+</p:sld>
+</file>
+
+<file path=ppt/slides/slide7.xml><?xml version="1.0" encoding="utf-8"?>
+<p:sld xmlns:a="http://schemas.openxmlformats.org/drawingml/2006/main" xmlns:r="http://schemas.openxmlformats.org/officeDocument/2006/relationships" xmlns:p="http://schemas.openxmlformats.org/presentationml/2006/main">
+  <p:cSld>
+    <p:spTree>
+      <p:nvGrpSpPr>
+        <p:cNvPr id="1" name=""/>
+        <p:cNvGrpSpPr/>
+        <p:nvPr/>
+      </p:nvGrpSpPr>
+      <p:grpSpPr>
+        <a:xfrm>
+          <a:off x="0" y="0"/>
+          <a:ext cx="0" cy="0"/>
+          <a:chOff x="0" y="0"/>
+          <a:chExt cx="0" cy="0"/>
+        </a:xfrm>
+      </p:grpSpPr>
+      <p:sp>
+        <p:nvSpPr>
+          <p:cNvPr id="4" name="標題 1">
+            <a:extLst>
+              <a:ext uri="{FF2B5EF4-FFF2-40B4-BE49-F238E27FC236}">
+                <a16:creationId xmlns:a16="http://schemas.microsoft.com/office/drawing/2014/main" id="{2C460B97-B583-1DF5-C916-42DD42146B9E}"/>
+              </a:ext>
+            </a:extLst>
+          </p:cNvPr>
+          <p:cNvSpPr>
+            <a:spLocks noGrp="1"/>
+          </p:cNvSpPr>
+          <p:nvPr>
+            <p:ph type="title"/>
+          </p:nvPr>
+        </p:nvSpPr>
+        <p:spPr>
+          <a:xfrm>
+            <a:off x="838200" y="2103437"/>
+            <a:ext cx="10515600" cy="1325563"/>
+          </a:xfrm>
+        </p:spPr>
+        <p:txBody>
+          <a:bodyPr>
+            <a:normAutofit/>
+          </a:bodyPr>
+          <a:lstStyle/>
+          <a:p>
+            <a:r>
+              <a:rPr lang="zh-TW" altLang="en-US" sz="3200" b="0" i="0" dirty="0">
+                <a:solidFill>
+                  <a:schemeClr val="bg2">
+                    <a:lumMod val="25000"/>
+                  </a:schemeClr>
+                </a:solidFill>
+                <a:effectLst/>
+                <a:latin typeface="微軟正黑體" panose="020B0604030504040204" pitchFamily="34" charset="-120"/>
+                <a:ea typeface="微軟正黑體" panose="020B0604030504040204" pitchFamily="34" charset="-120"/>
+              </a:rPr>
+              <a:t>特徵分析</a:t>
+            </a:r>
+            <a:r>
+              <a:rPr lang="zh-TW" altLang="en-US" sz="3200" dirty="0">
+                <a:solidFill>
+                  <a:schemeClr val="bg2">
+                    <a:lumMod val="25000"/>
+                  </a:schemeClr>
+                </a:solidFill>
+                <a:latin typeface="微軟正黑體" panose="020B0604030504040204" pitchFamily="34" charset="-120"/>
+                <a:ea typeface="微軟正黑體" panose="020B0604030504040204" pitchFamily="34" charset="-120"/>
+              </a:rPr>
+              <a:t> </a:t>
+            </a:r>
+            <a:r>
+              <a:rPr lang="en-US" altLang="zh-TW" sz="3200" dirty="0">
+                <a:solidFill>
+                  <a:schemeClr val="bg2">
+                    <a:lumMod val="25000"/>
+                  </a:schemeClr>
+                </a:solidFill>
+                <a:latin typeface="微軟正黑體" panose="020B0604030504040204" pitchFamily="34" charset="-120"/>
+                <a:ea typeface="微軟正黑體" panose="020B0604030504040204" pitchFamily="34" charset="-120"/>
+              </a:rPr>
+              <a:t>–</a:t>
+            </a:r>
+            <a:r>
+              <a:rPr lang="zh-TW" altLang="en-US" sz="3200" dirty="0">
+                <a:solidFill>
+                  <a:schemeClr val="bg2">
+                    <a:lumMod val="25000"/>
+                  </a:schemeClr>
+                </a:solidFill>
+                <a:latin typeface="微軟正黑體" panose="020B0604030504040204" pitchFamily="34" charset="-120"/>
+                <a:ea typeface="微軟正黑體" panose="020B0604030504040204" pitchFamily="34" charset="-120"/>
+              </a:rPr>
+              <a:t> 概率分布曲線</a:t>
+            </a:r>
+            <a:r>
+              <a:rPr lang="en-US" altLang="zh-TW" sz="3200" dirty="0">
+                <a:solidFill>
+                  <a:schemeClr val="bg2">
+                    <a:lumMod val="25000"/>
+                  </a:schemeClr>
+                </a:solidFill>
+                <a:latin typeface="微軟正黑體" panose="020B0604030504040204" pitchFamily="34" charset="-120"/>
+                <a:ea typeface="微軟正黑體" panose="020B0604030504040204" pitchFamily="34" charset="-120"/>
+              </a:rPr>
+              <a:t>(</a:t>
+            </a:r>
+            <a:r>
+              <a:rPr lang="zh-TW" altLang="en-US" sz="3200" dirty="0">
+                <a:solidFill>
+                  <a:schemeClr val="bg2">
+                    <a:lumMod val="25000"/>
+                  </a:schemeClr>
+                </a:solidFill>
+                <a:latin typeface="微軟正黑體" panose="020B0604030504040204" pitchFamily="34" charset="-120"/>
+                <a:ea typeface="微軟正黑體" panose="020B0604030504040204" pitchFamily="34" charset="-120"/>
+              </a:rPr>
+              <a:t>取值範圍根據三西格瑪原則</a:t>
+            </a:r>
+            <a:r>
+              <a:rPr lang="en-US" altLang="zh-TW" sz="3200" dirty="0">
+                <a:solidFill>
+                  <a:schemeClr val="bg2">
+                    <a:lumMod val="25000"/>
+                  </a:schemeClr>
+                </a:solidFill>
+                <a:latin typeface="微軟正黑體" panose="020B0604030504040204" pitchFamily="34" charset="-120"/>
+                <a:ea typeface="微軟正黑體" panose="020B0604030504040204" pitchFamily="34" charset="-120"/>
+              </a:rPr>
+              <a:t>)</a:t>
+            </a:r>
+            <a:endParaRPr lang="zh-TW" altLang="en-US" sz="3200" dirty="0">
+              <a:solidFill>
+                <a:schemeClr val="bg2">
+                  <a:lumMod val="25000"/>
+                </a:schemeClr>
+              </a:solidFill>
+              <a:latin typeface="微軟正黑體" panose="020B0604030504040204" pitchFamily="34" charset="-120"/>
+              <a:ea typeface="微軟正黑體" panose="020B0604030504040204" pitchFamily="34" charset="-120"/>
+            </a:endParaRPr>
+          </a:p>
+        </p:txBody>
+      </p:sp>
+      <p:pic>
+        <p:nvPicPr>
+          <p:cNvPr id="6" name="圖片 5">
+            <a:extLst>
+              <a:ext uri="{FF2B5EF4-FFF2-40B4-BE49-F238E27FC236}">
+                <a16:creationId xmlns:a16="http://schemas.microsoft.com/office/drawing/2014/main" id="{950C8E64-51B6-03A8-89A2-7CE8DEFB2252}"/>
+              </a:ext>
+            </a:extLst>
+          </p:cNvPr>
+          <p:cNvPicPr>
+            <a:picLocks noChangeAspect="1"/>
+          </p:cNvPicPr>
+          <p:nvPr/>
+        </p:nvPicPr>
+        <p:blipFill>
+          <a:blip r:embed="rId2"/>
+          <a:stretch>
+            <a:fillRect/>
+          </a:stretch>
+        </p:blipFill>
+        <p:spPr>
+          <a:xfrm>
+            <a:off x="838200" y="3429000"/>
+            <a:ext cx="8960310" cy="1549480"/>
+          </a:xfrm>
+          <a:prstGeom prst="rect">
+            <a:avLst/>
+          </a:prstGeom>
+        </p:spPr>
+      </p:pic>
+    </p:spTree>
+    <p:extLst>
+      <p:ext uri="{BB962C8B-B14F-4D97-AF65-F5344CB8AC3E}">
+        <p14:creationId xmlns:p14="http://schemas.microsoft.com/office/powerpoint/2010/main" val="655094874"/>
+      </p:ext>
+    </p:extLst>
+  </p:cSld>
+  <p:clrMapOvr>
+    <a:masterClrMapping/>
+  </p:clrMapOvr>
+</p:sld>
+</file>
+
+<file path=ppt/slides/slide8.xml><?xml version="1.0" encoding="utf-8"?>
+<p:sld xmlns:a="http://schemas.openxmlformats.org/drawingml/2006/main" xmlns:r="http://schemas.openxmlformats.org/officeDocument/2006/relationships" xmlns:p="http://schemas.openxmlformats.org/presentationml/2006/main">
+  <p:cSld>
+    <p:spTree>
+      <p:nvGrpSpPr>
+        <p:cNvPr id="1" name=""/>
+        <p:cNvGrpSpPr/>
+        <p:nvPr/>
+      </p:nvGrpSpPr>
+      <p:grpSpPr>
+        <a:xfrm>
+          <a:off x="0" y="0"/>
+          <a:ext cx="0" cy="0"/>
+          <a:chOff x="0" y="0"/>
+          <a:chExt cx="0" cy="0"/>
+        </a:xfrm>
+      </p:grpSpPr>
+      <p:pic>
+        <p:nvPicPr>
+          <p:cNvPr id="109" name="圖片 108">
+            <a:extLst>
+              <a:ext uri="{FF2B5EF4-FFF2-40B4-BE49-F238E27FC236}">
+                <a16:creationId xmlns:a16="http://schemas.microsoft.com/office/drawing/2014/main" id="{2401A85D-3802-4795-E071-7599FD4A308E}"/>
+              </a:ext>
+            </a:extLst>
+          </p:cNvPr>
+          <p:cNvPicPr>
+            <a:picLocks noChangeAspect="1"/>
+          </p:cNvPicPr>
+          <p:nvPr/>
+        </p:nvPicPr>
+        <p:blipFill>
+          <a:blip r:embed="rId2">
+            <a:extLst>
+              <a:ext uri="{28A0092B-C50C-407E-A947-70E740481C1C}">
+                <a14:useLocalDpi xmlns:a14="http://schemas.microsoft.com/office/drawing/2010/main" val="0"/>
+              </a:ext>
+            </a:extLst>
+          </a:blip>
+          <a:stretch>
+            <a:fillRect/>
+          </a:stretch>
+        </p:blipFill>
+        <p:spPr>
+          <a:xfrm>
+            <a:off x="0" y="2403424"/>
+            <a:ext cx="6386079" cy="2128693"/>
+          </a:xfrm>
+          <a:prstGeom prst="rect">
+            <a:avLst/>
+          </a:prstGeom>
+        </p:spPr>
+      </p:pic>
+      <p:pic>
+        <p:nvPicPr>
+          <p:cNvPr id="113" name="圖片 112">
+            <a:extLst>
+              <a:ext uri="{FF2B5EF4-FFF2-40B4-BE49-F238E27FC236}">
+                <a16:creationId xmlns:a16="http://schemas.microsoft.com/office/drawing/2014/main" id="{CC07FEF8-A03B-970F-1BED-9DD16D49037B}"/>
+              </a:ext>
+            </a:extLst>
+          </p:cNvPr>
+          <p:cNvPicPr>
+            <a:picLocks noChangeAspect="1"/>
+          </p:cNvPicPr>
+          <p:nvPr/>
+        </p:nvPicPr>
+        <p:blipFill>
+          <a:blip r:embed="rId3">
+            <a:extLst>
+              <a:ext uri="{28A0092B-C50C-407E-A947-70E740481C1C}">
+                <a14:useLocalDpi xmlns:a14="http://schemas.microsoft.com/office/drawing/2010/main" val="0"/>
+              </a:ext>
+            </a:extLst>
+          </a:blip>
+          <a:stretch>
+            <a:fillRect/>
+          </a:stretch>
+        </p:blipFill>
+        <p:spPr>
+          <a:xfrm>
+            <a:off x="5805921" y="2394145"/>
+            <a:ext cx="6386079" cy="2128693"/>
+          </a:xfrm>
+          <a:prstGeom prst="rect">
+            <a:avLst/>
+          </a:prstGeom>
+        </p:spPr>
+      </p:pic>
+      <p:pic>
+        <p:nvPicPr>
+          <p:cNvPr id="115" name="圖片 114">
+            <a:extLst>
+              <a:ext uri="{FF2B5EF4-FFF2-40B4-BE49-F238E27FC236}">
+                <a16:creationId xmlns:a16="http://schemas.microsoft.com/office/drawing/2014/main" id="{2AC03412-BA94-8F80-7A95-83277F3057E2}"/>
+              </a:ext>
+            </a:extLst>
+          </p:cNvPr>
+          <p:cNvPicPr>
+            <a:picLocks noChangeAspect="1"/>
+          </p:cNvPicPr>
+          <p:nvPr/>
+        </p:nvPicPr>
+        <p:blipFill>
+          <a:blip r:embed="rId4">
+            <a:extLst>
+              <a:ext uri="{28A0092B-C50C-407E-A947-70E740481C1C}">
+                <a14:useLocalDpi xmlns:a14="http://schemas.microsoft.com/office/drawing/2010/main" val="0"/>
+              </a:ext>
+            </a:extLst>
+          </a:blip>
+          <a:stretch>
+            <a:fillRect/>
+          </a:stretch>
+        </p:blipFill>
+        <p:spPr>
+          <a:xfrm>
+            <a:off x="0" y="4631905"/>
+            <a:ext cx="6386079" cy="2128693"/>
+          </a:xfrm>
+          <a:prstGeom prst="rect">
+            <a:avLst/>
+          </a:prstGeom>
+        </p:spPr>
+      </p:pic>
+      <p:pic>
+        <p:nvPicPr>
+          <p:cNvPr id="121" name="圖片 120">
+            <a:extLst>
+              <a:ext uri="{FF2B5EF4-FFF2-40B4-BE49-F238E27FC236}">
+                <a16:creationId xmlns:a16="http://schemas.microsoft.com/office/drawing/2014/main" id="{AB29CBB4-C4B1-0083-F86B-F18BD02E3D0C}"/>
+              </a:ext>
+            </a:extLst>
+          </p:cNvPr>
+          <p:cNvPicPr>
+            <a:picLocks noChangeAspect="1"/>
+          </p:cNvPicPr>
+          <p:nvPr/>
+        </p:nvPicPr>
+        <p:blipFill>
+          <a:blip r:embed="rId5">
+            <a:extLst>
+              <a:ext uri="{28A0092B-C50C-407E-A947-70E740481C1C}">
+                <a14:useLocalDpi xmlns:a14="http://schemas.microsoft.com/office/drawing/2010/main" val="0"/>
+              </a:ext>
+            </a:extLst>
+          </a:blip>
+          <a:stretch>
+            <a:fillRect/>
+          </a:stretch>
+        </p:blipFill>
+        <p:spPr>
+          <a:xfrm>
+            <a:off x="5812971" y="4631904"/>
+            <a:ext cx="6386079" cy="2128693"/>
+          </a:xfrm>
+          <a:prstGeom prst="rect">
+            <a:avLst/>
+          </a:prstGeom>
+        </p:spPr>
+      </p:pic>
+      <p:pic>
+        <p:nvPicPr>
+          <p:cNvPr id="123" name="圖片 122">
+            <a:extLst>
+              <a:ext uri="{FF2B5EF4-FFF2-40B4-BE49-F238E27FC236}">
+                <a16:creationId xmlns:a16="http://schemas.microsoft.com/office/drawing/2014/main" id="{926BA974-3923-1123-3619-2B8E907DCB1E}"/>
+              </a:ext>
+            </a:extLst>
+          </p:cNvPr>
+          <p:cNvPicPr>
+            <a:picLocks noChangeAspect="1"/>
+          </p:cNvPicPr>
+          <p:nvPr/>
+        </p:nvPicPr>
+        <p:blipFill>
+          <a:blip r:embed="rId6">
+            <a:extLst>
+              <a:ext uri="{28A0092B-C50C-407E-A947-70E740481C1C}">
+                <a14:useLocalDpi xmlns:a14="http://schemas.microsoft.com/office/drawing/2010/main" val="0"/>
+              </a:ext>
+            </a:extLst>
+          </a:blip>
+          <a:stretch>
+            <a:fillRect/>
+          </a:stretch>
+        </p:blipFill>
+        <p:spPr>
+          <a:xfrm>
+            <a:off x="4489" y="170438"/>
+            <a:ext cx="6386079" cy="2128693"/>
+          </a:xfrm>
+          <a:prstGeom prst="rect">
+            <a:avLst/>
+          </a:prstGeom>
+        </p:spPr>
+      </p:pic>
+      <p:pic>
+        <p:nvPicPr>
+          <p:cNvPr id="127" name="圖片 126">
+            <a:extLst>
+              <a:ext uri="{FF2B5EF4-FFF2-40B4-BE49-F238E27FC236}">
+                <a16:creationId xmlns:a16="http://schemas.microsoft.com/office/drawing/2014/main" id="{CD840FFE-331E-751F-85E0-72216BA1E424}"/>
+              </a:ext>
+            </a:extLst>
+          </p:cNvPr>
+          <p:cNvPicPr>
+            <a:picLocks noChangeAspect="1"/>
+          </p:cNvPicPr>
+          <p:nvPr/>
+        </p:nvPicPr>
+        <p:blipFill>
+          <a:blip r:embed="rId7">
+            <a:extLst>
+              <a:ext uri="{28A0092B-C50C-407E-A947-70E740481C1C}">
+                <a14:useLocalDpi xmlns:a14="http://schemas.microsoft.com/office/drawing/2010/main" val="0"/>
+              </a:ext>
+            </a:extLst>
+          </a:blip>
+          <a:stretch>
+            <a:fillRect/>
+          </a:stretch>
+        </p:blipFill>
+        <p:spPr>
+          <a:xfrm>
+            <a:off x="5801432" y="174943"/>
+            <a:ext cx="6386079" cy="2128693"/>
+          </a:xfrm>
+          <a:prstGeom prst="rect">
+            <a:avLst/>
+          </a:prstGeom>
+        </p:spPr>
+      </p:pic>
+      <p:cxnSp>
+        <p:nvCxnSpPr>
+          <p:cNvPr id="135" name="直線接點 134">
+            <a:extLst>
+              <a:ext uri="{FF2B5EF4-FFF2-40B4-BE49-F238E27FC236}">
+                <a16:creationId xmlns:a16="http://schemas.microsoft.com/office/drawing/2014/main" id="{97087E9A-E2BE-F41F-6BFE-26485E39BD7B}"/>
+              </a:ext>
+            </a:extLst>
+          </p:cNvPr>
+          <p:cNvCxnSpPr/>
+          <p:nvPr/>
+        </p:nvCxnSpPr>
+        <p:spPr>
+          <a:xfrm>
+            <a:off x="6596743" y="2656114"/>
+            <a:ext cx="0" cy="1621972"/>
+          </a:xfrm>
+          <a:prstGeom prst="line">
+            <a:avLst/>
+          </a:prstGeom>
+        </p:spPr>
+        <p:style>
+          <a:lnRef idx="1">
+            <a:schemeClr val="accent1"/>
+          </a:lnRef>
+          <a:fillRef idx="0">
+            <a:schemeClr val="accent1"/>
+          </a:fillRef>
+          <a:effectRef idx="0">
+            <a:schemeClr val="accent1"/>
+          </a:effectRef>
+          <a:fontRef idx="minor">
+            <a:schemeClr val="tx1"/>
+          </a:fontRef>
+        </p:style>
+      </p:cxnSp>
+    </p:spTree>
+    <p:extLst>
+      <p:ext uri="{BB962C8B-B14F-4D97-AF65-F5344CB8AC3E}">
+        <p14:creationId xmlns:p14="http://schemas.microsoft.com/office/powerpoint/2010/main" val="1088503024"/>
+      </p:ext>
+    </p:extLst>
+  </p:cSld>
+  <p:clrMapOvr>
+    <a:masterClrMapping/>
+  </p:clrMapOvr>
+</p:sld>
+</file>
+
+<file path=ppt/slides/slide9.xml><?xml version="1.0" encoding="utf-8"?>
+<p:sld xmlns:a="http://schemas.openxmlformats.org/drawingml/2006/main" xmlns:r="http://schemas.openxmlformats.org/officeDocument/2006/relationships" xmlns:p="http://schemas.openxmlformats.org/presentationml/2006/main">
+  <p:cSld>
+    <p:spTree>
+      <p:nvGrpSpPr>
+        <p:cNvPr id="1" name=""/>
+        <p:cNvGrpSpPr/>
+        <p:nvPr/>
+      </p:nvGrpSpPr>
+      <p:grpSpPr>
+        <a:xfrm>
+          <a:off x="0" y="0"/>
+          <a:ext cx="0" cy="0"/>
+          <a:chOff x="0" y="0"/>
+          <a:chExt cx="0" cy="0"/>
+        </a:xfrm>
+      </p:grpSpPr>
+      <p:pic>
+        <p:nvPicPr>
+          <p:cNvPr id="107" name="內容版面配置區 106">
+            <a:extLst>
+              <a:ext uri="{FF2B5EF4-FFF2-40B4-BE49-F238E27FC236}">
+                <a16:creationId xmlns:a16="http://schemas.microsoft.com/office/drawing/2014/main" id="{AA1D3830-FD96-D6FE-5E2B-CE422E7851EC}"/>
+              </a:ext>
+            </a:extLst>
+          </p:cNvPr>
+          <p:cNvPicPr>
+            <a:picLocks noChangeAspect="1"/>
+          </p:cNvPicPr>
+          <p:nvPr/>
+        </p:nvPicPr>
+        <p:blipFill>
+          <a:blip r:embed="rId2">
+            <a:extLst>
+              <a:ext uri="{28A0092B-C50C-407E-A947-70E740481C1C}">
+                <a14:useLocalDpi xmlns:a14="http://schemas.microsoft.com/office/drawing/2010/main" val="0"/>
+              </a:ext>
+            </a:extLst>
+          </a:blip>
+          <a:stretch>
+            <a:fillRect/>
+          </a:stretch>
+        </p:blipFill>
+        <p:spPr>
+          <a:xfrm>
+            <a:off x="5867267" y="2459101"/>
+            <a:ext cx="6324733" cy="2108245"/>
+          </a:xfrm>
+          <a:prstGeom prst="rect">
+            <a:avLst/>
+          </a:prstGeom>
+        </p:spPr>
+      </p:pic>
+      <p:pic>
+        <p:nvPicPr>
+          <p:cNvPr id="111" name="圖片 110">
+            <a:extLst>
+              <a:ext uri="{FF2B5EF4-FFF2-40B4-BE49-F238E27FC236}">
+                <a16:creationId xmlns:a16="http://schemas.microsoft.com/office/drawing/2014/main" id="{76845086-71B3-3546-4615-8004A6E2DC0E}"/>
+              </a:ext>
+            </a:extLst>
+          </p:cNvPr>
+          <p:cNvPicPr>
+            <a:picLocks noChangeAspect="1"/>
+          </p:cNvPicPr>
+          <p:nvPr/>
+        </p:nvPicPr>
+        <p:blipFill>
+          <a:blip r:embed="rId3">
+            <a:extLst>
+              <a:ext uri="{28A0092B-C50C-407E-A947-70E740481C1C}">
+                <a14:useLocalDpi xmlns:a14="http://schemas.microsoft.com/office/drawing/2010/main" val="0"/>
+              </a:ext>
+            </a:extLst>
+          </a:blip>
+          <a:stretch>
+            <a:fillRect/>
+          </a:stretch>
+        </p:blipFill>
+        <p:spPr>
+          <a:xfrm>
+            <a:off x="0" y="2381934"/>
+            <a:ext cx="6324733" cy="2108244"/>
+          </a:xfrm>
+          <a:prstGeom prst="rect">
+            <a:avLst/>
+          </a:prstGeom>
+        </p:spPr>
+      </p:pic>
+      <p:pic>
+        <p:nvPicPr>
+          <p:cNvPr id="117" name="圖片 116">
+            <a:extLst>
+              <a:ext uri="{FF2B5EF4-FFF2-40B4-BE49-F238E27FC236}">
+                <a16:creationId xmlns:a16="http://schemas.microsoft.com/office/drawing/2014/main" id="{2E964D06-3B65-8843-D6F1-96FD1841B628}"/>
+              </a:ext>
+            </a:extLst>
+          </p:cNvPr>
+          <p:cNvPicPr>
+            <a:picLocks noChangeAspect="1"/>
+          </p:cNvPicPr>
+          <p:nvPr/>
+        </p:nvPicPr>
+        <p:blipFill>
+          <a:blip r:embed="rId4">
+            <a:extLst>
+              <a:ext uri="{28A0092B-C50C-407E-A947-70E740481C1C}">
+                <a14:useLocalDpi xmlns:a14="http://schemas.microsoft.com/office/drawing/2010/main" val="0"/>
+              </a:ext>
+            </a:extLst>
+          </a:blip>
+          <a:stretch>
+            <a:fillRect/>
+          </a:stretch>
+        </p:blipFill>
+        <p:spPr>
+          <a:xfrm>
+            <a:off x="5867267" y="144020"/>
+            <a:ext cx="6324733" cy="2108244"/>
+          </a:xfrm>
+          <a:prstGeom prst="rect">
+            <a:avLst/>
+          </a:prstGeom>
+        </p:spPr>
+      </p:pic>
+      <p:pic>
+        <p:nvPicPr>
+          <p:cNvPr id="119" name="圖片 118">
+            <a:extLst>
+              <a:ext uri="{FF2B5EF4-FFF2-40B4-BE49-F238E27FC236}">
+                <a16:creationId xmlns:a16="http://schemas.microsoft.com/office/drawing/2014/main" id="{2575FD40-075C-D0B6-14A8-41260B833A16}"/>
+              </a:ext>
+            </a:extLst>
+          </p:cNvPr>
+          <p:cNvPicPr>
+            <a:picLocks noChangeAspect="1"/>
+          </p:cNvPicPr>
+          <p:nvPr/>
+        </p:nvPicPr>
+        <p:blipFill>
+          <a:blip r:embed="rId5">
+            <a:extLst>
+              <a:ext uri="{28A0092B-C50C-407E-A947-70E740481C1C}">
+                <a14:useLocalDpi xmlns:a14="http://schemas.microsoft.com/office/drawing/2010/main" val="0"/>
+              </a:ext>
+            </a:extLst>
+          </a:blip>
+          <a:stretch>
+            <a:fillRect/>
+          </a:stretch>
+        </p:blipFill>
+        <p:spPr>
+          <a:xfrm>
+            <a:off x="0" y="4605736"/>
+            <a:ext cx="6324733" cy="2108244"/>
+          </a:xfrm>
+          <a:prstGeom prst="rect">
+            <a:avLst/>
+          </a:prstGeom>
+        </p:spPr>
+      </p:pic>
+      <p:pic>
+        <p:nvPicPr>
+          <p:cNvPr id="125" name="圖片 124">
+            <a:extLst>
+              <a:ext uri="{FF2B5EF4-FFF2-40B4-BE49-F238E27FC236}">
+                <a16:creationId xmlns:a16="http://schemas.microsoft.com/office/drawing/2014/main" id="{A7C57E79-7A0C-C0AC-5026-B60F589EAAC1}"/>
+              </a:ext>
+            </a:extLst>
+          </p:cNvPr>
+          <p:cNvPicPr>
+            <a:picLocks noChangeAspect="1"/>
+          </p:cNvPicPr>
+          <p:nvPr/>
+        </p:nvPicPr>
+        <p:blipFill>
+          <a:blip r:embed="rId6">
+            <a:extLst>
+              <a:ext uri="{28A0092B-C50C-407E-A947-70E740481C1C}">
+                <a14:useLocalDpi xmlns:a14="http://schemas.microsoft.com/office/drawing/2010/main" val="0"/>
+              </a:ext>
+            </a:extLst>
+          </a:blip>
+          <a:stretch>
+            <a:fillRect/>
+          </a:stretch>
+        </p:blipFill>
+        <p:spPr>
+          <a:xfrm>
+            <a:off x="-1" y="144020"/>
+            <a:ext cx="6324733" cy="2108244"/>
+          </a:xfrm>
+          <a:prstGeom prst="rect">
+            <a:avLst/>
+          </a:prstGeom>
+        </p:spPr>
+      </p:pic>
+    </p:spTree>
+    <p:extLst>
+      <p:ext uri="{BB962C8B-B14F-4D97-AF65-F5344CB8AC3E}">
+        <p14:creationId xmlns:p14="http://schemas.microsoft.com/office/powerpoint/2010/main" val="169725238"/>
       </p:ext>
     </p:extLst>
   </p:cSld>
